--- a/slides/10801/Python進階程式設計/[W5] Classification Theories and Exercises.pptx
+++ b/slides/10801/Python進階程式設計/[W5] Classification Theories and Exercises.pptx
@@ -5,7 +5,7 @@
     <p:sldMasterId id="2147483805" r:id="rId1"/>
   </p:sldMasterIdLst>
   <p:notesMasterIdLst>
-    <p:notesMasterId r:id="rId33"/>
+    <p:notesMasterId r:id="rId32"/>
   </p:notesMasterIdLst>
   <p:sldIdLst>
     <p:sldId id="435" r:id="rId2"/>
@@ -14,31 +14,30 @@
     <p:sldId id="437" r:id="rId5"/>
     <p:sldId id="464" r:id="rId6"/>
     <p:sldId id="465" r:id="rId7"/>
-    <p:sldId id="466" r:id="rId8"/>
-    <p:sldId id="467" r:id="rId9"/>
-    <p:sldId id="438" r:id="rId10"/>
-    <p:sldId id="439" r:id="rId11"/>
-    <p:sldId id="440" r:id="rId12"/>
-    <p:sldId id="441" r:id="rId13"/>
-    <p:sldId id="442" r:id="rId14"/>
-    <p:sldId id="444" r:id="rId15"/>
-    <p:sldId id="445" r:id="rId16"/>
-    <p:sldId id="446" r:id="rId17"/>
-    <p:sldId id="447" r:id="rId18"/>
-    <p:sldId id="448" r:id="rId19"/>
-    <p:sldId id="449" r:id="rId20"/>
-    <p:sldId id="453" r:id="rId21"/>
-    <p:sldId id="454" r:id="rId22"/>
-    <p:sldId id="455" r:id="rId23"/>
-    <p:sldId id="456" r:id="rId24"/>
-    <p:sldId id="457" r:id="rId25"/>
-    <p:sldId id="458" r:id="rId26"/>
-    <p:sldId id="459" r:id="rId27"/>
-    <p:sldId id="460" r:id="rId28"/>
-    <p:sldId id="461" r:id="rId29"/>
-    <p:sldId id="462" r:id="rId30"/>
-    <p:sldId id="463" r:id="rId31"/>
-    <p:sldId id="384" r:id="rId32"/>
+    <p:sldId id="467" r:id="rId8"/>
+    <p:sldId id="438" r:id="rId9"/>
+    <p:sldId id="439" r:id="rId10"/>
+    <p:sldId id="440" r:id="rId11"/>
+    <p:sldId id="441" r:id="rId12"/>
+    <p:sldId id="442" r:id="rId13"/>
+    <p:sldId id="444" r:id="rId14"/>
+    <p:sldId id="445" r:id="rId15"/>
+    <p:sldId id="446" r:id="rId16"/>
+    <p:sldId id="447" r:id="rId17"/>
+    <p:sldId id="448" r:id="rId18"/>
+    <p:sldId id="449" r:id="rId19"/>
+    <p:sldId id="453" r:id="rId20"/>
+    <p:sldId id="454" r:id="rId21"/>
+    <p:sldId id="455" r:id="rId22"/>
+    <p:sldId id="456" r:id="rId23"/>
+    <p:sldId id="457" r:id="rId24"/>
+    <p:sldId id="458" r:id="rId25"/>
+    <p:sldId id="459" r:id="rId26"/>
+    <p:sldId id="460" r:id="rId27"/>
+    <p:sldId id="461" r:id="rId28"/>
+    <p:sldId id="462" r:id="rId29"/>
+    <p:sldId id="463" r:id="rId30"/>
+    <p:sldId id="384" r:id="rId31"/>
   </p:sldIdLst>
   <p:sldSz cx="12192000" cy="6858000"/>
   <p:notesSz cx="6858000" cy="9144000"/>
@@ -139,7 +138,18 @@
   </p:defaultTextStyle>
   <p:extLst>
     <p:ext uri="{EFAFB233-063F-42B5-8137-9DF3F51BA10A}">
-      <p15:sldGuideLst xmlns:p15="http://schemas.microsoft.com/office/powerpoint/2012/main" xmlns=""/>
+      <p15:sldGuideLst xmlns:p15="http://schemas.microsoft.com/office/powerpoint/2012/main">
+        <p15:guide id="1" orient="horz" pos="2160">
+          <p15:clr>
+            <a:srgbClr val="A4A3A4"/>
+          </p15:clr>
+        </p15:guide>
+        <p15:guide id="2" pos="3840">
+          <p15:clr>
+            <a:srgbClr val="A4A3A4"/>
+          </p15:clr>
+        </p15:guide>
+      </p15:sldGuideLst>
     </p:ext>
   </p:extLst>
 </p:presentation>
@@ -227,7 +237,7 @@
           <a:p>
             <a:fld id="{C9CFBB87-18E0-4A0B-87C6-465E04F6E92E}" type="datetimeFigureOut">
               <a:rPr lang="zh-TW" altLang="en-US" smtClean="0"/>
-              <a:t>2019/10/7</a:t>
+              <a:t>2019/10/8</a:t>
             </a:fld>
             <a:endParaRPr lang="zh-TW" altLang="en-US"/>
           </a:p>
@@ -631,7 +641,7 @@
             </a:pPr>
             <a:fld id="{00000000-1234-1234-1234-123412341234}" type="slidenum">
               <a:rPr lang="en-US" altLang="zh-TW"/>
-              <a:t>21</a:t>
+              <a:t>20</a:t>
             </a:fld>
             <a:endParaRPr/>
           </a:p>
@@ -781,7 +791,7 @@
             </a:pPr>
             <a:fld id="{00000000-1234-1234-1234-123412341234}" type="slidenum">
               <a:rPr lang="en-US" altLang="zh-TW"/>
-              <a:t>30</a:t>
+              <a:t>29</a:t>
             </a:fld>
             <a:endParaRPr/>
           </a:p>
@@ -931,7 +941,7 @@
             </a:pPr>
             <a:fld id="{00000000-1234-1234-1234-123412341234}" type="slidenum">
               <a:rPr lang="en-US" altLang="zh-TW"/>
-              <a:t>22</a:t>
+              <a:t>21</a:t>
             </a:fld>
             <a:endParaRPr/>
           </a:p>
@@ -1081,7 +1091,7 @@
             </a:pPr>
             <a:fld id="{00000000-1234-1234-1234-123412341234}" type="slidenum">
               <a:rPr lang="en-US" altLang="zh-TW"/>
-              <a:t>23</a:t>
+              <a:t>22</a:t>
             </a:fld>
             <a:endParaRPr/>
           </a:p>
@@ -1231,7 +1241,7 @@
             </a:pPr>
             <a:fld id="{00000000-1234-1234-1234-123412341234}" type="slidenum">
               <a:rPr lang="en-US" altLang="zh-TW"/>
-              <a:t>24</a:t>
+              <a:t>23</a:t>
             </a:fld>
             <a:endParaRPr/>
           </a:p>
@@ -1381,7 +1391,7 @@
             </a:pPr>
             <a:fld id="{00000000-1234-1234-1234-123412341234}" type="slidenum">
               <a:rPr lang="en-US" altLang="zh-TW"/>
-              <a:t>25</a:t>
+              <a:t>24</a:t>
             </a:fld>
             <a:endParaRPr/>
           </a:p>
@@ -1531,7 +1541,7 @@
             </a:pPr>
             <a:fld id="{00000000-1234-1234-1234-123412341234}" type="slidenum">
               <a:rPr lang="en-US" altLang="zh-TW"/>
-              <a:t>26</a:t>
+              <a:t>25</a:t>
             </a:fld>
             <a:endParaRPr/>
           </a:p>
@@ -1681,7 +1691,7 @@
             </a:pPr>
             <a:fld id="{00000000-1234-1234-1234-123412341234}" type="slidenum">
               <a:rPr lang="en-US" altLang="zh-TW"/>
-              <a:t>27</a:t>
+              <a:t>26</a:t>
             </a:fld>
             <a:endParaRPr/>
           </a:p>
@@ -1831,7 +1841,7 @@
             </a:pPr>
             <a:fld id="{00000000-1234-1234-1234-123412341234}" type="slidenum">
               <a:rPr lang="en-US" altLang="zh-TW"/>
-              <a:t>28</a:t>
+              <a:t>27</a:t>
             </a:fld>
             <a:endParaRPr/>
           </a:p>
@@ -1981,7 +1991,7 @@
             </a:pPr>
             <a:fld id="{00000000-1234-1234-1234-123412341234}" type="slidenum">
               <a:rPr lang="en-US" altLang="zh-TW"/>
-              <a:t>29</a:t>
+              <a:t>28</a:t>
             </a:fld>
             <a:endParaRPr/>
           </a:p>
@@ -8443,40 +8453,125 @@
           <a:p>
             <a:pPr algn="ctr"/>
             <a:r>
-              <a:rPr lang="zh-TW" altLang="en-US" sz="4000" b="1" dirty="0">
-                <a:latin typeface="微軟正黑體" panose="020B0604030504040204" pitchFamily="34" charset="-120"/>
-                <a:ea typeface="微軟正黑體" panose="020B0604030504040204" pitchFamily="34" charset="-120"/>
-              </a:rPr>
-              <a:t>資訊</a:t>
-            </a:r>
-            <a:r>
               <a:rPr lang="zh-TW" altLang="en-US" sz="4000" b="1" dirty="0" smtClean="0">
                 <a:latin typeface="微軟正黑體" panose="020B0604030504040204" pitchFamily="34" charset="-120"/>
                 <a:ea typeface="微軟正黑體" panose="020B0604030504040204" pitchFamily="34" charset="-120"/>
               </a:rPr>
-              <a:t>熵 </a:t>
-            </a:r>
-            <a:r>
-              <a:rPr lang="en-US" altLang="zh-TW" sz="4000" b="1" dirty="0" smtClean="0">
-                <a:latin typeface="微軟正黑體" panose="020B0604030504040204" pitchFamily="34" charset="-120"/>
-                <a:ea typeface="微軟正黑體" panose="020B0604030504040204" pitchFamily="34" charset="-120"/>
-              </a:rPr>
-              <a:t>&amp;</a:t>
-            </a:r>
-            <a:r>
-              <a:rPr lang="zh-TW" altLang="en-US" sz="4000" b="1" dirty="0" smtClean="0">
-                <a:latin typeface="微軟正黑體" panose="020B0604030504040204" pitchFamily="34" charset="-120"/>
-                <a:ea typeface="微軟正黑體" panose="020B0604030504040204" pitchFamily="34" charset="-120"/>
-              </a:rPr>
-              <a:t> 資訊量</a:t>
-            </a:r>
-            <a:r>
-              <a:rPr lang="zh-TW" altLang="en-US" sz="4000" b="1" dirty="0">
-                <a:latin typeface="微軟正黑體" panose="020B0604030504040204" pitchFamily="34" charset="-120"/>
-                <a:ea typeface="微軟正黑體" panose="020B0604030504040204" pitchFamily="34" charset="-120"/>
-              </a:rPr>
-              <a:t>增益</a:t>
-            </a:r>
+              <a:t>參考來源</a:t>
+            </a:r>
+            <a:endParaRPr lang="zh-TW" altLang="en-US" sz="4000" b="1" dirty="0">
+              <a:latin typeface="微軟正黑體" panose="020B0604030504040204" pitchFamily="34" charset="-120"/>
+              <a:ea typeface="微軟正黑體" panose="020B0604030504040204" pitchFamily="34" charset="-120"/>
+            </a:endParaRPr>
+          </a:p>
+        </p:txBody>
+      </p:sp>
+      <p:sp>
+        <p:nvSpPr>
+          <p:cNvPr id="3" name="內容版面配置區 2"/>
+          <p:cNvSpPr>
+            <a:spLocks noGrp="1"/>
+          </p:cNvSpPr>
+          <p:nvPr>
+            <p:ph idx="1"/>
+          </p:nvPr>
+        </p:nvSpPr>
+        <p:spPr>
+          <a:xfrm>
+            <a:off x="1262743" y="2142067"/>
+            <a:ext cx="9554483" cy="2673773"/>
+          </a:xfrm>
+        </p:spPr>
+        <p:txBody>
+          <a:bodyPr>
+            <a:normAutofit/>
+          </a:bodyPr>
+          <a:lstStyle/>
+          <a:p>
+            <a:pPr marL="457200" indent="-457200">
+              <a:buFont typeface="+mj-lt"/>
+              <a:buAutoNum type="arabicPeriod"/>
+            </a:pPr>
+            <a:r>
+              <a:rPr lang="en-US" altLang="zh-TW" sz="2400" dirty="0">
+                <a:latin typeface="微軟正黑體" panose="020B0604030504040204" pitchFamily="34" charset="-120"/>
+                <a:ea typeface="微軟正黑體" panose="020B0604030504040204" pitchFamily="34" charset="-120"/>
+                <a:hlinkClick r:id="rId2"/>
+              </a:rPr>
+              <a:t>Visualizing a Decision Tree - Machine Learning Recipes #</a:t>
+            </a:r>
+            <a:r>
+              <a:rPr lang="en-US" altLang="zh-TW" sz="2400" dirty="0" smtClean="0">
+                <a:latin typeface="微軟正黑體" panose="020B0604030504040204" pitchFamily="34" charset="-120"/>
+                <a:ea typeface="微軟正黑體" panose="020B0604030504040204" pitchFamily="34" charset="-120"/>
+                <a:hlinkClick r:id="rId2"/>
+              </a:rPr>
+              <a:t>2</a:t>
+            </a:r>
+            <a:endParaRPr lang="en-US" altLang="zh-TW" sz="2400" dirty="0" smtClean="0">
+              <a:latin typeface="微軟正黑體" panose="020B0604030504040204" pitchFamily="34" charset="-120"/>
+              <a:ea typeface="微軟正黑體" panose="020B0604030504040204" pitchFamily="34" charset="-120"/>
+            </a:endParaRPr>
+          </a:p>
+          <a:p>
+            <a:pPr marL="457200" indent="-457200">
+              <a:buFont typeface="+mj-lt"/>
+              <a:buAutoNum type="arabicPeriod"/>
+            </a:pPr>
+            <a:r>
+              <a:rPr lang="en-US" altLang="zh-TW" sz="2400" dirty="0">
+                <a:latin typeface="微軟正黑體" panose="020B0604030504040204" pitchFamily="34" charset="-120"/>
+                <a:ea typeface="微軟正黑體" panose="020B0604030504040204" pitchFamily="34" charset="-120"/>
+                <a:hlinkClick r:id="rId3"/>
+              </a:rPr>
+              <a:t>Decision Analysis 3: Decision </a:t>
+            </a:r>
+            <a:r>
+              <a:rPr lang="en-US" altLang="zh-TW" sz="2400" dirty="0" smtClean="0">
+                <a:latin typeface="微軟正黑體" panose="020B0604030504040204" pitchFamily="34" charset="-120"/>
+                <a:ea typeface="微軟正黑體" panose="020B0604030504040204" pitchFamily="34" charset="-120"/>
+                <a:hlinkClick r:id="rId3"/>
+              </a:rPr>
+              <a:t>Trees</a:t>
+            </a:r>
+            <a:endParaRPr lang="en-US" altLang="zh-TW" sz="2400" dirty="0" smtClean="0">
+              <a:latin typeface="微軟正黑體" panose="020B0604030504040204" pitchFamily="34" charset="-120"/>
+              <a:ea typeface="微軟正黑體" panose="020B0604030504040204" pitchFamily="34" charset="-120"/>
+            </a:endParaRPr>
+          </a:p>
+          <a:p>
+            <a:pPr marL="457200" indent="-457200">
+              <a:buFont typeface="+mj-lt"/>
+              <a:buAutoNum type="arabicPeriod"/>
+            </a:pPr>
+            <a:r>
+              <a:rPr lang="en-US" altLang="zh-TW" sz="2400" dirty="0">
+                <a:latin typeface="微軟正黑體" panose="020B0604030504040204" pitchFamily="34" charset="-120"/>
+                <a:ea typeface="微軟正黑體" panose="020B0604030504040204" pitchFamily="34" charset="-120"/>
+                <a:hlinkClick r:id="rId4"/>
+              </a:rPr>
+              <a:t>C4.5</a:t>
+            </a:r>
+            <a:r>
+              <a:rPr lang="zh-TW" altLang="en-US" sz="2400" dirty="0">
+                <a:latin typeface="微軟正黑體" panose="020B0604030504040204" pitchFamily="34" charset="-120"/>
+                <a:ea typeface="微軟正黑體" panose="020B0604030504040204" pitchFamily="34" charset="-120"/>
+                <a:hlinkClick r:id="rId4"/>
+              </a:rPr>
+              <a:t>決策樹算</a:t>
+            </a:r>
+            <a:r>
+              <a:rPr lang="zh-TW" altLang="en-US" sz="2400" dirty="0" smtClean="0">
+                <a:latin typeface="微軟正黑體" panose="020B0604030504040204" pitchFamily="34" charset="-120"/>
+                <a:ea typeface="微軟正黑體" panose="020B0604030504040204" pitchFamily="34" charset="-120"/>
+                <a:hlinkClick r:id="rId4"/>
+              </a:rPr>
+              <a:t>法</a:t>
+            </a:r>
+            <a:endParaRPr lang="zh-TW" altLang="en-US" sz="2400" dirty="0">
+              <a:latin typeface="微軟正黑體" panose="020B0604030504040204" pitchFamily="34" charset="-120"/>
+              <a:ea typeface="微軟正黑體" panose="020B0604030504040204" pitchFamily="34" charset="-120"/>
+            </a:endParaRPr>
           </a:p>
         </p:txBody>
       </p:sp>
@@ -8503,430 +8598,23 @@
           </a:p>
         </p:txBody>
       </p:sp>
-      <p:pic>
-        <p:nvPicPr>
-          <p:cNvPr id="5" name="圖片 4"/>
-          <p:cNvPicPr>
-            <a:picLocks noChangeAspect="1"/>
-          </p:cNvPicPr>
-          <p:nvPr/>
-        </p:nvPicPr>
-        <p:blipFill>
-          <a:blip r:embed="rId2"/>
-          <a:stretch>
-            <a:fillRect/>
-          </a:stretch>
-        </p:blipFill>
-        <p:spPr>
-          <a:xfrm>
-            <a:off x="2525423" y="2130856"/>
-            <a:ext cx="3705225" cy="638175"/>
-          </a:xfrm>
-          <a:prstGeom prst="rect">
-            <a:avLst/>
-          </a:prstGeom>
-        </p:spPr>
-      </p:pic>
-      <p:sp>
-        <p:nvSpPr>
-          <p:cNvPr id="6" name="文字方塊 5"/>
-          <p:cNvSpPr txBox="1"/>
-          <p:nvPr/>
-        </p:nvSpPr>
-        <p:spPr>
-          <a:xfrm>
-            <a:off x="6299199" y="2265278"/>
-            <a:ext cx="2031325" cy="369332"/>
-          </a:xfrm>
-          <a:prstGeom prst="rect">
-            <a:avLst/>
-          </a:prstGeom>
-          <a:noFill/>
-        </p:spPr>
-        <p:txBody>
-          <a:bodyPr wrap="none" rtlCol="0">
-            <a:spAutoFit/>
-          </a:bodyPr>
-          <a:lstStyle/>
-          <a:p>
-            <a:r>
-              <a:rPr lang="zh-TW" altLang="en-US" b="1" dirty="0" smtClean="0">
-                <a:solidFill>
-                  <a:srgbClr val="FFFF00"/>
-                </a:solidFill>
-                <a:latin typeface="微軟正黑體" panose="020B0604030504040204" pitchFamily="34" charset="-120"/>
-                <a:ea typeface="微軟正黑體" panose="020B0604030504040204" pitchFamily="34" charset="-120"/>
-              </a:rPr>
-              <a:t>買與不買</a:t>
-            </a:r>
-            <a:r>
-              <a:rPr lang="zh-TW" altLang="en-US" b="1" dirty="0">
-                <a:solidFill>
-                  <a:srgbClr val="FFFF00"/>
-                </a:solidFill>
-                <a:latin typeface="微軟正黑體" panose="020B0604030504040204" pitchFamily="34" charset="-120"/>
-                <a:ea typeface="微軟正黑體" panose="020B0604030504040204" pitchFamily="34" charset="-120"/>
-              </a:rPr>
-              <a:t>的資訊熵</a:t>
-            </a:r>
-          </a:p>
-        </p:txBody>
-      </p:sp>
-      <p:pic>
-        <p:nvPicPr>
-          <p:cNvPr id="7" name="圖片 6"/>
-          <p:cNvPicPr>
-            <a:picLocks noChangeAspect="1"/>
-          </p:cNvPicPr>
-          <p:nvPr/>
-        </p:nvPicPr>
-        <p:blipFill>
-          <a:blip r:embed="rId3"/>
-          <a:stretch>
-            <a:fillRect/>
-          </a:stretch>
-        </p:blipFill>
-        <p:spPr>
-          <a:xfrm>
-            <a:off x="2525423" y="2895185"/>
-            <a:ext cx="4257675" cy="676275"/>
-          </a:xfrm>
-          <a:prstGeom prst="rect">
-            <a:avLst/>
-          </a:prstGeom>
-        </p:spPr>
-      </p:pic>
-      <p:pic>
-        <p:nvPicPr>
-          <p:cNvPr id="8" name="圖片 7"/>
-          <p:cNvPicPr>
-            <a:picLocks noChangeAspect="1"/>
-          </p:cNvPicPr>
-          <p:nvPr/>
-        </p:nvPicPr>
-        <p:blipFill>
-          <a:blip r:embed="rId4"/>
-          <a:stretch>
-            <a:fillRect/>
-          </a:stretch>
-        </p:blipFill>
-        <p:spPr>
-          <a:xfrm>
-            <a:off x="2525423" y="3697614"/>
-            <a:ext cx="5314950" cy="685800"/>
-          </a:xfrm>
-          <a:prstGeom prst="rect">
-            <a:avLst/>
-          </a:prstGeom>
-        </p:spPr>
-      </p:pic>
-      <p:sp>
-        <p:nvSpPr>
-          <p:cNvPr id="9" name="文字方塊 8"/>
-          <p:cNvSpPr txBox="1"/>
-          <p:nvPr/>
-        </p:nvSpPr>
-        <p:spPr>
-          <a:xfrm>
-            <a:off x="6824710" y="3048656"/>
-            <a:ext cx="2954655" cy="369332"/>
-          </a:xfrm>
-          <a:prstGeom prst="rect">
-            <a:avLst/>
-          </a:prstGeom>
-          <a:noFill/>
-        </p:spPr>
-        <p:txBody>
-          <a:bodyPr wrap="none" rtlCol="0">
-            <a:spAutoFit/>
-          </a:bodyPr>
-          <a:lstStyle/>
-          <a:p>
-            <a:r>
-              <a:rPr lang="zh-TW" altLang="en-US" b="1" dirty="0" smtClean="0">
-                <a:solidFill>
-                  <a:srgbClr val="FFFF00"/>
-                </a:solidFill>
-                <a:latin typeface="微軟正黑體" panose="020B0604030504040204" pitchFamily="34" charset="-120"/>
-                <a:ea typeface="微軟正黑體" panose="020B0604030504040204" pitchFamily="34" charset="-120"/>
-              </a:rPr>
-              <a:t>年輕人、買與不買的資訊</a:t>
-            </a:r>
-            <a:r>
-              <a:rPr lang="zh-TW" altLang="en-US" b="1" dirty="0">
-                <a:solidFill>
-                  <a:srgbClr val="FFFF00"/>
-                </a:solidFill>
-                <a:latin typeface="微軟正黑體" panose="020B0604030504040204" pitchFamily="34" charset="-120"/>
-                <a:ea typeface="微軟正黑體" panose="020B0604030504040204" pitchFamily="34" charset="-120"/>
-              </a:rPr>
-              <a:t>熵</a:t>
-            </a:r>
-          </a:p>
-        </p:txBody>
-      </p:sp>
-      <p:sp>
-        <p:nvSpPr>
-          <p:cNvPr id="10" name="文字方塊 9"/>
-          <p:cNvSpPr txBox="1"/>
-          <p:nvPr/>
-        </p:nvSpPr>
-        <p:spPr>
-          <a:xfrm>
-            <a:off x="7876642" y="3855848"/>
-            <a:ext cx="2954655" cy="369332"/>
-          </a:xfrm>
-          <a:prstGeom prst="rect">
-            <a:avLst/>
-          </a:prstGeom>
-          <a:noFill/>
-        </p:spPr>
-        <p:txBody>
-          <a:bodyPr wrap="none" rtlCol="0">
-            <a:spAutoFit/>
-          </a:bodyPr>
-          <a:lstStyle/>
-          <a:p>
-            <a:r>
-              <a:rPr lang="zh-TW" altLang="en-US" b="1" dirty="0" smtClean="0">
-                <a:solidFill>
-                  <a:srgbClr val="FFFF00"/>
-                </a:solidFill>
-                <a:latin typeface="微軟正黑體" panose="020B0604030504040204" pitchFamily="34" charset="-120"/>
-                <a:ea typeface="微軟正黑體" panose="020B0604030504040204" pitchFamily="34" charset="-120"/>
-              </a:rPr>
-              <a:t>年紀、買與不買的總資訊</a:t>
-            </a:r>
-            <a:r>
-              <a:rPr lang="zh-TW" altLang="en-US" b="1" dirty="0">
-                <a:solidFill>
-                  <a:srgbClr val="FFFF00"/>
-                </a:solidFill>
-                <a:latin typeface="微軟正黑體" panose="020B0604030504040204" pitchFamily="34" charset="-120"/>
-                <a:ea typeface="微軟正黑體" panose="020B0604030504040204" pitchFamily="34" charset="-120"/>
-              </a:rPr>
-              <a:t>熵</a:t>
-            </a:r>
-          </a:p>
-        </p:txBody>
-      </p:sp>
-      <p:sp>
-        <p:nvSpPr>
-          <p:cNvPr id="12" name="文字方塊 11"/>
-          <p:cNvSpPr txBox="1"/>
-          <p:nvPr/>
-        </p:nvSpPr>
-        <p:spPr>
-          <a:xfrm>
-            <a:off x="2447637" y="4846253"/>
-            <a:ext cx="4780411" cy="1200329"/>
-          </a:xfrm>
-          <a:prstGeom prst="rect">
-            <a:avLst/>
-          </a:prstGeom>
-          <a:noFill/>
-        </p:spPr>
-        <p:txBody>
-          <a:bodyPr wrap="none" rtlCol="0">
-            <a:spAutoFit/>
-          </a:bodyPr>
-          <a:lstStyle/>
-          <a:p>
-            <a:r>
-              <a:rPr lang="en-US" altLang="zh-TW" b="1" dirty="0" smtClean="0">
-                <a:latin typeface="微軟正黑體" panose="020B0604030504040204" pitchFamily="34" charset="-120"/>
-                <a:ea typeface="微軟正黑體" panose="020B0604030504040204" pitchFamily="34" charset="-120"/>
-              </a:rPr>
-              <a:t>Gain(age)</a:t>
-            </a:r>
-            <a:r>
-              <a:rPr lang="zh-TW" altLang="en-US" b="1" dirty="0" smtClean="0">
-                <a:latin typeface="微軟正黑體" panose="020B0604030504040204" pitchFamily="34" charset="-120"/>
-                <a:ea typeface="微軟正黑體" panose="020B0604030504040204" pitchFamily="34" charset="-120"/>
-              </a:rPr>
-              <a:t> </a:t>
-            </a:r>
-            <a:r>
-              <a:rPr lang="en-US" altLang="zh-TW" b="1" dirty="0" smtClean="0">
-                <a:latin typeface="微軟正黑體" panose="020B0604030504040204" pitchFamily="34" charset="-120"/>
-                <a:ea typeface="微軟正黑體" panose="020B0604030504040204" pitchFamily="34" charset="-120"/>
-              </a:rPr>
-              <a:t>=</a:t>
-            </a:r>
-            <a:r>
-              <a:rPr lang="zh-TW" altLang="en-US" b="1" dirty="0" smtClean="0">
-                <a:latin typeface="微軟正黑體" panose="020B0604030504040204" pitchFamily="34" charset="-120"/>
-                <a:ea typeface="微軟正黑體" panose="020B0604030504040204" pitchFamily="34" charset="-120"/>
-              </a:rPr>
-              <a:t> </a:t>
-            </a:r>
-            <a:r>
-              <a:rPr lang="en-US" altLang="zh-TW" b="1" dirty="0" smtClean="0">
-                <a:latin typeface="微軟正黑體" panose="020B0604030504040204" pitchFamily="34" charset="-120"/>
-                <a:ea typeface="微軟正黑體" panose="020B0604030504040204" pitchFamily="34" charset="-120"/>
-              </a:rPr>
-              <a:t>0.94</a:t>
-            </a:r>
-            <a:r>
-              <a:rPr lang="zh-TW" altLang="en-US" b="1" dirty="0" smtClean="0">
-                <a:latin typeface="微軟正黑體" panose="020B0604030504040204" pitchFamily="34" charset="-120"/>
-                <a:ea typeface="微軟正黑體" panose="020B0604030504040204" pitchFamily="34" charset="-120"/>
-              </a:rPr>
-              <a:t> </a:t>
-            </a:r>
-            <a:r>
-              <a:rPr lang="en-US" altLang="zh-TW" b="1" dirty="0" smtClean="0">
-                <a:latin typeface="微軟正黑體" panose="020B0604030504040204" pitchFamily="34" charset="-120"/>
-                <a:ea typeface="微軟正黑體" panose="020B0604030504040204" pitchFamily="34" charset="-120"/>
-              </a:rPr>
-              <a:t>–</a:t>
-            </a:r>
-            <a:r>
-              <a:rPr lang="zh-TW" altLang="en-US" b="1" dirty="0" smtClean="0">
-                <a:latin typeface="微軟正黑體" panose="020B0604030504040204" pitchFamily="34" charset="-120"/>
-                <a:ea typeface="微軟正黑體" panose="020B0604030504040204" pitchFamily="34" charset="-120"/>
-              </a:rPr>
-              <a:t> </a:t>
-            </a:r>
-            <a:r>
-              <a:rPr lang="en-US" altLang="zh-TW" b="1" dirty="0" smtClean="0">
-                <a:latin typeface="微軟正黑體" panose="020B0604030504040204" pitchFamily="34" charset="-120"/>
-                <a:ea typeface="微軟正黑體" panose="020B0604030504040204" pitchFamily="34" charset="-120"/>
-              </a:rPr>
-              <a:t>0.694</a:t>
-            </a:r>
-            <a:r>
-              <a:rPr lang="zh-TW" altLang="en-US" b="1" dirty="0" smtClean="0">
-                <a:latin typeface="微軟正黑體" panose="020B0604030504040204" pitchFamily="34" charset="-120"/>
-                <a:ea typeface="微軟正黑體" panose="020B0604030504040204" pitchFamily="34" charset="-120"/>
-              </a:rPr>
-              <a:t> </a:t>
-            </a:r>
-            <a:r>
-              <a:rPr lang="en-US" altLang="zh-TW" b="1" dirty="0" smtClean="0">
-                <a:latin typeface="微軟正黑體" panose="020B0604030504040204" pitchFamily="34" charset="-120"/>
-                <a:ea typeface="微軟正黑體" panose="020B0604030504040204" pitchFamily="34" charset="-120"/>
-              </a:rPr>
-              <a:t>=</a:t>
-            </a:r>
-            <a:r>
-              <a:rPr lang="zh-TW" altLang="en-US" b="1" dirty="0" smtClean="0">
-                <a:latin typeface="微軟正黑體" panose="020B0604030504040204" pitchFamily="34" charset="-120"/>
-                <a:ea typeface="微軟正黑體" panose="020B0604030504040204" pitchFamily="34" charset="-120"/>
-              </a:rPr>
-              <a:t> </a:t>
-            </a:r>
-            <a:r>
-              <a:rPr lang="en-US" altLang="zh-TW" b="1" dirty="0" smtClean="0">
-                <a:latin typeface="微軟正黑體" panose="020B0604030504040204" pitchFamily="34" charset="-120"/>
-                <a:ea typeface="微軟正黑體" panose="020B0604030504040204" pitchFamily="34" charset="-120"/>
-              </a:rPr>
-              <a:t>0.246</a:t>
-            </a:r>
-          </a:p>
-          <a:p>
-            <a:r>
-              <a:rPr lang="en-US" altLang="zh-TW" b="1" dirty="0" smtClean="0">
-                <a:latin typeface="微軟正黑體" panose="020B0604030504040204" pitchFamily="34" charset="-120"/>
-                <a:ea typeface="微軟正黑體" panose="020B0604030504040204" pitchFamily="34" charset="-120"/>
-              </a:rPr>
-              <a:t>Gain(student) = 0.94 – 0.789 = 0.151</a:t>
-            </a:r>
-          </a:p>
-          <a:p>
-            <a:r>
-              <a:rPr lang="en-US" altLang="zh-TW" b="1" dirty="0" smtClean="0">
-                <a:latin typeface="微軟正黑體" panose="020B0604030504040204" pitchFamily="34" charset="-120"/>
-                <a:ea typeface="微軟正黑體" panose="020B0604030504040204" pitchFamily="34" charset="-120"/>
-              </a:rPr>
-              <a:t>Gain(</a:t>
-            </a:r>
-            <a:r>
-              <a:rPr lang="en-US" altLang="zh-TW" b="1" dirty="0" err="1" smtClean="0">
-                <a:latin typeface="微軟正黑體" panose="020B0604030504040204" pitchFamily="34" charset="-120"/>
-                <a:ea typeface="微軟正黑體" panose="020B0604030504040204" pitchFamily="34" charset="-120"/>
-              </a:rPr>
-              <a:t>credit_rating</a:t>
-            </a:r>
-            <a:r>
-              <a:rPr lang="en-US" altLang="zh-TW" b="1" dirty="0" smtClean="0">
-                <a:latin typeface="微軟正黑體" panose="020B0604030504040204" pitchFamily="34" charset="-120"/>
-                <a:ea typeface="微軟正黑體" panose="020B0604030504040204" pitchFamily="34" charset="-120"/>
-              </a:rPr>
-              <a:t>) = 0.94 – 0.892 = 0.048</a:t>
-            </a:r>
-          </a:p>
-          <a:p>
-            <a:r>
-              <a:rPr lang="en-US" altLang="zh-TW" b="1" dirty="0" smtClean="0">
-                <a:latin typeface="微軟正黑體" panose="020B0604030504040204" pitchFamily="34" charset="-120"/>
-                <a:ea typeface="微軟正黑體" panose="020B0604030504040204" pitchFamily="34" charset="-120"/>
-              </a:rPr>
-              <a:t>Gain(income) = 0.94 – 0.911 = 0.029</a:t>
-            </a:r>
-            <a:endParaRPr lang="zh-TW" altLang="en-US" b="1" dirty="0">
-              <a:latin typeface="微軟正黑體" panose="020B0604030504040204" pitchFamily="34" charset="-120"/>
-              <a:ea typeface="微軟正黑體" panose="020B0604030504040204" pitchFamily="34" charset="-120"/>
-            </a:endParaRPr>
-          </a:p>
-        </p:txBody>
-      </p:sp>
-      <p:sp>
-        <p:nvSpPr>
-          <p:cNvPr id="13" name="橢圓 12"/>
-          <p:cNvSpPr/>
-          <p:nvPr/>
-        </p:nvSpPr>
-        <p:spPr>
-          <a:xfrm>
-            <a:off x="5394036" y="3697613"/>
-            <a:ext cx="304800" cy="685801"/>
-          </a:xfrm>
-          <a:prstGeom prst="ellipse">
-            <a:avLst/>
-          </a:prstGeom>
-          <a:noFill/>
-          <a:ln>
-            <a:solidFill>
-              <a:srgbClr val="FF0000"/>
-            </a:solidFill>
-          </a:ln>
-        </p:spPr>
-        <p:style>
-          <a:lnRef idx="2">
-            <a:schemeClr val="accent1">
-              <a:shade val="50000"/>
-            </a:schemeClr>
-          </a:lnRef>
-          <a:fillRef idx="1">
-            <a:schemeClr val="accent1"/>
-          </a:fillRef>
-          <a:effectRef idx="0">
-            <a:schemeClr val="accent1"/>
-          </a:effectRef>
-          <a:fontRef idx="minor">
-            <a:schemeClr val="lt1"/>
-          </a:fontRef>
-        </p:style>
-        <p:txBody>
-          <a:bodyPr rtlCol="0" anchor="ctr"/>
-          <a:lstStyle/>
-          <a:p>
-            <a:pPr algn="ctr"/>
-            <a:endParaRPr lang="zh-TW" altLang="en-US"/>
-          </a:p>
-        </p:txBody>
-      </p:sp>
     </p:spTree>
     <p:extLst>
       <p:ext uri="{BB962C8B-B14F-4D97-AF65-F5344CB8AC3E}">
-        <p14:creationId xmlns:p14="http://schemas.microsoft.com/office/powerpoint/2010/main" val="3217205049"/>
+        <p14:creationId xmlns:p14="http://schemas.microsoft.com/office/powerpoint/2010/main" val="1158942319"/>
       </p:ext>
     </p:extLst>
   </p:cSld>
   <p:clrMapOvr>
     <a:masterClrMapping/>
   </p:clrMapOvr>
+  <p:timing>
+    <p:tnLst>
+      <p:par>
+        <p:cTn id="1" dur="indefinite" restart="never" nodeType="tmRoot"/>
+      </p:par>
+    </p:tnLst>
+  </p:timing>
 </p:sld>
 </file>
 
@@ -8949,12 +8637,41 @@
       </p:grpSpPr>
       <p:sp>
         <p:nvSpPr>
-          <p:cNvPr id="2" name="標題 1"/>
+          <p:cNvPr id="5" name="標題 4"/>
           <p:cNvSpPr>
             <a:spLocks noGrp="1"/>
           </p:cNvSpPr>
           <p:nvPr>
-            <p:ph type="title"/>
+            <p:ph type="ctrTitle"/>
+          </p:nvPr>
+        </p:nvSpPr>
+        <p:spPr/>
+        <p:txBody>
+          <a:bodyPr/>
+          <a:lstStyle/>
+          <a:p>
+            <a:r>
+              <a:rPr lang="en-US" altLang="zh-TW" b="1" dirty="0" smtClean="0">
+                <a:latin typeface="微軟正黑體" panose="020B0604030504040204" pitchFamily="34" charset="-120"/>
+                <a:ea typeface="微軟正黑體" panose="020B0604030504040204" pitchFamily="34" charset="-120"/>
+              </a:rPr>
+              <a:t>Thinking</a:t>
+            </a:r>
+            <a:endParaRPr lang="zh-TW" altLang="en-US" b="1" dirty="0">
+              <a:latin typeface="微軟正黑體" panose="020B0604030504040204" pitchFamily="34" charset="-120"/>
+              <a:ea typeface="微軟正黑體" panose="020B0604030504040204" pitchFamily="34" charset="-120"/>
+            </a:endParaRPr>
+          </a:p>
+        </p:txBody>
+      </p:sp>
+      <p:sp>
+        <p:nvSpPr>
+          <p:cNvPr id="6" name="副標題 5"/>
+          <p:cNvSpPr>
+            <a:spLocks noGrp="1"/>
+          </p:cNvSpPr>
+          <p:nvPr>
+            <p:ph type="subTitle" idx="1"/>
           </p:nvPr>
         </p:nvSpPr>
         <p:spPr/>
@@ -8964,163 +8681,40 @@
           </a:bodyPr>
           <a:lstStyle/>
           <a:p>
-            <a:pPr algn="ctr"/>
-            <a:r>
-              <a:rPr lang="zh-TW" altLang="en-US" sz="4000" b="1" dirty="0" smtClean="0">
-                <a:latin typeface="微軟正黑體" panose="020B0604030504040204" pitchFamily="34" charset="-120"/>
-                <a:ea typeface="微軟正黑體" panose="020B0604030504040204" pitchFamily="34" charset="-120"/>
-              </a:rPr>
-              <a:t>參考來源</a:t>
-            </a:r>
-            <a:endParaRPr lang="zh-TW" altLang="en-US" sz="4000" b="1" dirty="0">
-              <a:latin typeface="微軟正黑體" panose="020B0604030504040204" pitchFamily="34" charset="-120"/>
-              <a:ea typeface="微軟正黑體" panose="020B0604030504040204" pitchFamily="34" charset="-120"/>
-            </a:endParaRPr>
-          </a:p>
-        </p:txBody>
-      </p:sp>
-      <p:sp>
-        <p:nvSpPr>
-          <p:cNvPr id="3" name="內容版面配置區 2"/>
-          <p:cNvSpPr>
-            <a:spLocks noGrp="1"/>
-          </p:cNvSpPr>
-          <p:nvPr>
-            <p:ph idx="1"/>
-          </p:nvPr>
-        </p:nvSpPr>
-        <p:spPr>
-          <a:xfrm>
-            <a:off x="1262743" y="2142067"/>
-            <a:ext cx="9554483" cy="2673773"/>
-          </a:xfrm>
-        </p:spPr>
-        <p:txBody>
-          <a:bodyPr>
-            <a:normAutofit/>
-          </a:bodyPr>
-          <a:lstStyle/>
-          <a:p>
-            <a:pPr marL="457200" indent="-457200">
-              <a:buFont typeface="+mj-lt"/>
-              <a:buAutoNum type="arabicPeriod"/>
-            </a:pPr>
-            <a:r>
-              <a:rPr lang="en-US" altLang="zh-TW" sz="2400" dirty="0">
-                <a:latin typeface="微軟正黑體" panose="020B0604030504040204" pitchFamily="34" charset="-120"/>
-                <a:ea typeface="微軟正黑體" panose="020B0604030504040204" pitchFamily="34" charset="-120"/>
-                <a:hlinkClick r:id="rId2"/>
-              </a:rPr>
-              <a:t>Visualizing a Decision Tree - Machine Learning Recipes #</a:t>
-            </a:r>
-            <a:r>
-              <a:rPr lang="en-US" altLang="zh-TW" sz="2400" dirty="0" smtClean="0">
-                <a:latin typeface="微軟正黑體" panose="020B0604030504040204" pitchFamily="34" charset="-120"/>
-                <a:ea typeface="微軟正黑體" panose="020B0604030504040204" pitchFamily="34" charset="-120"/>
-                <a:hlinkClick r:id="rId2"/>
-              </a:rPr>
-              <a:t>2</a:t>
-            </a:r>
-            <a:endParaRPr lang="en-US" altLang="zh-TW" sz="2400" dirty="0" smtClean="0">
-              <a:latin typeface="微軟正黑體" panose="020B0604030504040204" pitchFamily="34" charset="-120"/>
-              <a:ea typeface="微軟正黑體" panose="020B0604030504040204" pitchFamily="34" charset="-120"/>
-            </a:endParaRPr>
-          </a:p>
-          <a:p>
-            <a:pPr marL="457200" indent="-457200">
-              <a:buFont typeface="+mj-lt"/>
-              <a:buAutoNum type="arabicPeriod"/>
-            </a:pPr>
-            <a:r>
-              <a:rPr lang="en-US" altLang="zh-TW" sz="2400" dirty="0">
-                <a:latin typeface="微軟正黑體" panose="020B0604030504040204" pitchFamily="34" charset="-120"/>
-                <a:ea typeface="微軟正黑體" panose="020B0604030504040204" pitchFamily="34" charset="-120"/>
-                <a:hlinkClick r:id="rId3"/>
-              </a:rPr>
-              <a:t>Decision Analysis 3: Decision </a:t>
-            </a:r>
-            <a:r>
-              <a:rPr lang="en-US" altLang="zh-TW" sz="2400" dirty="0" smtClean="0">
-                <a:latin typeface="微軟正黑體" panose="020B0604030504040204" pitchFamily="34" charset="-120"/>
-                <a:ea typeface="微軟正黑體" panose="020B0604030504040204" pitchFamily="34" charset="-120"/>
-                <a:hlinkClick r:id="rId3"/>
-              </a:rPr>
-              <a:t>Trees</a:t>
-            </a:r>
-            <a:endParaRPr lang="en-US" altLang="zh-TW" sz="2400" dirty="0" smtClean="0">
-              <a:latin typeface="微軟正黑體" panose="020B0604030504040204" pitchFamily="34" charset="-120"/>
-              <a:ea typeface="微軟正黑體" panose="020B0604030504040204" pitchFamily="34" charset="-120"/>
-            </a:endParaRPr>
-          </a:p>
-          <a:p>
-            <a:pPr marL="457200" indent="-457200">
-              <a:buFont typeface="+mj-lt"/>
-              <a:buAutoNum type="arabicPeriod"/>
-            </a:pPr>
-            <a:r>
-              <a:rPr lang="en-US" altLang="zh-TW" sz="2400" dirty="0">
-                <a:latin typeface="微軟正黑體" panose="020B0604030504040204" pitchFamily="34" charset="-120"/>
-                <a:ea typeface="微軟正黑體" panose="020B0604030504040204" pitchFamily="34" charset="-120"/>
-                <a:hlinkClick r:id="rId4"/>
-              </a:rPr>
-              <a:t>C4.5</a:t>
-            </a:r>
-            <a:r>
-              <a:rPr lang="zh-TW" altLang="en-US" sz="2400" dirty="0">
-                <a:latin typeface="微軟正黑體" panose="020B0604030504040204" pitchFamily="34" charset="-120"/>
-                <a:ea typeface="微軟正黑體" panose="020B0604030504040204" pitchFamily="34" charset="-120"/>
-                <a:hlinkClick r:id="rId4"/>
-              </a:rPr>
-              <a:t>決策樹算</a:t>
-            </a:r>
-            <a:r>
-              <a:rPr lang="zh-TW" altLang="en-US" sz="2400" dirty="0" smtClean="0">
-                <a:latin typeface="微軟正黑體" panose="020B0604030504040204" pitchFamily="34" charset="-120"/>
-                <a:ea typeface="微軟正黑體" panose="020B0604030504040204" pitchFamily="34" charset="-120"/>
-                <a:hlinkClick r:id="rId4"/>
-              </a:rPr>
-              <a:t>法</a:t>
-            </a:r>
-            <a:endParaRPr lang="zh-TW" altLang="en-US" sz="2400" dirty="0">
-              <a:latin typeface="微軟正黑體" panose="020B0604030504040204" pitchFamily="34" charset="-120"/>
-              <a:ea typeface="微軟正黑體" panose="020B0604030504040204" pitchFamily="34" charset="-120"/>
-            </a:endParaRPr>
-          </a:p>
-        </p:txBody>
-      </p:sp>
-      <p:sp>
-        <p:nvSpPr>
-          <p:cNvPr id="4" name="投影片編號版面配置區 3"/>
-          <p:cNvSpPr>
-            <a:spLocks noGrp="1"/>
-          </p:cNvSpPr>
-          <p:nvPr>
-            <p:ph type="sldNum" sz="quarter" idx="12"/>
-          </p:nvPr>
-        </p:nvSpPr>
-        <p:spPr/>
-        <p:txBody>
-          <a:bodyPr/>
-          <a:lstStyle/>
-          <a:p>
-            <a:fld id="{CBEC735E-60AB-44DC-B0A8-DC8AF5BACA8B}" type="slidenum">
-              <a:rPr lang="zh-TW" altLang="en-US" smtClean="0"/>
-              <a:t>11</a:t>
-            </a:fld>
-            <a:endParaRPr lang="zh-TW" altLang="en-US"/>
+            <a:r>
+              <a:rPr lang="zh-TW" altLang="en-US" sz="4400" b="1" dirty="0" smtClean="0">
+                <a:latin typeface="微軟正黑體" panose="020B0604030504040204" pitchFamily="34" charset="-120"/>
+                <a:ea typeface="微軟正黑體" panose="020B0604030504040204" pitchFamily="34" charset="-120"/>
+              </a:rPr>
+              <a:t>重點</a:t>
+            </a:r>
+            <a:r>
+              <a:rPr lang="zh-TW" altLang="en-US" sz="4400" b="1" dirty="0">
+                <a:latin typeface="微軟正黑體" panose="020B0604030504040204" pitchFamily="34" charset="-120"/>
+                <a:ea typeface="微軟正黑體" panose="020B0604030504040204" pitchFamily="34" charset="-120"/>
+              </a:rPr>
+              <a:t>？</a:t>
+            </a:r>
           </a:p>
         </p:txBody>
       </p:sp>
     </p:spTree>
     <p:extLst>
       <p:ext uri="{BB962C8B-B14F-4D97-AF65-F5344CB8AC3E}">
-        <p14:creationId xmlns:p14="http://schemas.microsoft.com/office/powerpoint/2010/main" val="1158942319"/>
+        <p14:creationId xmlns:p14="http://schemas.microsoft.com/office/powerpoint/2010/main" val="1827072527"/>
       </p:ext>
     </p:extLst>
   </p:cSld>
   <p:clrMapOvr>
     <a:masterClrMapping/>
   </p:clrMapOvr>
+  <p:timing>
+    <p:tnLst>
+      <p:par>
+        <p:cTn id="1" dur="indefinite" restart="never" nodeType="tmRoot"/>
+      </p:par>
+    </p:tnLst>
+  </p:timing>
 </p:sld>
 </file>
 
@@ -9143,99 +8737,6 @@
       </p:grpSpPr>
       <p:sp>
         <p:nvSpPr>
-          <p:cNvPr id="5" name="標題 4"/>
-          <p:cNvSpPr>
-            <a:spLocks noGrp="1"/>
-          </p:cNvSpPr>
-          <p:nvPr>
-            <p:ph type="ctrTitle"/>
-          </p:nvPr>
-        </p:nvSpPr>
-        <p:spPr/>
-        <p:txBody>
-          <a:bodyPr/>
-          <a:lstStyle/>
-          <a:p>
-            <a:r>
-              <a:rPr lang="en-US" altLang="zh-TW" b="1" dirty="0" smtClean="0">
-                <a:latin typeface="微軟正黑體" panose="020B0604030504040204" pitchFamily="34" charset="-120"/>
-                <a:ea typeface="微軟正黑體" panose="020B0604030504040204" pitchFamily="34" charset="-120"/>
-              </a:rPr>
-              <a:t>Thinking</a:t>
-            </a:r>
-            <a:endParaRPr lang="zh-TW" altLang="en-US" b="1" dirty="0">
-              <a:latin typeface="微軟正黑體" panose="020B0604030504040204" pitchFamily="34" charset="-120"/>
-              <a:ea typeface="微軟正黑體" panose="020B0604030504040204" pitchFamily="34" charset="-120"/>
-            </a:endParaRPr>
-          </a:p>
-        </p:txBody>
-      </p:sp>
-      <p:sp>
-        <p:nvSpPr>
-          <p:cNvPr id="6" name="副標題 5"/>
-          <p:cNvSpPr>
-            <a:spLocks noGrp="1"/>
-          </p:cNvSpPr>
-          <p:nvPr>
-            <p:ph type="subTitle" idx="1"/>
-          </p:nvPr>
-        </p:nvSpPr>
-        <p:spPr/>
-        <p:txBody>
-          <a:bodyPr>
-            <a:normAutofit/>
-          </a:bodyPr>
-          <a:lstStyle/>
-          <a:p>
-            <a:r>
-              <a:rPr lang="zh-TW" altLang="en-US" sz="4400" b="1" dirty="0" smtClean="0">
-                <a:latin typeface="微軟正黑體" panose="020B0604030504040204" pitchFamily="34" charset="-120"/>
-                <a:ea typeface="微軟正黑體" panose="020B0604030504040204" pitchFamily="34" charset="-120"/>
-              </a:rPr>
-              <a:t>重點</a:t>
-            </a:r>
-            <a:r>
-              <a:rPr lang="zh-TW" altLang="en-US" sz="4400" b="1" dirty="0">
-                <a:latin typeface="微軟正黑體" panose="020B0604030504040204" pitchFamily="34" charset="-120"/>
-                <a:ea typeface="微軟正黑體" panose="020B0604030504040204" pitchFamily="34" charset="-120"/>
-              </a:rPr>
-              <a:t>？</a:t>
-            </a:r>
-          </a:p>
-        </p:txBody>
-      </p:sp>
-    </p:spTree>
-    <p:extLst>
-      <p:ext uri="{BB962C8B-B14F-4D97-AF65-F5344CB8AC3E}">
-        <p14:creationId xmlns:p14="http://schemas.microsoft.com/office/powerpoint/2010/main" val="1827072527"/>
-      </p:ext>
-    </p:extLst>
-  </p:cSld>
-  <p:clrMapOvr>
-    <a:masterClrMapping/>
-  </p:clrMapOvr>
-</p:sld>
-</file>
-
-<file path=ppt/slides/slide13.xml><?xml version="1.0" encoding="utf-8"?>
-<p:sld xmlns:a="http://schemas.openxmlformats.org/drawingml/2006/main" xmlns:r="http://schemas.openxmlformats.org/officeDocument/2006/relationships" xmlns:p="http://schemas.openxmlformats.org/presentationml/2006/main">
-  <p:cSld>
-    <p:spTree>
-      <p:nvGrpSpPr>
-        <p:cNvPr id="1" name=""/>
-        <p:cNvGrpSpPr/>
-        <p:nvPr/>
-      </p:nvGrpSpPr>
-      <p:grpSpPr>
-        <a:xfrm>
-          <a:off x="0" y="0"/>
-          <a:ext cx="0" cy="0"/>
-          <a:chOff x="0" y="0"/>
-          <a:chExt cx="0" cy="0"/>
-        </a:xfrm>
-      </p:grpSpPr>
-      <p:sp>
-        <p:nvSpPr>
           <p:cNvPr id="2" name="標題 1"/>
           <p:cNvSpPr>
             <a:spLocks noGrp="1"/>
@@ -9346,7 +8847,7 @@
           <a:p>
             <a:fld id="{CBEC735E-60AB-44DC-B0A8-DC8AF5BACA8B}" type="slidenum">
               <a:rPr lang="zh-TW" altLang="en-US" smtClean="0"/>
-              <a:t>13</a:t>
+              <a:t>12</a:t>
             </a:fld>
             <a:endParaRPr lang="zh-TW" altLang="en-US"/>
           </a:p>
@@ -9388,6 +8889,99 @@
 </p:sld>
 </file>
 
+<file path=ppt/slides/slide13.xml><?xml version="1.0" encoding="utf-8"?>
+<p:sld xmlns:a="http://schemas.openxmlformats.org/drawingml/2006/main" xmlns:r="http://schemas.openxmlformats.org/officeDocument/2006/relationships" xmlns:p="http://schemas.openxmlformats.org/presentationml/2006/main">
+  <p:cSld>
+    <p:spTree>
+      <p:nvGrpSpPr>
+        <p:cNvPr id="1" name=""/>
+        <p:cNvGrpSpPr/>
+        <p:nvPr/>
+      </p:nvGrpSpPr>
+      <p:grpSpPr>
+        <a:xfrm>
+          <a:off x="0" y="0"/>
+          <a:ext cx="0" cy="0"/>
+          <a:chOff x="0" y="0"/>
+          <a:chExt cx="0" cy="0"/>
+        </a:xfrm>
+      </p:grpSpPr>
+      <p:sp>
+        <p:nvSpPr>
+          <p:cNvPr id="5" name="標題 4"/>
+          <p:cNvSpPr>
+            <a:spLocks noGrp="1"/>
+          </p:cNvSpPr>
+          <p:nvPr>
+            <p:ph type="ctrTitle"/>
+          </p:nvPr>
+        </p:nvSpPr>
+        <p:spPr/>
+        <p:txBody>
+          <a:bodyPr/>
+          <a:lstStyle/>
+          <a:p>
+            <a:r>
+              <a:rPr lang="en-US" altLang="zh-TW" b="1" dirty="0">
+                <a:latin typeface="微軟正黑體" panose="020B0604030504040204" pitchFamily="34" charset="-120"/>
+                <a:ea typeface="微軟正黑體" panose="020B0604030504040204" pitchFamily="34" charset="-120"/>
+              </a:rPr>
+              <a:t>Linear Regression</a:t>
+            </a:r>
+            <a:endParaRPr lang="zh-TW" altLang="en-US" b="1" dirty="0">
+              <a:latin typeface="微軟正黑體" panose="020B0604030504040204" pitchFamily="34" charset="-120"/>
+              <a:ea typeface="微軟正黑體" panose="020B0604030504040204" pitchFamily="34" charset="-120"/>
+            </a:endParaRPr>
+          </a:p>
+        </p:txBody>
+      </p:sp>
+      <p:sp>
+        <p:nvSpPr>
+          <p:cNvPr id="6" name="副標題 5"/>
+          <p:cNvSpPr>
+            <a:spLocks noGrp="1"/>
+          </p:cNvSpPr>
+          <p:nvPr>
+            <p:ph type="subTitle" idx="1"/>
+          </p:nvPr>
+        </p:nvSpPr>
+        <p:spPr/>
+        <p:txBody>
+          <a:bodyPr>
+            <a:normAutofit/>
+          </a:bodyPr>
+          <a:lstStyle/>
+          <a:p>
+            <a:r>
+              <a:rPr lang="zh-TW" altLang="en-US" sz="3600" b="1" dirty="0">
+                <a:latin typeface="微軟正黑體" panose="020B0604030504040204" pitchFamily="34" charset="-120"/>
+                <a:ea typeface="微軟正黑體" panose="020B0604030504040204" pitchFamily="34" charset="-120"/>
+              </a:rPr>
+              <a:t>數值</a:t>
+            </a:r>
+            <a:r>
+              <a:rPr lang="zh-TW" altLang="en-US" sz="3600" b="1" dirty="0" smtClean="0">
+                <a:latin typeface="微軟正黑體" panose="020B0604030504040204" pitchFamily="34" charset="-120"/>
+                <a:ea typeface="微軟正黑體" panose="020B0604030504040204" pitchFamily="34" charset="-120"/>
+              </a:rPr>
+              <a:t>型輸出</a:t>
+            </a:r>
+          </a:p>
+        </p:txBody>
+      </p:sp>
+    </p:spTree>
+    <p:extLst>
+      <p:ext uri="{BB962C8B-B14F-4D97-AF65-F5344CB8AC3E}">
+        <p14:creationId xmlns:p14="http://schemas.microsoft.com/office/powerpoint/2010/main" val="3195714371"/>
+      </p:ext>
+    </p:extLst>
+  </p:cSld>
+  <p:clrMapOvr>
+    <a:masterClrMapping/>
+  </p:clrMapOvr>
+</p:sld>
+</file>
+
 <file path=ppt/slides/slide14.xml><?xml version="1.0" encoding="utf-8"?>
 <p:sld xmlns:a="http://schemas.openxmlformats.org/drawingml/2006/main" xmlns:r="http://schemas.openxmlformats.org/officeDocument/2006/relationships" xmlns:p="http://schemas.openxmlformats.org/presentationml/2006/main">
   <p:cSld>
@@ -9407,99 +9001,6 @@
       </p:grpSpPr>
       <p:sp>
         <p:nvSpPr>
-          <p:cNvPr id="5" name="標題 4"/>
-          <p:cNvSpPr>
-            <a:spLocks noGrp="1"/>
-          </p:cNvSpPr>
-          <p:nvPr>
-            <p:ph type="ctrTitle"/>
-          </p:nvPr>
-        </p:nvSpPr>
-        <p:spPr/>
-        <p:txBody>
-          <a:bodyPr/>
-          <a:lstStyle/>
-          <a:p>
-            <a:r>
-              <a:rPr lang="en-US" altLang="zh-TW" b="1" dirty="0">
-                <a:latin typeface="微軟正黑體" panose="020B0604030504040204" pitchFamily="34" charset="-120"/>
-                <a:ea typeface="微軟正黑體" panose="020B0604030504040204" pitchFamily="34" charset="-120"/>
-              </a:rPr>
-              <a:t>Linear Regression</a:t>
-            </a:r>
-            <a:endParaRPr lang="zh-TW" altLang="en-US" b="1" dirty="0">
-              <a:latin typeface="微軟正黑體" panose="020B0604030504040204" pitchFamily="34" charset="-120"/>
-              <a:ea typeface="微軟正黑體" panose="020B0604030504040204" pitchFamily="34" charset="-120"/>
-            </a:endParaRPr>
-          </a:p>
-        </p:txBody>
-      </p:sp>
-      <p:sp>
-        <p:nvSpPr>
-          <p:cNvPr id="6" name="副標題 5"/>
-          <p:cNvSpPr>
-            <a:spLocks noGrp="1"/>
-          </p:cNvSpPr>
-          <p:nvPr>
-            <p:ph type="subTitle" idx="1"/>
-          </p:nvPr>
-        </p:nvSpPr>
-        <p:spPr/>
-        <p:txBody>
-          <a:bodyPr>
-            <a:normAutofit/>
-          </a:bodyPr>
-          <a:lstStyle/>
-          <a:p>
-            <a:r>
-              <a:rPr lang="zh-TW" altLang="en-US" sz="3600" b="1" dirty="0">
-                <a:latin typeface="微軟正黑體" panose="020B0604030504040204" pitchFamily="34" charset="-120"/>
-                <a:ea typeface="微軟正黑體" panose="020B0604030504040204" pitchFamily="34" charset="-120"/>
-              </a:rPr>
-              <a:t>數值</a:t>
-            </a:r>
-            <a:r>
-              <a:rPr lang="zh-TW" altLang="en-US" sz="3600" b="1" dirty="0" smtClean="0">
-                <a:latin typeface="微軟正黑體" panose="020B0604030504040204" pitchFamily="34" charset="-120"/>
-                <a:ea typeface="微軟正黑體" panose="020B0604030504040204" pitchFamily="34" charset="-120"/>
-              </a:rPr>
-              <a:t>型輸出</a:t>
-            </a:r>
-          </a:p>
-        </p:txBody>
-      </p:sp>
-    </p:spTree>
-    <p:extLst>
-      <p:ext uri="{BB962C8B-B14F-4D97-AF65-F5344CB8AC3E}">
-        <p14:creationId xmlns:p14="http://schemas.microsoft.com/office/powerpoint/2010/main" val="3195714371"/>
-      </p:ext>
-    </p:extLst>
-  </p:cSld>
-  <p:clrMapOvr>
-    <a:masterClrMapping/>
-  </p:clrMapOvr>
-</p:sld>
-</file>
-
-<file path=ppt/slides/slide15.xml><?xml version="1.0" encoding="utf-8"?>
-<p:sld xmlns:a="http://schemas.openxmlformats.org/drawingml/2006/main" xmlns:r="http://schemas.openxmlformats.org/officeDocument/2006/relationships" xmlns:p="http://schemas.openxmlformats.org/presentationml/2006/main">
-  <p:cSld>
-    <p:spTree>
-      <p:nvGrpSpPr>
-        <p:cNvPr id="1" name=""/>
-        <p:cNvGrpSpPr/>
-        <p:nvPr/>
-      </p:nvGrpSpPr>
-      <p:grpSpPr>
-        <a:xfrm>
-          <a:off x="0" y="0"/>
-          <a:ext cx="0" cy="0"/>
-          <a:chOff x="0" y="0"/>
-          <a:chExt cx="0" cy="0"/>
-        </a:xfrm>
-      </p:grpSpPr>
-      <p:sp>
-        <p:nvSpPr>
           <p:cNvPr id="2" name="標題 1"/>
           <p:cNvSpPr>
             <a:spLocks noGrp="1"/>
@@ -9547,7 +9048,7 @@
           <a:p>
             <a:fld id="{CBEC735E-60AB-44DC-B0A8-DC8AF5BACA8B}" type="slidenum">
               <a:rPr lang="zh-TW" altLang="en-US" smtClean="0"/>
-              <a:t>15</a:t>
+              <a:t>14</a:t>
             </a:fld>
             <a:endParaRPr lang="zh-TW" altLang="en-US"/>
           </a:p>
@@ -9614,6 +9115,118 @@
 </p:sld>
 </file>
 
+<file path=ppt/slides/slide15.xml><?xml version="1.0" encoding="utf-8"?>
+<p:sld xmlns:a="http://schemas.openxmlformats.org/drawingml/2006/main" xmlns:r="http://schemas.openxmlformats.org/officeDocument/2006/relationships" xmlns:p="http://schemas.openxmlformats.org/presentationml/2006/main">
+  <p:cSld>
+    <p:spTree>
+      <p:nvGrpSpPr>
+        <p:cNvPr id="1" name=""/>
+        <p:cNvGrpSpPr/>
+        <p:nvPr/>
+      </p:nvGrpSpPr>
+      <p:grpSpPr>
+        <a:xfrm>
+          <a:off x="0" y="0"/>
+          <a:ext cx="0" cy="0"/>
+          <a:chOff x="0" y="0"/>
+          <a:chExt cx="0" cy="0"/>
+        </a:xfrm>
+      </p:grpSpPr>
+      <p:sp>
+        <p:nvSpPr>
+          <p:cNvPr id="2" name="標題 1"/>
+          <p:cNvSpPr>
+            <a:spLocks noGrp="1"/>
+          </p:cNvSpPr>
+          <p:nvPr>
+            <p:ph type="title"/>
+          </p:nvPr>
+        </p:nvSpPr>
+        <p:spPr/>
+        <p:txBody>
+          <a:bodyPr>
+            <a:normAutofit/>
+          </a:bodyPr>
+          <a:lstStyle/>
+          <a:p>
+            <a:pPr algn="ctr"/>
+            <a:r>
+              <a:rPr lang="en-US" altLang="zh-TW" sz="4000" b="1" dirty="0" smtClean="0">
+                <a:latin typeface="微軟正黑體" panose="020B0604030504040204" pitchFamily="34" charset="-120"/>
+                <a:ea typeface="微軟正黑體" panose="020B0604030504040204" pitchFamily="34" charset="-120"/>
+              </a:rPr>
+              <a:t>EXAMPLE</a:t>
+            </a:r>
+            <a:endParaRPr lang="zh-TW" altLang="en-US" sz="4000" b="1" dirty="0">
+              <a:latin typeface="微軟正黑體" panose="020B0604030504040204" pitchFamily="34" charset="-120"/>
+              <a:ea typeface="微軟正黑體" panose="020B0604030504040204" pitchFamily="34" charset="-120"/>
+            </a:endParaRPr>
+          </a:p>
+        </p:txBody>
+      </p:sp>
+      <p:pic>
+        <p:nvPicPr>
+          <p:cNvPr id="5" name="zPG4NjIkCjc"/>
+          <p:cNvPicPr>
+            <a:picLocks noGrp="1" noRot="1" noChangeAspect="1"/>
+          </p:cNvPicPr>
+          <p:nvPr>
+            <p:ph idx="1"/>
+            <a:videoFile r:link="rId1"/>
+          </p:nvPr>
+        </p:nvPicPr>
+        <p:blipFill>
+          <a:blip r:embed="rId3"/>
+          <a:stretch>
+            <a:fillRect/>
+          </a:stretch>
+        </p:blipFill>
+        <p:spPr>
+          <a:xfrm>
+            <a:off x="1779023" y="1711695"/>
+            <a:ext cx="8624430" cy="4851241"/>
+          </a:xfrm>
+          <a:prstGeom prst="rect">
+            <a:avLst/>
+          </a:prstGeom>
+        </p:spPr>
+      </p:pic>
+      <p:sp>
+        <p:nvSpPr>
+          <p:cNvPr id="4" name="投影片編號版面配置區 3"/>
+          <p:cNvSpPr>
+            <a:spLocks noGrp="1"/>
+          </p:cNvSpPr>
+          <p:nvPr>
+            <p:ph type="sldNum" sz="quarter" idx="12"/>
+          </p:nvPr>
+        </p:nvSpPr>
+        <p:spPr/>
+        <p:txBody>
+          <a:bodyPr/>
+          <a:lstStyle/>
+          <a:p>
+            <a:fld id="{CBEC735E-60AB-44DC-B0A8-DC8AF5BACA8B}" type="slidenum">
+              <a:rPr lang="zh-TW" altLang="en-US" smtClean="0"/>
+              <a:t>15</a:t>
+            </a:fld>
+            <a:endParaRPr lang="zh-TW" altLang="en-US"/>
+          </a:p>
+        </p:txBody>
+      </p:sp>
+    </p:spTree>
+    <p:extLst>
+      <p:ext uri="{BB962C8B-B14F-4D97-AF65-F5344CB8AC3E}">
+        <p14:creationId xmlns:p14="http://schemas.microsoft.com/office/powerpoint/2010/main" val="3693166552"/>
+      </p:ext>
+    </p:extLst>
+  </p:cSld>
+  <p:clrMapOvr>
+    <a:masterClrMapping/>
+  </p:clrMapOvr>
+</p:sld>
+</file>
+
 <file path=ppt/slides/slide16.xml><?xml version="1.0" encoding="utf-8"?>
 <p:sld xmlns:a="http://schemas.openxmlformats.org/drawingml/2006/main" xmlns:r="http://schemas.openxmlformats.org/officeDocument/2006/relationships" xmlns:p="http://schemas.openxmlformats.org/presentationml/2006/main">
   <p:cSld>
@@ -9650,11 +9263,11 @@
           <a:p>
             <a:pPr algn="ctr"/>
             <a:r>
-              <a:rPr lang="en-US" altLang="zh-TW" sz="4000" b="1" dirty="0" smtClean="0">
-                <a:latin typeface="微軟正黑體" panose="020B0604030504040204" pitchFamily="34" charset="-120"/>
-                <a:ea typeface="微軟正黑體" panose="020B0604030504040204" pitchFamily="34" charset="-120"/>
-              </a:rPr>
-              <a:t>EXAMPLE</a:t>
+              <a:rPr lang="zh-TW" altLang="en-US" sz="4000" b="1" dirty="0" smtClean="0">
+                <a:latin typeface="微軟正黑體" panose="020B0604030504040204" pitchFamily="34" charset="-120"/>
+                <a:ea typeface="微軟正黑體" panose="020B0604030504040204" pitchFamily="34" charset="-120"/>
+              </a:rPr>
+              <a:t>參考來源</a:t>
             </a:r>
             <a:endParaRPr lang="zh-TW" altLang="en-US" sz="4000" b="1" dirty="0">
               <a:latin typeface="微軟正黑體" panose="020B0604030504040204" pitchFamily="34" charset="-120"/>
@@ -9663,33 +9276,114 @@
           </a:p>
         </p:txBody>
       </p:sp>
-      <p:pic>
-        <p:nvPicPr>
-          <p:cNvPr id="5" name="zPG4NjIkCjc"/>
-          <p:cNvPicPr>
-            <a:picLocks noGrp="1" noRot="1" noChangeAspect="1"/>
-          </p:cNvPicPr>
+      <p:sp>
+        <p:nvSpPr>
+          <p:cNvPr id="3" name="內容版面配置區 2"/>
+          <p:cNvSpPr>
+            <a:spLocks noGrp="1"/>
+          </p:cNvSpPr>
           <p:nvPr>
             <p:ph idx="1"/>
-            <a:videoFile r:link="rId1"/>
-          </p:nvPr>
-        </p:nvPicPr>
-        <p:blipFill>
-          <a:blip r:embed="rId3"/>
-          <a:stretch>
-            <a:fillRect/>
-          </a:stretch>
-        </p:blipFill>
+          </p:nvPr>
+        </p:nvSpPr>
         <p:spPr>
           <a:xfrm>
-            <a:off x="1779023" y="1711695"/>
-            <a:ext cx="8624430" cy="4851241"/>
+            <a:off x="1701446" y="1935921"/>
+            <a:ext cx="10353762" cy="2958296"/>
           </a:xfrm>
-          <a:prstGeom prst="rect">
-            <a:avLst/>
-          </a:prstGeom>
         </p:spPr>
-      </p:pic>
+        <p:txBody>
+          <a:bodyPr>
+            <a:normAutofit/>
+          </a:bodyPr>
+          <a:lstStyle/>
+          <a:p>
+            <a:pPr marL="457200" indent="-457200">
+              <a:buFont typeface="+mj-lt"/>
+              <a:buAutoNum type="arabicPeriod"/>
+            </a:pPr>
+            <a:r>
+              <a:rPr lang="en-US" altLang="zh-TW" sz="2400" dirty="0">
+                <a:latin typeface="微軟正黑體" panose="020B0604030504040204" pitchFamily="34" charset="-120"/>
+                <a:ea typeface="微軟正黑體" panose="020B0604030504040204" pitchFamily="34" charset="-120"/>
+                <a:hlinkClick r:id="rId2"/>
+              </a:rPr>
+              <a:t>An Introduction to Linear Regression </a:t>
+            </a:r>
+            <a:r>
+              <a:rPr lang="en-US" altLang="zh-TW" sz="2400" dirty="0" smtClean="0">
+                <a:latin typeface="微軟正黑體" panose="020B0604030504040204" pitchFamily="34" charset="-120"/>
+                <a:ea typeface="微軟正黑體" panose="020B0604030504040204" pitchFamily="34" charset="-120"/>
+                <a:hlinkClick r:id="rId2"/>
+              </a:rPr>
+              <a:t>Analysis</a:t>
+            </a:r>
+            <a:endParaRPr lang="en-US" altLang="zh-TW" sz="2400" dirty="0" smtClean="0">
+              <a:latin typeface="微軟正黑體" panose="020B0604030504040204" pitchFamily="34" charset="-120"/>
+              <a:ea typeface="微軟正黑體" panose="020B0604030504040204" pitchFamily="34" charset="-120"/>
+            </a:endParaRPr>
+          </a:p>
+          <a:p>
+            <a:pPr marL="457200" indent="-457200">
+              <a:buFont typeface="+mj-lt"/>
+              <a:buAutoNum type="arabicPeriod"/>
+            </a:pPr>
+            <a:r>
+              <a:rPr lang="zh-TW" altLang="en-US" sz="2400" dirty="0">
+                <a:latin typeface="微軟正黑體" panose="020B0604030504040204" pitchFamily="34" charset="-120"/>
+                <a:ea typeface="微軟正黑體" panose="020B0604030504040204" pitchFamily="34" charset="-120"/>
+                <a:hlinkClick r:id="rId3"/>
+              </a:rPr>
+              <a:t>最小平方</a:t>
+            </a:r>
+            <a:r>
+              <a:rPr lang="zh-TW" altLang="en-US" sz="2400" dirty="0" smtClean="0">
+                <a:latin typeface="微軟正黑體" panose="020B0604030504040204" pitchFamily="34" charset="-120"/>
+                <a:ea typeface="微軟正黑體" panose="020B0604030504040204" pitchFamily="34" charset="-120"/>
+                <a:hlinkClick r:id="rId3"/>
+              </a:rPr>
+              <a:t>法</a:t>
+            </a:r>
+            <a:endParaRPr lang="en-US" altLang="zh-TW" sz="2400" dirty="0" smtClean="0">
+              <a:latin typeface="微軟正黑體" panose="020B0604030504040204" pitchFamily="34" charset="-120"/>
+              <a:ea typeface="微軟正黑體" panose="020B0604030504040204" pitchFamily="34" charset="-120"/>
+            </a:endParaRPr>
+          </a:p>
+          <a:p>
+            <a:pPr marL="457200" indent="-457200">
+              <a:buFont typeface="+mj-lt"/>
+              <a:buAutoNum type="arabicPeriod"/>
+            </a:pPr>
+            <a:r>
+              <a:rPr lang="en-US" altLang="zh-TW" sz="2400" dirty="0">
+                <a:latin typeface="微軟正黑體" panose="020B0604030504040204" pitchFamily="34" charset="-120"/>
+                <a:ea typeface="微軟正黑體" panose="020B0604030504040204" pitchFamily="34" charset="-120"/>
+                <a:hlinkClick r:id="rId4"/>
+              </a:rPr>
+              <a:t>http://www.csie.ntnu.edu.tw/~</a:t>
+            </a:r>
+            <a:r>
+              <a:rPr lang="en-US" altLang="zh-TW" sz="2400" dirty="0" smtClean="0">
+                <a:latin typeface="微軟正黑體" panose="020B0604030504040204" pitchFamily="34" charset="-120"/>
+                <a:ea typeface="微軟正黑體" panose="020B0604030504040204" pitchFamily="34" charset="-120"/>
+                <a:hlinkClick r:id="rId4"/>
+              </a:rPr>
+              <a:t>u91029/Regression.html</a:t>
+            </a:r>
+            <a:r>
+              <a:rPr lang="en-US" altLang="zh-TW" sz="2400" dirty="0" smtClean="0">
+                <a:latin typeface="微軟正黑體" panose="020B0604030504040204" pitchFamily="34" charset="-120"/>
+                <a:ea typeface="微軟正黑體" panose="020B0604030504040204" pitchFamily="34" charset="-120"/>
+              </a:rPr>
+              <a:t> </a:t>
+            </a:r>
+            <a:endParaRPr lang="zh-TW" altLang="en-US" sz="2400" dirty="0">
+              <a:latin typeface="微軟正黑體" panose="020B0604030504040204" pitchFamily="34" charset="-120"/>
+              <a:ea typeface="微軟正黑體" panose="020B0604030504040204" pitchFamily="34" charset="-120"/>
+            </a:endParaRPr>
+          </a:p>
+        </p:txBody>
+      </p:sp>
       <p:sp>
         <p:nvSpPr>
           <p:cNvPr id="4" name="投影片編號版面配置區 3"/>
@@ -9716,7 +9410,7 @@
     </p:spTree>
     <p:extLst>
       <p:ext uri="{BB962C8B-B14F-4D97-AF65-F5344CB8AC3E}">
-        <p14:creationId xmlns:p14="http://schemas.microsoft.com/office/powerpoint/2010/main" val="3693166552"/>
+        <p14:creationId xmlns:p14="http://schemas.microsoft.com/office/powerpoint/2010/main" val="1308939045"/>
       </p:ext>
     </p:extLst>
   </p:cSld>
@@ -9745,12 +9439,41 @@
       </p:grpSpPr>
       <p:sp>
         <p:nvSpPr>
-          <p:cNvPr id="2" name="標題 1"/>
+          <p:cNvPr id="5" name="標題 4"/>
           <p:cNvSpPr>
             <a:spLocks noGrp="1"/>
           </p:cNvSpPr>
           <p:nvPr>
-            <p:ph type="title"/>
+            <p:ph type="ctrTitle"/>
+          </p:nvPr>
+        </p:nvSpPr>
+        <p:spPr/>
+        <p:txBody>
+          <a:bodyPr/>
+          <a:lstStyle/>
+          <a:p>
+            <a:r>
+              <a:rPr lang="en-US" altLang="zh-TW" b="1" dirty="0" smtClean="0">
+                <a:latin typeface="微軟正黑體" panose="020B0604030504040204" pitchFamily="34" charset="-120"/>
+                <a:ea typeface="微軟正黑體" panose="020B0604030504040204" pitchFamily="34" charset="-120"/>
+              </a:rPr>
+              <a:t>Thinking</a:t>
+            </a:r>
+            <a:endParaRPr lang="zh-TW" altLang="en-US" b="1" dirty="0">
+              <a:latin typeface="微軟正黑體" panose="020B0604030504040204" pitchFamily="34" charset="-120"/>
+              <a:ea typeface="微軟正黑體" panose="020B0604030504040204" pitchFamily="34" charset="-120"/>
+            </a:endParaRPr>
+          </a:p>
+        </p:txBody>
+      </p:sp>
+      <p:sp>
+        <p:nvSpPr>
+          <p:cNvPr id="6" name="副標題 5"/>
+          <p:cNvSpPr>
+            <a:spLocks noGrp="1"/>
+          </p:cNvSpPr>
+          <p:nvPr>
+            <p:ph type="subTitle" idx="1"/>
           </p:nvPr>
         </p:nvSpPr>
         <p:spPr/>
@@ -9760,156 +9483,27 @@
           </a:bodyPr>
           <a:lstStyle/>
           <a:p>
-            <a:pPr algn="ctr"/>
-            <a:r>
-              <a:rPr lang="zh-TW" altLang="en-US" sz="4000" b="1" dirty="0" smtClean="0">
-                <a:latin typeface="微軟正黑體" panose="020B0604030504040204" pitchFamily="34" charset="-120"/>
-                <a:ea typeface="微軟正黑體" panose="020B0604030504040204" pitchFamily="34" charset="-120"/>
-              </a:rPr>
-              <a:t>參考來源</a:t>
-            </a:r>
-            <a:endParaRPr lang="zh-TW" altLang="en-US" sz="4000" b="1" dirty="0">
-              <a:latin typeface="微軟正黑體" panose="020B0604030504040204" pitchFamily="34" charset="-120"/>
-              <a:ea typeface="微軟正黑體" panose="020B0604030504040204" pitchFamily="34" charset="-120"/>
-            </a:endParaRPr>
-          </a:p>
-        </p:txBody>
-      </p:sp>
-      <p:sp>
-        <p:nvSpPr>
-          <p:cNvPr id="3" name="內容版面配置區 2"/>
-          <p:cNvSpPr>
-            <a:spLocks noGrp="1"/>
-          </p:cNvSpPr>
-          <p:nvPr>
-            <p:ph idx="1"/>
-          </p:nvPr>
-        </p:nvSpPr>
-        <p:spPr>
-          <a:xfrm>
-            <a:off x="1701446" y="1935921"/>
-            <a:ext cx="10353762" cy="2958296"/>
-          </a:xfrm>
-        </p:spPr>
-        <p:txBody>
-          <a:bodyPr>
-            <a:normAutofit/>
-          </a:bodyPr>
-          <a:lstStyle/>
-          <a:p>
-            <a:pPr marL="457200" indent="-457200">
-              <a:buFont typeface="+mj-lt"/>
-              <a:buAutoNum type="arabicPeriod"/>
-            </a:pPr>
-            <a:r>
-              <a:rPr lang="en-US" altLang="zh-TW" sz="2400" dirty="0">
-                <a:latin typeface="微軟正黑體" panose="020B0604030504040204" pitchFamily="34" charset="-120"/>
-                <a:ea typeface="微軟正黑體" panose="020B0604030504040204" pitchFamily="34" charset="-120"/>
-                <a:hlinkClick r:id="rId2"/>
-              </a:rPr>
-              <a:t>An Introduction to Linear Regression </a:t>
-            </a:r>
-            <a:r>
-              <a:rPr lang="en-US" altLang="zh-TW" sz="2400" dirty="0" smtClean="0">
-                <a:latin typeface="微軟正黑體" panose="020B0604030504040204" pitchFamily="34" charset="-120"/>
-                <a:ea typeface="微軟正黑體" panose="020B0604030504040204" pitchFamily="34" charset="-120"/>
-                <a:hlinkClick r:id="rId2"/>
-              </a:rPr>
-              <a:t>Analysis</a:t>
-            </a:r>
-            <a:endParaRPr lang="en-US" altLang="zh-TW" sz="2400" dirty="0" smtClean="0">
-              <a:latin typeface="微軟正黑體" panose="020B0604030504040204" pitchFamily="34" charset="-120"/>
-              <a:ea typeface="微軟正黑體" panose="020B0604030504040204" pitchFamily="34" charset="-120"/>
-            </a:endParaRPr>
-          </a:p>
-          <a:p>
-            <a:pPr marL="457200" indent="-457200">
-              <a:buFont typeface="+mj-lt"/>
-              <a:buAutoNum type="arabicPeriod"/>
-            </a:pPr>
-            <a:r>
-              <a:rPr lang="zh-TW" altLang="en-US" sz="2400" dirty="0">
-                <a:latin typeface="微軟正黑體" panose="020B0604030504040204" pitchFamily="34" charset="-120"/>
-                <a:ea typeface="微軟正黑體" panose="020B0604030504040204" pitchFamily="34" charset="-120"/>
-                <a:hlinkClick r:id="rId3"/>
-              </a:rPr>
-              <a:t>最小平方</a:t>
-            </a:r>
-            <a:r>
-              <a:rPr lang="zh-TW" altLang="en-US" sz="2400" dirty="0" smtClean="0">
-                <a:latin typeface="微軟正黑體" panose="020B0604030504040204" pitchFamily="34" charset="-120"/>
-                <a:ea typeface="微軟正黑體" panose="020B0604030504040204" pitchFamily="34" charset="-120"/>
-                <a:hlinkClick r:id="rId3"/>
-              </a:rPr>
-              <a:t>法</a:t>
-            </a:r>
-            <a:endParaRPr lang="en-US" altLang="zh-TW" sz="2400" dirty="0" smtClean="0">
-              <a:latin typeface="微軟正黑體" panose="020B0604030504040204" pitchFamily="34" charset="-120"/>
-              <a:ea typeface="微軟正黑體" panose="020B0604030504040204" pitchFamily="34" charset="-120"/>
-            </a:endParaRPr>
-          </a:p>
-          <a:p>
-            <a:pPr marL="457200" indent="-457200">
-              <a:buFont typeface="+mj-lt"/>
-              <a:buAutoNum type="arabicPeriod"/>
-            </a:pPr>
-            <a:r>
-              <a:rPr lang="en-US" altLang="zh-TW" sz="2400" dirty="0">
-                <a:latin typeface="微軟正黑體" panose="020B0604030504040204" pitchFamily="34" charset="-120"/>
-                <a:ea typeface="微軟正黑體" panose="020B0604030504040204" pitchFamily="34" charset="-120"/>
-                <a:hlinkClick r:id="rId4"/>
-              </a:rPr>
-              <a:t>http://www.csie.ntnu.edu.tw/~</a:t>
-            </a:r>
-            <a:r>
-              <a:rPr lang="en-US" altLang="zh-TW" sz="2400" dirty="0" smtClean="0">
-                <a:latin typeface="微軟正黑體" panose="020B0604030504040204" pitchFamily="34" charset="-120"/>
-                <a:ea typeface="微軟正黑體" panose="020B0604030504040204" pitchFamily="34" charset="-120"/>
-                <a:hlinkClick r:id="rId4"/>
-              </a:rPr>
-              <a:t>u91029/Regression.html</a:t>
-            </a:r>
-            <a:r>
-              <a:rPr lang="en-US" altLang="zh-TW" sz="2400" dirty="0" smtClean="0">
-                <a:latin typeface="微軟正黑體" panose="020B0604030504040204" pitchFamily="34" charset="-120"/>
-                <a:ea typeface="微軟正黑體" panose="020B0604030504040204" pitchFamily="34" charset="-120"/>
-              </a:rPr>
-              <a:t> </a:t>
-            </a:r>
-            <a:endParaRPr lang="zh-TW" altLang="en-US" sz="2400" dirty="0">
-              <a:latin typeface="微軟正黑體" panose="020B0604030504040204" pitchFamily="34" charset="-120"/>
-              <a:ea typeface="微軟正黑體" panose="020B0604030504040204" pitchFamily="34" charset="-120"/>
-            </a:endParaRPr>
-          </a:p>
-        </p:txBody>
-      </p:sp>
-      <p:sp>
-        <p:nvSpPr>
-          <p:cNvPr id="4" name="投影片編號版面配置區 3"/>
-          <p:cNvSpPr>
-            <a:spLocks noGrp="1"/>
-          </p:cNvSpPr>
-          <p:nvPr>
-            <p:ph type="sldNum" sz="quarter" idx="12"/>
-          </p:nvPr>
-        </p:nvSpPr>
-        <p:spPr/>
-        <p:txBody>
-          <a:bodyPr/>
-          <a:lstStyle/>
-          <a:p>
-            <a:fld id="{CBEC735E-60AB-44DC-B0A8-DC8AF5BACA8B}" type="slidenum">
-              <a:rPr lang="zh-TW" altLang="en-US" smtClean="0"/>
-              <a:t>17</a:t>
-            </a:fld>
-            <a:endParaRPr lang="zh-TW" altLang="en-US"/>
+            <a:r>
+              <a:rPr lang="zh-TW" altLang="en-US" sz="4400" b="1" dirty="0" smtClean="0">
+                <a:latin typeface="微軟正黑體" panose="020B0604030504040204" pitchFamily="34" charset="-120"/>
+                <a:ea typeface="微軟正黑體" panose="020B0604030504040204" pitchFamily="34" charset="-120"/>
+              </a:rPr>
+              <a:t>重點</a:t>
+            </a:r>
+            <a:r>
+              <a:rPr lang="zh-TW" altLang="en-US" sz="4400" b="1" dirty="0">
+                <a:latin typeface="微軟正黑體" panose="020B0604030504040204" pitchFamily="34" charset="-120"/>
+                <a:ea typeface="微軟正黑體" panose="020B0604030504040204" pitchFamily="34" charset="-120"/>
+              </a:rPr>
+              <a:t>？</a:t>
+            </a:r>
           </a:p>
         </p:txBody>
       </p:sp>
     </p:spTree>
     <p:extLst>
       <p:ext uri="{BB962C8B-B14F-4D97-AF65-F5344CB8AC3E}">
-        <p14:creationId xmlns:p14="http://schemas.microsoft.com/office/powerpoint/2010/main" val="1308939045"/>
+        <p14:creationId xmlns:p14="http://schemas.microsoft.com/office/powerpoint/2010/main" val="3514907921"/>
       </p:ext>
     </p:extLst>
   </p:cSld>
@@ -9938,99 +9532,6 @@
       </p:grpSpPr>
       <p:sp>
         <p:nvSpPr>
-          <p:cNvPr id="5" name="標題 4"/>
-          <p:cNvSpPr>
-            <a:spLocks noGrp="1"/>
-          </p:cNvSpPr>
-          <p:nvPr>
-            <p:ph type="ctrTitle"/>
-          </p:nvPr>
-        </p:nvSpPr>
-        <p:spPr/>
-        <p:txBody>
-          <a:bodyPr/>
-          <a:lstStyle/>
-          <a:p>
-            <a:r>
-              <a:rPr lang="en-US" altLang="zh-TW" b="1" dirty="0" smtClean="0">
-                <a:latin typeface="微軟正黑體" panose="020B0604030504040204" pitchFamily="34" charset="-120"/>
-                <a:ea typeface="微軟正黑體" panose="020B0604030504040204" pitchFamily="34" charset="-120"/>
-              </a:rPr>
-              <a:t>Thinking</a:t>
-            </a:r>
-            <a:endParaRPr lang="zh-TW" altLang="en-US" b="1" dirty="0">
-              <a:latin typeface="微軟正黑體" panose="020B0604030504040204" pitchFamily="34" charset="-120"/>
-              <a:ea typeface="微軟正黑體" panose="020B0604030504040204" pitchFamily="34" charset="-120"/>
-            </a:endParaRPr>
-          </a:p>
-        </p:txBody>
-      </p:sp>
-      <p:sp>
-        <p:nvSpPr>
-          <p:cNvPr id="6" name="副標題 5"/>
-          <p:cNvSpPr>
-            <a:spLocks noGrp="1"/>
-          </p:cNvSpPr>
-          <p:nvPr>
-            <p:ph type="subTitle" idx="1"/>
-          </p:nvPr>
-        </p:nvSpPr>
-        <p:spPr/>
-        <p:txBody>
-          <a:bodyPr>
-            <a:normAutofit/>
-          </a:bodyPr>
-          <a:lstStyle/>
-          <a:p>
-            <a:r>
-              <a:rPr lang="zh-TW" altLang="en-US" sz="4400" b="1" dirty="0" smtClean="0">
-                <a:latin typeface="微軟正黑體" panose="020B0604030504040204" pitchFamily="34" charset="-120"/>
-                <a:ea typeface="微軟正黑體" panose="020B0604030504040204" pitchFamily="34" charset="-120"/>
-              </a:rPr>
-              <a:t>重點</a:t>
-            </a:r>
-            <a:r>
-              <a:rPr lang="zh-TW" altLang="en-US" sz="4400" b="1" dirty="0">
-                <a:latin typeface="微軟正黑體" panose="020B0604030504040204" pitchFamily="34" charset="-120"/>
-                <a:ea typeface="微軟正黑體" panose="020B0604030504040204" pitchFamily="34" charset="-120"/>
-              </a:rPr>
-              <a:t>？</a:t>
-            </a:r>
-          </a:p>
-        </p:txBody>
-      </p:sp>
-    </p:spTree>
-    <p:extLst>
-      <p:ext uri="{BB962C8B-B14F-4D97-AF65-F5344CB8AC3E}">
-        <p14:creationId xmlns:p14="http://schemas.microsoft.com/office/powerpoint/2010/main" val="3514907921"/>
-      </p:ext>
-    </p:extLst>
-  </p:cSld>
-  <p:clrMapOvr>
-    <a:masterClrMapping/>
-  </p:clrMapOvr>
-</p:sld>
-</file>
-
-<file path=ppt/slides/slide19.xml><?xml version="1.0" encoding="utf-8"?>
-<p:sld xmlns:a="http://schemas.openxmlformats.org/drawingml/2006/main" xmlns:r="http://schemas.openxmlformats.org/officeDocument/2006/relationships" xmlns:p="http://schemas.openxmlformats.org/presentationml/2006/main">
-  <p:cSld>
-    <p:spTree>
-      <p:nvGrpSpPr>
-        <p:cNvPr id="1" name=""/>
-        <p:cNvGrpSpPr/>
-        <p:nvPr/>
-      </p:nvGrpSpPr>
-      <p:grpSpPr>
-        <a:xfrm>
-          <a:off x="0" y="0"/>
-          <a:ext cx="0" cy="0"/>
-          <a:chOff x="0" y="0"/>
-          <a:chExt cx="0" cy="0"/>
-        </a:xfrm>
-      </p:grpSpPr>
-      <p:sp>
-        <p:nvSpPr>
           <p:cNvPr id="2" name="標題 1"/>
           <p:cNvSpPr>
             <a:spLocks noGrp="1"/>
@@ -10078,7 +9579,7 @@
           <a:p>
             <a:fld id="{CBEC735E-60AB-44DC-B0A8-DC8AF5BACA8B}" type="slidenum">
               <a:rPr lang="zh-TW" altLang="en-US" smtClean="0"/>
-              <a:t>19</a:t>
+              <a:t>18</a:t>
             </a:fld>
             <a:endParaRPr lang="zh-TW" altLang="en-US"/>
           </a:p>
@@ -10240,6 +9741,235 @@
 </p:sld>
 </file>
 
+<file path=ppt/slides/slide19.xml><?xml version="1.0" encoding="utf-8"?>
+<p:sld xmlns:a="http://schemas.openxmlformats.org/drawingml/2006/main" xmlns:r="http://schemas.openxmlformats.org/officeDocument/2006/relationships" xmlns:p="http://schemas.openxmlformats.org/presentationml/2006/main">
+  <p:cSld>
+    <p:spTree>
+      <p:nvGrpSpPr>
+        <p:cNvPr id="1" name=""/>
+        <p:cNvGrpSpPr/>
+        <p:nvPr/>
+      </p:nvGrpSpPr>
+      <p:grpSpPr>
+        <a:xfrm>
+          <a:off x="0" y="0"/>
+          <a:ext cx="0" cy="0"/>
+          <a:chOff x="0" y="0"/>
+          <a:chExt cx="0" cy="0"/>
+        </a:xfrm>
+      </p:grpSpPr>
+      <p:sp>
+        <p:nvSpPr>
+          <p:cNvPr id="2" name="標題 1"/>
+          <p:cNvSpPr>
+            <a:spLocks noGrp="1"/>
+          </p:cNvSpPr>
+          <p:nvPr>
+            <p:ph type="title"/>
+          </p:nvPr>
+        </p:nvSpPr>
+        <p:spPr/>
+        <p:txBody>
+          <a:bodyPr>
+            <a:normAutofit/>
+          </a:bodyPr>
+          <a:lstStyle/>
+          <a:p>
+            <a:pPr algn="ctr"/>
+            <a:r>
+              <a:rPr lang="en-US" altLang="zh-TW" sz="4000" b="1" dirty="0" smtClean="0">
+                <a:latin typeface="微軟正黑體" panose="020B0604030504040204" pitchFamily="34" charset="-120"/>
+                <a:ea typeface="微軟正黑體" panose="020B0604030504040204" pitchFamily="34" charset="-120"/>
+              </a:rPr>
+              <a:t>Python</a:t>
+            </a:r>
+            <a:r>
+              <a:rPr lang="zh-TW" altLang="en-US" sz="4000" b="1" dirty="0" smtClean="0">
+                <a:latin typeface="微軟正黑體" panose="020B0604030504040204" pitchFamily="34" charset="-120"/>
+                <a:ea typeface="微軟正黑體" panose="020B0604030504040204" pitchFamily="34" charset="-120"/>
+              </a:rPr>
+              <a:t> 實作</a:t>
+            </a:r>
+            <a:endParaRPr lang="zh-TW" altLang="en-US" sz="4000" b="1" dirty="0">
+              <a:latin typeface="微軟正黑體" panose="020B0604030504040204" pitchFamily="34" charset="-120"/>
+              <a:ea typeface="微軟正黑體" panose="020B0604030504040204" pitchFamily="34" charset="-120"/>
+            </a:endParaRPr>
+          </a:p>
+        </p:txBody>
+      </p:sp>
+      <p:sp>
+        <p:nvSpPr>
+          <p:cNvPr id="3" name="內容版面配置區 2"/>
+          <p:cNvSpPr>
+            <a:spLocks noGrp="1"/>
+          </p:cNvSpPr>
+          <p:nvPr>
+            <p:ph idx="1"/>
+          </p:nvPr>
+        </p:nvSpPr>
+        <p:spPr>
+          <a:xfrm>
+            <a:off x="2169939" y="1935921"/>
+            <a:ext cx="8602690" cy="3695136"/>
+          </a:xfrm>
+        </p:spPr>
+        <p:txBody>
+          <a:bodyPr>
+            <a:normAutofit/>
+          </a:bodyPr>
+          <a:lstStyle/>
+          <a:p>
+            <a:pPr marL="457200" indent="-457200">
+              <a:buFont typeface="+mj-lt"/>
+              <a:buAutoNum type="arabicPeriod"/>
+            </a:pPr>
+            <a:r>
+              <a:rPr lang="zh-TW" altLang="en-US" sz="2400" dirty="0" smtClean="0">
+                <a:latin typeface="微軟正黑體" panose="020B0604030504040204" pitchFamily="34" charset="-120"/>
+                <a:ea typeface="微軟正黑體" panose="020B0604030504040204" pitchFamily="34" charset="-120"/>
+              </a:rPr>
+              <a:t>莫煩</a:t>
+            </a:r>
+            <a:r>
+              <a:rPr lang="en-US" altLang="zh-TW" sz="2400" dirty="0" smtClean="0">
+                <a:latin typeface="微軟正黑體" panose="020B0604030504040204" pitchFamily="34" charset="-120"/>
+                <a:ea typeface="微軟正黑體" panose="020B0604030504040204" pitchFamily="34" charset="-120"/>
+              </a:rPr>
+              <a:t>- </a:t>
+            </a:r>
+            <a:r>
+              <a:rPr lang="en-US" altLang="zh-TW" sz="2400" dirty="0" smtClean="0">
+                <a:latin typeface="微軟正黑體" panose="020B0604030504040204" pitchFamily="34" charset="-120"/>
+                <a:ea typeface="微軟正黑體" panose="020B0604030504040204" pitchFamily="34" charset="-120"/>
+                <a:hlinkClick r:id="rId2"/>
+              </a:rPr>
+              <a:t>sklearn</a:t>
+            </a:r>
+            <a:r>
+              <a:rPr lang="zh-TW" altLang="en-US" sz="2400" dirty="0" smtClean="0">
+                <a:latin typeface="微軟正黑體" panose="020B0604030504040204" pitchFamily="34" charset="-120"/>
+                <a:ea typeface="微軟正黑體" panose="020B0604030504040204" pitchFamily="34" charset="-120"/>
+                <a:hlinkClick r:id="rId2"/>
+              </a:rPr>
+              <a:t>常用屬性與功能</a:t>
+            </a:r>
+            <a:r>
+              <a:rPr lang="zh-TW" altLang="en-US" sz="2400" dirty="0" smtClean="0">
+                <a:latin typeface="微軟正黑體" panose="020B0604030504040204" pitchFamily="34" charset="-120"/>
+                <a:ea typeface="微軟正黑體" panose="020B0604030504040204" pitchFamily="34" charset="-120"/>
+              </a:rPr>
+              <a:t> </a:t>
+            </a:r>
+            <a:r>
+              <a:rPr lang="en-US" altLang="zh-TW" sz="2400" dirty="0" smtClean="0">
+                <a:latin typeface="微軟正黑體" panose="020B0604030504040204" pitchFamily="34" charset="-120"/>
+                <a:ea typeface="微軟正黑體" panose="020B0604030504040204" pitchFamily="34" charset="-120"/>
+              </a:rPr>
+              <a:t>(Linear Regression</a:t>
+            </a:r>
+            <a:r>
+              <a:rPr lang="zh-TW" altLang="en-US" sz="2400" dirty="0" smtClean="0">
+                <a:latin typeface="微軟正黑體" panose="020B0604030504040204" pitchFamily="34" charset="-120"/>
+                <a:ea typeface="微軟正黑體" panose="020B0604030504040204" pitchFamily="34" charset="-120"/>
+              </a:rPr>
+              <a:t> 範例</a:t>
+            </a:r>
+            <a:r>
+              <a:rPr lang="en-US" altLang="zh-TW" sz="2400" dirty="0" smtClean="0">
+                <a:latin typeface="微軟正黑體" panose="020B0604030504040204" pitchFamily="34" charset="-120"/>
+                <a:ea typeface="微軟正黑體" panose="020B0604030504040204" pitchFamily="34" charset="-120"/>
+              </a:rPr>
+              <a:t>)</a:t>
+            </a:r>
+          </a:p>
+          <a:p>
+            <a:pPr marL="457200" indent="-457200">
+              <a:buFont typeface="+mj-lt"/>
+              <a:buAutoNum type="arabicPeriod"/>
+            </a:pPr>
+            <a:r>
+              <a:rPr lang="en-US" altLang="zh-TW" sz="2400" dirty="0">
+                <a:latin typeface="微軟正黑體" panose="020B0604030504040204" pitchFamily="34" charset="-120"/>
+                <a:ea typeface="微軟正黑體" panose="020B0604030504040204" pitchFamily="34" charset="-120"/>
+                <a:hlinkClick r:id="rId3"/>
+              </a:rPr>
+              <a:t>Scikit-Learn </a:t>
+            </a:r>
+            <a:r>
+              <a:rPr lang="zh-TW" altLang="en-US" sz="2400" dirty="0">
+                <a:latin typeface="微軟正黑體" panose="020B0604030504040204" pitchFamily="34" charset="-120"/>
+                <a:ea typeface="微軟正黑體" panose="020B0604030504040204" pitchFamily="34" charset="-120"/>
+                <a:hlinkClick r:id="rId3"/>
+              </a:rPr>
+              <a:t>教學：</a:t>
+            </a:r>
+            <a:r>
+              <a:rPr lang="en-US" altLang="zh-TW" sz="2400" dirty="0">
+                <a:latin typeface="微軟正黑體" panose="020B0604030504040204" pitchFamily="34" charset="-120"/>
+                <a:ea typeface="微軟正黑體" panose="020B0604030504040204" pitchFamily="34" charset="-120"/>
+                <a:hlinkClick r:id="rId3"/>
+              </a:rPr>
+              <a:t>Python </a:t>
+            </a:r>
+            <a:r>
+              <a:rPr lang="zh-TW" altLang="en-US" sz="2400" dirty="0">
+                <a:latin typeface="微軟正黑體" panose="020B0604030504040204" pitchFamily="34" charset="-120"/>
+                <a:ea typeface="微軟正黑體" panose="020B0604030504040204" pitchFamily="34" charset="-120"/>
+                <a:hlinkClick r:id="rId3"/>
+              </a:rPr>
+              <a:t>與</a:t>
+            </a:r>
+            <a:r>
+              <a:rPr lang="zh-TW" altLang="en-US" sz="2400" dirty="0" smtClean="0">
+                <a:latin typeface="微軟正黑體" panose="020B0604030504040204" pitchFamily="34" charset="-120"/>
+                <a:ea typeface="微軟正黑體" panose="020B0604030504040204" pitchFamily="34" charset="-120"/>
+                <a:hlinkClick r:id="rId3"/>
+              </a:rPr>
+              <a:t>機器學習</a:t>
+            </a:r>
+            <a:endParaRPr lang="en-US" altLang="zh-TW" sz="2400" dirty="0">
+              <a:latin typeface="微軟正黑體" panose="020B0604030504040204" pitchFamily="34" charset="-120"/>
+              <a:ea typeface="微軟正黑體" panose="020B0604030504040204" pitchFamily="34" charset="-120"/>
+            </a:endParaRPr>
+          </a:p>
+        </p:txBody>
+      </p:sp>
+      <p:sp>
+        <p:nvSpPr>
+          <p:cNvPr id="4" name="投影片編號版面配置區 3"/>
+          <p:cNvSpPr>
+            <a:spLocks noGrp="1"/>
+          </p:cNvSpPr>
+          <p:nvPr>
+            <p:ph type="sldNum" sz="quarter" idx="12"/>
+          </p:nvPr>
+        </p:nvSpPr>
+        <p:spPr/>
+        <p:txBody>
+          <a:bodyPr/>
+          <a:lstStyle/>
+          <a:p>
+            <a:fld id="{CBEC735E-60AB-44DC-B0A8-DC8AF5BACA8B}" type="slidenum">
+              <a:rPr lang="zh-TW" altLang="en-US" smtClean="0"/>
+              <a:t>19</a:t>
+            </a:fld>
+            <a:endParaRPr lang="zh-TW" altLang="en-US"/>
+          </a:p>
+        </p:txBody>
+      </p:sp>
+    </p:spTree>
+    <p:extLst>
+      <p:ext uri="{BB962C8B-B14F-4D97-AF65-F5344CB8AC3E}">
+        <p14:creationId xmlns:p14="http://schemas.microsoft.com/office/powerpoint/2010/main" val="2001267765"/>
+      </p:ext>
+    </p:extLst>
+  </p:cSld>
+  <p:clrMapOvr>
+    <a:masterClrMapping/>
+  </p:clrMapOvr>
+</p:sld>
+</file>
+
 <file path=ppt/slides/slide2.xml><?xml version="1.0" encoding="utf-8"?>
 <p:sld xmlns:a="http://schemas.openxmlformats.org/drawingml/2006/main" xmlns:r="http://schemas.openxmlformats.org/officeDocument/2006/relationships" xmlns:p="http://schemas.openxmlformats.org/presentationml/2006/main">
   <p:cSld>
@@ -10343,235 +10073,6 @@
   <p:cSld>
     <p:spTree>
       <p:nvGrpSpPr>
-        <p:cNvPr id="1" name=""/>
-        <p:cNvGrpSpPr/>
-        <p:nvPr/>
-      </p:nvGrpSpPr>
-      <p:grpSpPr>
-        <a:xfrm>
-          <a:off x="0" y="0"/>
-          <a:ext cx="0" cy="0"/>
-          <a:chOff x="0" y="0"/>
-          <a:chExt cx="0" cy="0"/>
-        </a:xfrm>
-      </p:grpSpPr>
-      <p:sp>
-        <p:nvSpPr>
-          <p:cNvPr id="2" name="標題 1"/>
-          <p:cNvSpPr>
-            <a:spLocks noGrp="1"/>
-          </p:cNvSpPr>
-          <p:nvPr>
-            <p:ph type="title"/>
-          </p:nvPr>
-        </p:nvSpPr>
-        <p:spPr/>
-        <p:txBody>
-          <a:bodyPr>
-            <a:normAutofit/>
-          </a:bodyPr>
-          <a:lstStyle/>
-          <a:p>
-            <a:pPr algn="ctr"/>
-            <a:r>
-              <a:rPr lang="en-US" altLang="zh-TW" sz="4000" b="1" dirty="0" smtClean="0">
-                <a:latin typeface="微軟正黑體" panose="020B0604030504040204" pitchFamily="34" charset="-120"/>
-                <a:ea typeface="微軟正黑體" panose="020B0604030504040204" pitchFamily="34" charset="-120"/>
-              </a:rPr>
-              <a:t>Python</a:t>
-            </a:r>
-            <a:r>
-              <a:rPr lang="zh-TW" altLang="en-US" sz="4000" b="1" dirty="0" smtClean="0">
-                <a:latin typeface="微軟正黑體" panose="020B0604030504040204" pitchFamily="34" charset="-120"/>
-                <a:ea typeface="微軟正黑體" panose="020B0604030504040204" pitchFamily="34" charset="-120"/>
-              </a:rPr>
-              <a:t> 實作</a:t>
-            </a:r>
-            <a:endParaRPr lang="zh-TW" altLang="en-US" sz="4000" b="1" dirty="0">
-              <a:latin typeface="微軟正黑體" panose="020B0604030504040204" pitchFamily="34" charset="-120"/>
-              <a:ea typeface="微軟正黑體" panose="020B0604030504040204" pitchFamily="34" charset="-120"/>
-            </a:endParaRPr>
-          </a:p>
-        </p:txBody>
-      </p:sp>
-      <p:sp>
-        <p:nvSpPr>
-          <p:cNvPr id="3" name="內容版面配置區 2"/>
-          <p:cNvSpPr>
-            <a:spLocks noGrp="1"/>
-          </p:cNvSpPr>
-          <p:nvPr>
-            <p:ph idx="1"/>
-          </p:nvPr>
-        </p:nvSpPr>
-        <p:spPr>
-          <a:xfrm>
-            <a:off x="2169939" y="1935921"/>
-            <a:ext cx="8602690" cy="3695136"/>
-          </a:xfrm>
-        </p:spPr>
-        <p:txBody>
-          <a:bodyPr>
-            <a:normAutofit/>
-          </a:bodyPr>
-          <a:lstStyle/>
-          <a:p>
-            <a:pPr marL="457200" indent="-457200">
-              <a:buFont typeface="+mj-lt"/>
-              <a:buAutoNum type="arabicPeriod"/>
-            </a:pPr>
-            <a:r>
-              <a:rPr lang="zh-TW" altLang="en-US" sz="2400" dirty="0" smtClean="0">
-                <a:latin typeface="微軟正黑體" panose="020B0604030504040204" pitchFamily="34" charset="-120"/>
-                <a:ea typeface="微軟正黑體" panose="020B0604030504040204" pitchFamily="34" charset="-120"/>
-              </a:rPr>
-              <a:t>莫煩</a:t>
-            </a:r>
-            <a:r>
-              <a:rPr lang="en-US" altLang="zh-TW" sz="2400" dirty="0" smtClean="0">
-                <a:latin typeface="微軟正黑體" panose="020B0604030504040204" pitchFamily="34" charset="-120"/>
-                <a:ea typeface="微軟正黑體" panose="020B0604030504040204" pitchFamily="34" charset="-120"/>
-              </a:rPr>
-              <a:t>- </a:t>
-            </a:r>
-            <a:r>
-              <a:rPr lang="en-US" altLang="zh-TW" sz="2400" dirty="0" smtClean="0">
-                <a:latin typeface="微軟正黑體" panose="020B0604030504040204" pitchFamily="34" charset="-120"/>
-                <a:ea typeface="微軟正黑體" panose="020B0604030504040204" pitchFamily="34" charset="-120"/>
-                <a:hlinkClick r:id="rId2"/>
-              </a:rPr>
-              <a:t>sklearn</a:t>
-            </a:r>
-            <a:r>
-              <a:rPr lang="zh-TW" altLang="en-US" sz="2400" dirty="0" smtClean="0">
-                <a:latin typeface="微軟正黑體" panose="020B0604030504040204" pitchFamily="34" charset="-120"/>
-                <a:ea typeface="微軟正黑體" panose="020B0604030504040204" pitchFamily="34" charset="-120"/>
-                <a:hlinkClick r:id="rId2"/>
-              </a:rPr>
-              <a:t>常用屬性與功能</a:t>
-            </a:r>
-            <a:r>
-              <a:rPr lang="zh-TW" altLang="en-US" sz="2400" dirty="0" smtClean="0">
-                <a:latin typeface="微軟正黑體" panose="020B0604030504040204" pitchFamily="34" charset="-120"/>
-                <a:ea typeface="微軟正黑體" panose="020B0604030504040204" pitchFamily="34" charset="-120"/>
-              </a:rPr>
-              <a:t> </a:t>
-            </a:r>
-            <a:r>
-              <a:rPr lang="en-US" altLang="zh-TW" sz="2400" dirty="0" smtClean="0">
-                <a:latin typeface="微軟正黑體" panose="020B0604030504040204" pitchFamily="34" charset="-120"/>
-                <a:ea typeface="微軟正黑體" panose="020B0604030504040204" pitchFamily="34" charset="-120"/>
-              </a:rPr>
-              <a:t>(Linear Regression</a:t>
-            </a:r>
-            <a:r>
-              <a:rPr lang="zh-TW" altLang="en-US" sz="2400" dirty="0" smtClean="0">
-                <a:latin typeface="微軟正黑體" panose="020B0604030504040204" pitchFamily="34" charset="-120"/>
-                <a:ea typeface="微軟正黑體" panose="020B0604030504040204" pitchFamily="34" charset="-120"/>
-              </a:rPr>
-              <a:t> 範例</a:t>
-            </a:r>
-            <a:r>
-              <a:rPr lang="en-US" altLang="zh-TW" sz="2400" dirty="0" smtClean="0">
-                <a:latin typeface="微軟正黑體" panose="020B0604030504040204" pitchFamily="34" charset="-120"/>
-                <a:ea typeface="微軟正黑體" panose="020B0604030504040204" pitchFamily="34" charset="-120"/>
-              </a:rPr>
-              <a:t>)</a:t>
-            </a:r>
-          </a:p>
-          <a:p>
-            <a:pPr marL="457200" indent="-457200">
-              <a:buFont typeface="+mj-lt"/>
-              <a:buAutoNum type="arabicPeriod"/>
-            </a:pPr>
-            <a:r>
-              <a:rPr lang="en-US" altLang="zh-TW" sz="2400" dirty="0">
-                <a:latin typeface="微軟正黑體" panose="020B0604030504040204" pitchFamily="34" charset="-120"/>
-                <a:ea typeface="微軟正黑體" panose="020B0604030504040204" pitchFamily="34" charset="-120"/>
-                <a:hlinkClick r:id="rId3"/>
-              </a:rPr>
-              <a:t>Scikit-Learn </a:t>
-            </a:r>
-            <a:r>
-              <a:rPr lang="zh-TW" altLang="en-US" sz="2400" dirty="0">
-                <a:latin typeface="微軟正黑體" panose="020B0604030504040204" pitchFamily="34" charset="-120"/>
-                <a:ea typeface="微軟正黑體" panose="020B0604030504040204" pitchFamily="34" charset="-120"/>
-                <a:hlinkClick r:id="rId3"/>
-              </a:rPr>
-              <a:t>教學：</a:t>
-            </a:r>
-            <a:r>
-              <a:rPr lang="en-US" altLang="zh-TW" sz="2400" dirty="0">
-                <a:latin typeface="微軟正黑體" panose="020B0604030504040204" pitchFamily="34" charset="-120"/>
-                <a:ea typeface="微軟正黑體" panose="020B0604030504040204" pitchFamily="34" charset="-120"/>
-                <a:hlinkClick r:id="rId3"/>
-              </a:rPr>
-              <a:t>Python </a:t>
-            </a:r>
-            <a:r>
-              <a:rPr lang="zh-TW" altLang="en-US" sz="2400" dirty="0">
-                <a:latin typeface="微軟正黑體" panose="020B0604030504040204" pitchFamily="34" charset="-120"/>
-                <a:ea typeface="微軟正黑體" panose="020B0604030504040204" pitchFamily="34" charset="-120"/>
-                <a:hlinkClick r:id="rId3"/>
-              </a:rPr>
-              <a:t>與</a:t>
-            </a:r>
-            <a:r>
-              <a:rPr lang="zh-TW" altLang="en-US" sz="2400" dirty="0" smtClean="0">
-                <a:latin typeface="微軟正黑體" panose="020B0604030504040204" pitchFamily="34" charset="-120"/>
-                <a:ea typeface="微軟正黑體" panose="020B0604030504040204" pitchFamily="34" charset="-120"/>
-                <a:hlinkClick r:id="rId3"/>
-              </a:rPr>
-              <a:t>機器學習</a:t>
-            </a:r>
-            <a:endParaRPr lang="en-US" altLang="zh-TW" sz="2400" dirty="0">
-              <a:latin typeface="微軟正黑體" panose="020B0604030504040204" pitchFamily="34" charset="-120"/>
-              <a:ea typeface="微軟正黑體" panose="020B0604030504040204" pitchFamily="34" charset="-120"/>
-            </a:endParaRPr>
-          </a:p>
-        </p:txBody>
-      </p:sp>
-      <p:sp>
-        <p:nvSpPr>
-          <p:cNvPr id="4" name="投影片編號版面配置區 3"/>
-          <p:cNvSpPr>
-            <a:spLocks noGrp="1"/>
-          </p:cNvSpPr>
-          <p:nvPr>
-            <p:ph type="sldNum" sz="quarter" idx="12"/>
-          </p:nvPr>
-        </p:nvSpPr>
-        <p:spPr/>
-        <p:txBody>
-          <a:bodyPr/>
-          <a:lstStyle/>
-          <a:p>
-            <a:fld id="{CBEC735E-60AB-44DC-B0A8-DC8AF5BACA8B}" type="slidenum">
-              <a:rPr lang="zh-TW" altLang="en-US" smtClean="0"/>
-              <a:t>20</a:t>
-            </a:fld>
-            <a:endParaRPr lang="zh-TW" altLang="en-US"/>
-          </a:p>
-        </p:txBody>
-      </p:sp>
-    </p:spTree>
-    <p:extLst>
-      <p:ext uri="{BB962C8B-B14F-4D97-AF65-F5344CB8AC3E}">
-        <p14:creationId xmlns:p14="http://schemas.microsoft.com/office/powerpoint/2010/main" val="2001267765"/>
-      </p:ext>
-    </p:extLst>
-  </p:cSld>
-  <p:clrMapOvr>
-    <a:masterClrMapping/>
-  </p:clrMapOvr>
-</p:sld>
-</file>
-
-<file path=ppt/slides/slide21.xml><?xml version="1.0" encoding="utf-8"?>
-<p:sld xmlns:a="http://schemas.openxmlformats.org/drawingml/2006/main" xmlns:r="http://schemas.openxmlformats.org/officeDocument/2006/relationships" xmlns:p="http://schemas.openxmlformats.org/presentationml/2006/main">
-  <p:cSld>
-    <p:spTree>
-      <p:nvGrpSpPr>
         <p:cNvPr id="1" name="Shape 189"/>
         <p:cNvGrpSpPr/>
         <p:nvPr/>
@@ -10906,6 +10407,29 @@
           </a:p>
         </p:txBody>
       </p:sp>
+      <p:sp>
+        <p:nvSpPr>
+          <p:cNvPr id="2" name="投影片編號版面配置區 1"/>
+          <p:cNvSpPr>
+            <a:spLocks noGrp="1"/>
+          </p:cNvSpPr>
+          <p:nvPr>
+            <p:ph type="sldNum" sz="quarter" idx="12"/>
+          </p:nvPr>
+        </p:nvSpPr>
+        <p:spPr/>
+        <p:txBody>
+          <a:bodyPr/>
+          <a:lstStyle/>
+          <a:p>
+            <a:fld id="{CBEC735E-60AB-44DC-B0A8-DC8AF5BACA8B}" type="slidenum">
+              <a:rPr lang="zh-TW" altLang="en-US" smtClean="0"/>
+              <a:t>20</a:t>
+            </a:fld>
+            <a:endParaRPr lang="zh-TW" altLang="en-US"/>
+          </a:p>
+        </p:txBody>
+      </p:sp>
     </p:spTree>
     <p:extLst>
       <p:ext uri="{BB962C8B-B14F-4D97-AF65-F5344CB8AC3E}">
@@ -10919,7 +10443,7 @@
 </p:sld>
 </file>
 
-<file path=ppt/slides/slide22.xml><?xml version="1.0" encoding="utf-8"?>
+<file path=ppt/slides/slide21.xml><?xml version="1.0" encoding="utf-8"?>
 <p:sld xmlns:a="http://schemas.openxmlformats.org/drawingml/2006/main" xmlns:r="http://schemas.openxmlformats.org/officeDocument/2006/relationships" xmlns:p="http://schemas.openxmlformats.org/presentationml/2006/main">
   <p:cSld>
     <p:spTree>
@@ -11287,6 +10811,29 @@
           </a:p>
         </p:txBody>
       </p:sp>
+      <p:sp>
+        <p:nvSpPr>
+          <p:cNvPr id="2" name="投影片編號版面配置區 1"/>
+          <p:cNvSpPr>
+            <a:spLocks noGrp="1"/>
+          </p:cNvSpPr>
+          <p:nvPr>
+            <p:ph type="sldNum" sz="quarter" idx="12"/>
+          </p:nvPr>
+        </p:nvSpPr>
+        <p:spPr/>
+        <p:txBody>
+          <a:bodyPr/>
+          <a:lstStyle/>
+          <a:p>
+            <a:fld id="{CBEC735E-60AB-44DC-B0A8-DC8AF5BACA8B}" type="slidenum">
+              <a:rPr lang="zh-TW" altLang="en-US" smtClean="0"/>
+              <a:t>21</a:t>
+            </a:fld>
+            <a:endParaRPr lang="zh-TW" altLang="en-US"/>
+          </a:p>
+        </p:txBody>
+      </p:sp>
     </p:spTree>
     <p:extLst>
       <p:ext uri="{BB962C8B-B14F-4D97-AF65-F5344CB8AC3E}">
@@ -11300,7 +10847,7 @@
 </p:sld>
 </file>
 
-<file path=ppt/slides/slide23.xml><?xml version="1.0" encoding="utf-8"?>
+<file path=ppt/slides/slide22.xml><?xml version="1.0" encoding="utf-8"?>
 <p:sld xmlns:a="http://schemas.openxmlformats.org/drawingml/2006/main" xmlns:r="http://schemas.openxmlformats.org/officeDocument/2006/relationships" xmlns:p="http://schemas.openxmlformats.org/presentationml/2006/main">
   <p:cSld>
     <p:spTree>
@@ -11680,6 +11227,29 @@
           </a:p>
         </p:txBody>
       </p:sp>
+      <p:sp>
+        <p:nvSpPr>
+          <p:cNvPr id="2" name="投影片編號版面配置區 1"/>
+          <p:cNvSpPr>
+            <a:spLocks noGrp="1"/>
+          </p:cNvSpPr>
+          <p:nvPr>
+            <p:ph type="sldNum" sz="quarter" idx="12"/>
+          </p:nvPr>
+        </p:nvSpPr>
+        <p:spPr/>
+        <p:txBody>
+          <a:bodyPr/>
+          <a:lstStyle/>
+          <a:p>
+            <a:fld id="{CBEC735E-60AB-44DC-B0A8-DC8AF5BACA8B}" type="slidenum">
+              <a:rPr lang="zh-TW" altLang="en-US" smtClean="0"/>
+              <a:t>22</a:t>
+            </a:fld>
+            <a:endParaRPr lang="zh-TW" altLang="en-US"/>
+          </a:p>
+        </p:txBody>
+      </p:sp>
     </p:spTree>
     <p:extLst>
       <p:ext uri="{BB962C8B-B14F-4D97-AF65-F5344CB8AC3E}">
@@ -11693,7 +11263,7 @@
 </p:sld>
 </file>
 
-<file path=ppt/slides/slide24.xml><?xml version="1.0" encoding="utf-8"?>
+<file path=ppt/slides/slide23.xml><?xml version="1.0" encoding="utf-8"?>
 <p:sld xmlns:a="http://schemas.openxmlformats.org/drawingml/2006/main" xmlns:r="http://schemas.openxmlformats.org/officeDocument/2006/relationships" xmlns:p="http://schemas.openxmlformats.org/presentationml/2006/main">
   <p:cSld>
     <p:spTree>
@@ -12075,6 +11645,29 @@
           </a:p>
         </p:txBody>
       </p:sp>
+      <p:sp>
+        <p:nvSpPr>
+          <p:cNvPr id="2" name="投影片編號版面配置區 1"/>
+          <p:cNvSpPr>
+            <a:spLocks noGrp="1"/>
+          </p:cNvSpPr>
+          <p:nvPr>
+            <p:ph type="sldNum" sz="quarter" idx="12"/>
+          </p:nvPr>
+        </p:nvSpPr>
+        <p:spPr/>
+        <p:txBody>
+          <a:bodyPr/>
+          <a:lstStyle/>
+          <a:p>
+            <a:fld id="{CBEC735E-60AB-44DC-B0A8-DC8AF5BACA8B}" type="slidenum">
+              <a:rPr lang="zh-TW" altLang="en-US" smtClean="0"/>
+              <a:t>23</a:t>
+            </a:fld>
+            <a:endParaRPr lang="zh-TW" altLang="en-US"/>
+          </a:p>
+        </p:txBody>
+      </p:sp>
     </p:spTree>
     <p:extLst>
       <p:ext uri="{BB962C8B-B14F-4D97-AF65-F5344CB8AC3E}">
@@ -12088,7 +11681,7 @@
 </p:sld>
 </file>
 
-<file path=ppt/slides/slide25.xml><?xml version="1.0" encoding="utf-8"?>
+<file path=ppt/slides/slide24.xml><?xml version="1.0" encoding="utf-8"?>
 <p:sld xmlns:a="http://schemas.openxmlformats.org/drawingml/2006/main" xmlns:r="http://schemas.openxmlformats.org/officeDocument/2006/relationships" xmlns:p="http://schemas.openxmlformats.org/presentationml/2006/main">
   <p:cSld>
     <p:spTree>
@@ -12766,6 +12359,29 @@
           </a:p>
         </p:txBody>
       </p:sp>
+      <p:sp>
+        <p:nvSpPr>
+          <p:cNvPr id="2" name="投影片編號版面配置區 1"/>
+          <p:cNvSpPr>
+            <a:spLocks noGrp="1"/>
+          </p:cNvSpPr>
+          <p:nvPr>
+            <p:ph type="sldNum" sz="quarter" idx="12"/>
+          </p:nvPr>
+        </p:nvSpPr>
+        <p:spPr/>
+        <p:txBody>
+          <a:bodyPr/>
+          <a:lstStyle/>
+          <a:p>
+            <a:fld id="{CBEC735E-60AB-44DC-B0A8-DC8AF5BACA8B}" type="slidenum">
+              <a:rPr lang="zh-TW" altLang="en-US" smtClean="0"/>
+              <a:t>24</a:t>
+            </a:fld>
+            <a:endParaRPr lang="zh-TW" altLang="en-US"/>
+          </a:p>
+        </p:txBody>
+      </p:sp>
     </p:spTree>
     <p:extLst>
       <p:ext uri="{BB962C8B-B14F-4D97-AF65-F5344CB8AC3E}">
@@ -12779,7 +12395,7 @@
 </p:sld>
 </file>
 
-<file path=ppt/slides/slide26.xml><?xml version="1.0" encoding="utf-8"?>
+<file path=ppt/slides/slide25.xml><?xml version="1.0" encoding="utf-8"?>
 <p:sld xmlns:a="http://schemas.openxmlformats.org/drawingml/2006/main" xmlns:r="http://schemas.openxmlformats.org/officeDocument/2006/relationships" xmlns:p="http://schemas.openxmlformats.org/presentationml/2006/main">
   <p:cSld>
     <p:spTree>
@@ -13179,6 +12795,29 @@
           </a:p>
         </p:txBody>
       </p:sp>
+      <p:sp>
+        <p:nvSpPr>
+          <p:cNvPr id="2" name="投影片編號版面配置區 1"/>
+          <p:cNvSpPr>
+            <a:spLocks noGrp="1"/>
+          </p:cNvSpPr>
+          <p:nvPr>
+            <p:ph type="sldNum" sz="quarter" idx="12"/>
+          </p:nvPr>
+        </p:nvSpPr>
+        <p:spPr/>
+        <p:txBody>
+          <a:bodyPr/>
+          <a:lstStyle/>
+          <a:p>
+            <a:fld id="{CBEC735E-60AB-44DC-B0A8-DC8AF5BACA8B}" type="slidenum">
+              <a:rPr lang="zh-TW" altLang="en-US" smtClean="0"/>
+              <a:t>25</a:t>
+            </a:fld>
+            <a:endParaRPr lang="zh-TW" altLang="en-US"/>
+          </a:p>
+        </p:txBody>
+      </p:sp>
     </p:spTree>
     <p:extLst>
       <p:ext uri="{BB962C8B-B14F-4D97-AF65-F5344CB8AC3E}">
@@ -13192,7 +12831,7 @@
 </p:sld>
 </file>
 
-<file path=ppt/slides/slide27.xml><?xml version="1.0" encoding="utf-8"?>
+<file path=ppt/slides/slide26.xml><?xml version="1.0" encoding="utf-8"?>
 <p:sld xmlns:a="http://schemas.openxmlformats.org/drawingml/2006/main" xmlns:r="http://schemas.openxmlformats.org/officeDocument/2006/relationships" xmlns:p="http://schemas.openxmlformats.org/presentationml/2006/main">
   <p:cSld>
     <p:spTree>
@@ -13926,6 +13565,29 @@
           </a:p>
         </p:txBody>
       </p:sp>
+      <p:sp>
+        <p:nvSpPr>
+          <p:cNvPr id="2" name="投影片編號版面配置區 1"/>
+          <p:cNvSpPr>
+            <a:spLocks noGrp="1"/>
+          </p:cNvSpPr>
+          <p:nvPr>
+            <p:ph type="sldNum" sz="quarter" idx="12"/>
+          </p:nvPr>
+        </p:nvSpPr>
+        <p:spPr/>
+        <p:txBody>
+          <a:bodyPr/>
+          <a:lstStyle/>
+          <a:p>
+            <a:fld id="{CBEC735E-60AB-44DC-B0A8-DC8AF5BACA8B}" type="slidenum">
+              <a:rPr lang="zh-TW" altLang="en-US" smtClean="0"/>
+              <a:t>26</a:t>
+            </a:fld>
+            <a:endParaRPr lang="zh-TW" altLang="en-US"/>
+          </a:p>
+        </p:txBody>
+      </p:sp>
     </p:spTree>
     <p:extLst>
       <p:ext uri="{BB962C8B-B14F-4D97-AF65-F5344CB8AC3E}">
@@ -13939,7 +13601,7 @@
 </p:sld>
 </file>
 
-<file path=ppt/slides/slide28.xml><?xml version="1.0" encoding="utf-8"?>
+<file path=ppt/slides/slide27.xml><?xml version="1.0" encoding="utf-8"?>
 <p:sld xmlns:a="http://schemas.openxmlformats.org/drawingml/2006/main" xmlns:r="http://schemas.openxmlformats.org/officeDocument/2006/relationships" xmlns:p="http://schemas.openxmlformats.org/presentationml/2006/main">
   <p:cSld>
     <p:spTree>
@@ -14073,6 +13735,29 @@
           </a:p>
         </p:txBody>
       </p:sp>
+      <p:sp>
+        <p:nvSpPr>
+          <p:cNvPr id="2" name="投影片編號版面配置區 1"/>
+          <p:cNvSpPr>
+            <a:spLocks noGrp="1"/>
+          </p:cNvSpPr>
+          <p:nvPr>
+            <p:ph type="sldNum" sz="quarter" idx="12"/>
+          </p:nvPr>
+        </p:nvSpPr>
+        <p:spPr/>
+        <p:txBody>
+          <a:bodyPr/>
+          <a:lstStyle/>
+          <a:p>
+            <a:fld id="{CBEC735E-60AB-44DC-B0A8-DC8AF5BACA8B}" type="slidenum">
+              <a:rPr lang="zh-TW" altLang="en-US" smtClean="0"/>
+              <a:t>27</a:t>
+            </a:fld>
+            <a:endParaRPr lang="zh-TW" altLang="en-US"/>
+          </a:p>
+        </p:txBody>
+      </p:sp>
     </p:spTree>
     <p:extLst>
       <p:ext uri="{BB962C8B-B14F-4D97-AF65-F5344CB8AC3E}">
@@ -14086,7 +13771,7 @@
 </p:sld>
 </file>
 
-<file path=ppt/slides/slide29.xml><?xml version="1.0" encoding="utf-8"?>
+<file path=ppt/slides/slide28.xml><?xml version="1.0" encoding="utf-8"?>
 <p:sld xmlns:a="http://schemas.openxmlformats.org/drawingml/2006/main" xmlns:r="http://schemas.openxmlformats.org/officeDocument/2006/relationships" xmlns:p="http://schemas.openxmlformats.org/presentationml/2006/main">
   <p:cSld>
     <p:spTree>
@@ -14220,6 +13905,29 @@
           </a:p>
         </p:txBody>
       </p:sp>
+      <p:sp>
+        <p:nvSpPr>
+          <p:cNvPr id="2" name="投影片編號版面配置區 1"/>
+          <p:cNvSpPr>
+            <a:spLocks noGrp="1"/>
+          </p:cNvSpPr>
+          <p:nvPr>
+            <p:ph type="sldNum" sz="quarter" idx="12"/>
+          </p:nvPr>
+        </p:nvSpPr>
+        <p:spPr/>
+        <p:txBody>
+          <a:bodyPr/>
+          <a:lstStyle/>
+          <a:p>
+            <a:fld id="{CBEC735E-60AB-44DC-B0A8-DC8AF5BACA8B}" type="slidenum">
+              <a:rPr lang="zh-TW" altLang="en-US" smtClean="0"/>
+              <a:t>28</a:t>
+            </a:fld>
+            <a:endParaRPr lang="zh-TW" altLang="en-US"/>
+          </a:p>
+        </p:txBody>
+      </p:sp>
     </p:spTree>
     <p:extLst>
       <p:ext uri="{BB962C8B-B14F-4D97-AF65-F5344CB8AC3E}">
@@ -14233,117 +13941,7 @@
 </p:sld>
 </file>
 
-<file path=ppt/slides/slide3.xml><?xml version="1.0" encoding="utf-8"?>
-<p:sld xmlns:a="http://schemas.openxmlformats.org/drawingml/2006/main" xmlns:r="http://schemas.openxmlformats.org/officeDocument/2006/relationships" xmlns:p="http://schemas.openxmlformats.org/presentationml/2006/main">
-  <p:cSld>
-    <p:spTree>
-      <p:nvGrpSpPr>
-        <p:cNvPr id="1" name=""/>
-        <p:cNvGrpSpPr/>
-        <p:nvPr/>
-      </p:nvGrpSpPr>
-      <p:grpSpPr>
-        <a:xfrm>
-          <a:off x="0" y="0"/>
-          <a:ext cx="0" cy="0"/>
-          <a:chOff x="0" y="0"/>
-          <a:chExt cx="0" cy="0"/>
-        </a:xfrm>
-      </p:grpSpPr>
-      <p:sp>
-        <p:nvSpPr>
-          <p:cNvPr id="5" name="標題 4"/>
-          <p:cNvSpPr>
-            <a:spLocks noGrp="1"/>
-          </p:cNvSpPr>
-          <p:nvPr>
-            <p:ph type="ctrTitle"/>
-          </p:nvPr>
-        </p:nvSpPr>
-        <p:spPr/>
-        <p:txBody>
-          <a:bodyPr/>
-          <a:lstStyle/>
-          <a:p>
-            <a:r>
-              <a:rPr lang="zh-TW" altLang="en-US" b="1" dirty="0" smtClean="0">
-                <a:latin typeface="微軟正黑體" panose="020B0604030504040204" pitchFamily="34" charset="-120"/>
-                <a:ea typeface="微軟正黑體" panose="020B0604030504040204" pitchFamily="34" charset="-120"/>
-              </a:rPr>
-              <a:t>決策樹</a:t>
-            </a:r>
-            <a:r>
-              <a:rPr lang="en-US" altLang="zh-TW" b="1" dirty="0" smtClean="0">
-                <a:latin typeface="微軟正黑體" panose="020B0604030504040204" pitchFamily="34" charset="-120"/>
-                <a:ea typeface="微軟正黑體" panose="020B0604030504040204" pitchFamily="34" charset="-120"/>
-              </a:rPr>
-              <a:t/>
-            </a:r>
-            <a:br>
-              <a:rPr lang="en-US" altLang="zh-TW" b="1" dirty="0" smtClean="0">
-                <a:latin typeface="微軟正黑體" panose="020B0604030504040204" pitchFamily="34" charset="-120"/>
-                <a:ea typeface="微軟正黑體" panose="020B0604030504040204" pitchFamily="34" charset="-120"/>
-              </a:rPr>
-            </a:br>
-            <a:r>
-              <a:rPr lang="en-US" altLang="zh-TW" b="1" dirty="0" smtClean="0">
-                <a:latin typeface="微軟正黑體" panose="020B0604030504040204" pitchFamily="34" charset="-120"/>
-                <a:ea typeface="微軟正黑體" panose="020B0604030504040204" pitchFamily="34" charset="-120"/>
-              </a:rPr>
-              <a:t>Decision </a:t>
-            </a:r>
-            <a:r>
-              <a:rPr lang="en-US" altLang="zh-TW" b="1" dirty="0">
-                <a:latin typeface="微軟正黑體" panose="020B0604030504040204" pitchFamily="34" charset="-120"/>
-                <a:ea typeface="微軟正黑體" panose="020B0604030504040204" pitchFamily="34" charset="-120"/>
-              </a:rPr>
-              <a:t>Tree</a:t>
-            </a:r>
-            <a:endParaRPr lang="zh-TW" altLang="en-US" b="1" dirty="0">
-              <a:latin typeface="微軟正黑體" panose="020B0604030504040204" pitchFamily="34" charset="-120"/>
-              <a:ea typeface="微軟正黑體" panose="020B0604030504040204" pitchFamily="34" charset="-120"/>
-            </a:endParaRPr>
-          </a:p>
-        </p:txBody>
-      </p:sp>
-      <p:sp>
-        <p:nvSpPr>
-          <p:cNvPr id="6" name="副標題 5"/>
-          <p:cNvSpPr>
-            <a:spLocks noGrp="1"/>
-          </p:cNvSpPr>
-          <p:nvPr>
-            <p:ph type="subTitle" idx="1"/>
-          </p:nvPr>
-        </p:nvSpPr>
-        <p:spPr/>
-        <p:txBody>
-          <a:bodyPr>
-            <a:normAutofit/>
-          </a:bodyPr>
-          <a:lstStyle/>
-          <a:p>
-            <a:endParaRPr lang="zh-TW" altLang="en-US" sz="3600" dirty="0">
-              <a:latin typeface="微軟正黑體" panose="020B0604030504040204" pitchFamily="34" charset="-120"/>
-              <a:ea typeface="微軟正黑體" panose="020B0604030504040204" pitchFamily="34" charset="-120"/>
-            </a:endParaRPr>
-          </a:p>
-        </p:txBody>
-      </p:sp>
-    </p:spTree>
-    <p:extLst>
-      <p:ext uri="{BB962C8B-B14F-4D97-AF65-F5344CB8AC3E}">
-        <p14:creationId xmlns:p14="http://schemas.microsoft.com/office/powerpoint/2010/main" val="2101231583"/>
-      </p:ext>
-    </p:extLst>
-  </p:cSld>
-  <p:clrMapOvr>
-    <a:masterClrMapping/>
-  </p:clrMapOvr>
-</p:sld>
-</file>
-
-<file path=ppt/slides/slide30.xml><?xml version="1.0" encoding="utf-8"?>
+<file path=ppt/slides/slide29.xml><?xml version="1.0" encoding="utf-8"?>
 <p:sld xmlns:a="http://schemas.openxmlformats.org/drawingml/2006/main" xmlns:r="http://schemas.openxmlformats.org/officeDocument/2006/relationships" xmlns:p="http://schemas.openxmlformats.org/presentationml/2006/main">
   <p:cSld>
     <p:spTree>
@@ -14477,6 +14075,29 @@
           </a:p>
         </p:txBody>
       </p:sp>
+      <p:sp>
+        <p:nvSpPr>
+          <p:cNvPr id="2" name="投影片編號版面配置區 1"/>
+          <p:cNvSpPr>
+            <a:spLocks noGrp="1"/>
+          </p:cNvSpPr>
+          <p:nvPr>
+            <p:ph type="sldNum" sz="quarter" idx="12"/>
+          </p:nvPr>
+        </p:nvSpPr>
+        <p:spPr/>
+        <p:txBody>
+          <a:bodyPr/>
+          <a:lstStyle/>
+          <a:p>
+            <a:fld id="{CBEC735E-60AB-44DC-B0A8-DC8AF5BACA8B}" type="slidenum">
+              <a:rPr lang="zh-TW" altLang="en-US" smtClean="0"/>
+              <a:t>29</a:t>
+            </a:fld>
+            <a:endParaRPr lang="zh-TW" altLang="en-US"/>
+          </a:p>
+        </p:txBody>
+      </p:sp>
     </p:spTree>
     <p:extLst>
       <p:ext uri="{BB962C8B-B14F-4D97-AF65-F5344CB8AC3E}">
@@ -14490,7 +14111,117 @@
 </p:sld>
 </file>
 
-<file path=ppt/slides/slide31.xml><?xml version="1.0" encoding="utf-8"?>
+<file path=ppt/slides/slide3.xml><?xml version="1.0" encoding="utf-8"?>
+<p:sld xmlns:a="http://schemas.openxmlformats.org/drawingml/2006/main" xmlns:r="http://schemas.openxmlformats.org/officeDocument/2006/relationships" xmlns:p="http://schemas.openxmlformats.org/presentationml/2006/main">
+  <p:cSld>
+    <p:spTree>
+      <p:nvGrpSpPr>
+        <p:cNvPr id="1" name=""/>
+        <p:cNvGrpSpPr/>
+        <p:nvPr/>
+      </p:nvGrpSpPr>
+      <p:grpSpPr>
+        <a:xfrm>
+          <a:off x="0" y="0"/>
+          <a:ext cx="0" cy="0"/>
+          <a:chOff x="0" y="0"/>
+          <a:chExt cx="0" cy="0"/>
+        </a:xfrm>
+      </p:grpSpPr>
+      <p:sp>
+        <p:nvSpPr>
+          <p:cNvPr id="5" name="標題 4"/>
+          <p:cNvSpPr>
+            <a:spLocks noGrp="1"/>
+          </p:cNvSpPr>
+          <p:nvPr>
+            <p:ph type="ctrTitle"/>
+          </p:nvPr>
+        </p:nvSpPr>
+        <p:spPr/>
+        <p:txBody>
+          <a:bodyPr/>
+          <a:lstStyle/>
+          <a:p>
+            <a:r>
+              <a:rPr lang="zh-TW" altLang="en-US" b="1" dirty="0" smtClean="0">
+                <a:latin typeface="微軟正黑體" panose="020B0604030504040204" pitchFamily="34" charset="-120"/>
+                <a:ea typeface="微軟正黑體" panose="020B0604030504040204" pitchFamily="34" charset="-120"/>
+              </a:rPr>
+              <a:t>決策樹</a:t>
+            </a:r>
+            <a:r>
+              <a:rPr lang="en-US" altLang="zh-TW" b="1" dirty="0" smtClean="0">
+                <a:latin typeface="微軟正黑體" panose="020B0604030504040204" pitchFamily="34" charset="-120"/>
+                <a:ea typeface="微軟正黑體" panose="020B0604030504040204" pitchFamily="34" charset="-120"/>
+              </a:rPr>
+              <a:t/>
+            </a:r>
+            <a:br>
+              <a:rPr lang="en-US" altLang="zh-TW" b="1" dirty="0" smtClean="0">
+                <a:latin typeface="微軟正黑體" panose="020B0604030504040204" pitchFamily="34" charset="-120"/>
+                <a:ea typeface="微軟正黑體" panose="020B0604030504040204" pitchFamily="34" charset="-120"/>
+              </a:rPr>
+            </a:br>
+            <a:r>
+              <a:rPr lang="en-US" altLang="zh-TW" b="1" dirty="0" smtClean="0">
+                <a:latin typeface="微軟正黑體" panose="020B0604030504040204" pitchFamily="34" charset="-120"/>
+                <a:ea typeface="微軟正黑體" panose="020B0604030504040204" pitchFamily="34" charset="-120"/>
+              </a:rPr>
+              <a:t>Decision </a:t>
+            </a:r>
+            <a:r>
+              <a:rPr lang="en-US" altLang="zh-TW" b="1" dirty="0">
+                <a:latin typeface="微軟正黑體" panose="020B0604030504040204" pitchFamily="34" charset="-120"/>
+                <a:ea typeface="微軟正黑體" panose="020B0604030504040204" pitchFamily="34" charset="-120"/>
+              </a:rPr>
+              <a:t>Tree</a:t>
+            </a:r>
+            <a:endParaRPr lang="zh-TW" altLang="en-US" b="1" dirty="0">
+              <a:latin typeface="微軟正黑體" panose="020B0604030504040204" pitchFamily="34" charset="-120"/>
+              <a:ea typeface="微軟正黑體" panose="020B0604030504040204" pitchFamily="34" charset="-120"/>
+            </a:endParaRPr>
+          </a:p>
+        </p:txBody>
+      </p:sp>
+      <p:sp>
+        <p:nvSpPr>
+          <p:cNvPr id="6" name="副標題 5"/>
+          <p:cNvSpPr>
+            <a:spLocks noGrp="1"/>
+          </p:cNvSpPr>
+          <p:nvPr>
+            <p:ph type="subTitle" idx="1"/>
+          </p:nvPr>
+        </p:nvSpPr>
+        <p:spPr/>
+        <p:txBody>
+          <a:bodyPr>
+            <a:normAutofit/>
+          </a:bodyPr>
+          <a:lstStyle/>
+          <a:p>
+            <a:endParaRPr lang="zh-TW" altLang="en-US" sz="3600" dirty="0">
+              <a:latin typeface="微軟正黑體" panose="020B0604030504040204" pitchFamily="34" charset="-120"/>
+              <a:ea typeface="微軟正黑體" panose="020B0604030504040204" pitchFamily="34" charset="-120"/>
+            </a:endParaRPr>
+          </a:p>
+        </p:txBody>
+      </p:sp>
+    </p:spTree>
+    <p:extLst>
+      <p:ext uri="{BB962C8B-B14F-4D97-AF65-F5344CB8AC3E}">
+        <p14:creationId xmlns:p14="http://schemas.microsoft.com/office/powerpoint/2010/main" val="2101231583"/>
+      </p:ext>
+    </p:extLst>
+  </p:cSld>
+  <p:clrMapOvr>
+    <a:masterClrMapping/>
+  </p:clrMapOvr>
+</p:sld>
+</file>
+
+<file path=ppt/slides/slide30.xml><?xml version="1.0" encoding="utf-8"?>
 <p:sld xmlns:a="http://schemas.openxmlformats.org/drawingml/2006/main" xmlns:r="http://schemas.openxmlformats.org/officeDocument/2006/relationships" xmlns:p="http://schemas.openxmlformats.org/presentationml/2006/main">
   <p:cSld>
     <p:spTree>
@@ -14765,7 +14496,7 @@
         </p:nvSpPr>
         <p:spPr>
           <a:xfrm>
-            <a:off x="1200727" y="2017058"/>
+            <a:off x="1200727" y="2250525"/>
             <a:ext cx="10273724" cy="3652221"/>
           </a:xfrm>
         </p:spPr>
@@ -14781,21 +14512,42 @@
                 <a:latin typeface="微軟正黑體" panose="020B0604030504040204" pitchFamily="34" charset="-120"/>
                 <a:ea typeface="微軟正黑體" panose="020B0604030504040204" pitchFamily="34" charset="-120"/>
               </a:rPr>
-              <a:t>假設一個事件有</a:t>
-            </a:r>
-            <a:r>
-              <a:rPr lang="en-US" altLang="zh-TW" sz="2400" i="1" dirty="0">
+              <a:t>假設一個事件</a:t>
+            </a:r>
+            <a:r>
+              <a:rPr lang="zh-TW" altLang="en-US" sz="2400" dirty="0" smtClean="0">
+                <a:latin typeface="微軟正黑體" panose="020B0604030504040204" pitchFamily="34" charset="-120"/>
+                <a:ea typeface="微軟正黑體" panose="020B0604030504040204" pitchFamily="34" charset="-120"/>
+              </a:rPr>
+              <a:t>有 </a:t>
+            </a:r>
+            <a:r>
+              <a:rPr lang="en-US" altLang="zh-TW" sz="2400" i="1" dirty="0" smtClean="0">
                 <a:latin typeface="微軟正黑體" panose="020B0604030504040204" pitchFamily="34" charset="-120"/>
                 <a:ea typeface="微軟正黑體" panose="020B0604030504040204" pitchFamily="34" charset="-120"/>
               </a:rPr>
               <a:t>n</a:t>
             </a:r>
             <a:r>
+              <a:rPr lang="zh-TW" altLang="en-US" sz="2400" i="1" dirty="0" smtClean="0">
+                <a:latin typeface="微軟正黑體" panose="020B0604030504040204" pitchFamily="34" charset="-120"/>
+                <a:ea typeface="微軟正黑體" panose="020B0604030504040204" pitchFamily="34" charset="-120"/>
+              </a:rPr>
+              <a:t> </a:t>
+            </a:r>
+            <a:r>
+              <a:rPr lang="zh-TW" altLang="en-US" sz="2400" dirty="0" smtClean="0">
+                <a:latin typeface="微軟正黑體" panose="020B0604030504040204" pitchFamily="34" charset="-120"/>
+                <a:ea typeface="微軟正黑體" panose="020B0604030504040204" pitchFamily="34" charset="-120"/>
+              </a:rPr>
+              <a:t>種</a:t>
+            </a:r>
+            <a:r>
               <a:rPr lang="zh-TW" altLang="en-US" sz="2400" dirty="0">
                 <a:latin typeface="微軟正黑體" panose="020B0604030504040204" pitchFamily="34" charset="-120"/>
                 <a:ea typeface="微軟正黑體" panose="020B0604030504040204" pitchFamily="34" charset="-120"/>
               </a:rPr>
-              <a:t>種結果，發生的機率分別為</a:t>
+              <a:t>結果，發生的機率分別為</a:t>
             </a:r>
             <a:r>
               <a:rPr lang="en-US" altLang="zh-TW" sz="2400" i="1" dirty="0">
@@ -14945,20 +14697,20 @@
             <p:ph sz="half" idx="2"/>
             <p:extLst>
               <p:ext uri="{D42A27DB-BD31-4B8C-83A1-F6EECF244321}">
-                <p14:modId xmlns:p14="http://schemas.microsoft.com/office/powerpoint/2010/main" val="2600103263"/>
+                <p14:modId xmlns:p14="http://schemas.microsoft.com/office/powerpoint/2010/main" val="2902502535"/>
               </p:ext>
             </p:extLst>
           </p:nvPr>
         </p:nvGraphicFramePr>
         <p:xfrm>
-          <a:off x="2543606" y="3170475"/>
+          <a:off x="2543606" y="3326119"/>
           <a:ext cx="6301316" cy="765175"/>
         </p:xfrm>
         <a:graphic>
           <a:graphicData uri="http://schemas.openxmlformats.org/presentationml/2006/ole">
             <mc:AlternateContent xmlns:mc="http://schemas.openxmlformats.org/markup-compatibility/2006">
               <mc:Choice xmlns:v="urn:schemas-microsoft-com:vml" Requires="v">
-                <p:oleObj spid="_x0000_s1031" name="方程式" r:id="rId3" imgW="2667000" imgH="431800" progId="Equation.3">
+                <p:oleObj spid="_x0000_s1036" name="方程式" r:id="rId3" imgW="2667000" imgH="431800" progId="Equation.3">
                   <p:embed/>
                 </p:oleObj>
               </mc:Choice>
@@ -14988,7 +14740,7 @@
                     </p:blipFill>
                     <p:spPr bwMode="auto">
                       <a:xfrm>
-                        <a:off x="2543606" y="3170475"/>
+                        <a:off x="2543606" y="3326119"/>
                         <a:ext cx="6301316" cy="765175"/>
                       </a:xfrm>
                       <a:prstGeom prst="rect">
@@ -15010,6 +14762,35 @@
           </a:graphicData>
         </a:graphic>
       </p:graphicFrame>
+      <p:sp>
+        <p:nvSpPr>
+          <p:cNvPr id="2" name="投影片編號版面配置區 1"/>
+          <p:cNvSpPr>
+            <a:spLocks noGrp="1"/>
+          </p:cNvSpPr>
+          <p:nvPr>
+            <p:ph type="sldNum" sz="quarter" idx="12"/>
+          </p:nvPr>
+        </p:nvSpPr>
+        <p:spPr/>
+        <p:txBody>
+          <a:bodyPr/>
+          <a:lstStyle/>
+          <a:p>
+            <a:pPr>
+              <a:defRPr/>
+            </a:pPr>
+            <a:fld id="{46446EEB-9468-4F5A-B953-0C15F5393E84}" type="slidenum">
+              <a:rPr lang="zh-TW" altLang="en-US" smtClean="0"/>
+              <a:pPr>
+                <a:defRPr/>
+              </a:pPr>
+              <a:t>5</a:t>
+            </a:fld>
+            <a:endParaRPr lang="en-US" altLang="zh-TW"/>
+          </a:p>
+        </p:txBody>
+      </p:sp>
     </p:spTree>
     <p:extLst>
       <p:ext uri="{BB962C8B-B14F-4D97-AF65-F5344CB8AC3E}">
@@ -16173,6 +15954,29 @@
               <a:latin typeface="微軟正黑體" panose="020B0604030504040204" pitchFamily="34" charset="-120"/>
               <a:ea typeface="微軟正黑體" panose="020B0604030504040204" pitchFamily="34" charset="-120"/>
             </a:endParaRPr>
+          </a:p>
+        </p:txBody>
+      </p:sp>
+      <p:sp>
+        <p:nvSpPr>
+          <p:cNvPr id="3" name="投影片編號版面配置區 2"/>
+          <p:cNvSpPr>
+            <a:spLocks noGrp="1"/>
+          </p:cNvSpPr>
+          <p:nvPr>
+            <p:ph type="sldNum" sz="quarter" idx="12"/>
+          </p:nvPr>
+        </p:nvSpPr>
+        <p:spPr/>
+        <p:txBody>
+          <a:bodyPr/>
+          <a:lstStyle/>
+          <a:p>
+            <a:fld id="{CBEC735E-60AB-44DC-B0A8-DC8AF5BACA8B}" type="slidenum">
+              <a:rPr lang="zh-TW" altLang="en-US" smtClean="0"/>
+              <a:t>6</a:t>
+            </a:fld>
+            <a:endParaRPr lang="zh-TW" altLang="en-US"/>
           </a:p>
         </p:txBody>
       </p:sp>
@@ -17033,7 +16837,7 @@
       </p:grpSpPr>
       <p:sp>
         <p:nvSpPr>
-          <p:cNvPr id="22530" name="Rectangle 2"/>
+          <p:cNvPr id="23554" name="Rectangle 2"/>
           <p:cNvSpPr>
             <a:spLocks noGrp="1" noChangeArrowheads="1"/>
           </p:cNvSpPr>
@@ -17043,7 +16847,7 @@
         </p:nvSpPr>
         <p:spPr>
           <a:xfrm>
-            <a:off x="1385457" y="1008530"/>
+            <a:off x="1200729" y="941295"/>
             <a:ext cx="8928100" cy="468454"/>
           </a:xfrm>
         </p:spPr>
@@ -17055,558 +16859,92 @@
           <a:p>
             <a:pPr algn="ctr" eaLnBrk="1" hangingPunct="1"/>
             <a:r>
-              <a:rPr lang="en-US" altLang="zh-TW" sz="4000" b="1" dirty="0" smtClean="0">
-                <a:latin typeface="微軟正黑體" panose="020B0604030504040204" pitchFamily="34" charset="-120"/>
-                <a:ea typeface="微軟正黑體" panose="020B0604030504040204" pitchFamily="34" charset="-120"/>
-              </a:rPr>
-              <a:t>ID3 </a:t>
-            </a:r>
-            <a:r>
               <a:rPr lang="zh-TW" altLang="en-US" sz="4000" b="1" dirty="0" smtClean="0">
                 <a:latin typeface="微軟正黑體" panose="020B0604030504040204" pitchFamily="34" charset="-120"/>
                 <a:ea typeface="微軟正黑體" panose="020B0604030504040204" pitchFamily="34" charset="-120"/>
               </a:rPr>
-              <a:t>演算法</a:t>
-            </a:r>
-            <a:r>
-              <a:rPr lang="en-US" altLang="zh-TW" sz="4000" b="1" dirty="0" smtClean="0">
-                <a:latin typeface="微軟正黑體" panose="020B0604030504040204" pitchFamily="34" charset="-120"/>
-                <a:ea typeface="微軟正黑體" panose="020B0604030504040204" pitchFamily="34" charset="-120"/>
-              </a:rPr>
-              <a:t>(C4.5,C5.0)</a:t>
-            </a:r>
-          </a:p>
-        </p:txBody>
-      </p:sp>
-      <p:sp>
-        <p:nvSpPr>
-          <p:cNvPr id="22531" name="Rectangle 3"/>
+              <a:t>利用資訊獲利做屬性選取</a:t>
+            </a:r>
+          </a:p>
+        </p:txBody>
+      </p:sp>
+      <p:sp>
+        <p:nvSpPr>
+          <p:cNvPr id="23555" name="Rectangle 3"/>
           <p:cNvSpPr>
             <a:spLocks noGrp="1" noChangeArrowheads="1"/>
           </p:cNvSpPr>
           <p:nvPr>
-            <p:ph idx="4294967295"/>
+            <p:ph type="body" sz="half" idx="1"/>
           </p:nvPr>
         </p:nvSpPr>
         <p:spPr>
           <a:xfrm>
-            <a:off x="914401" y="1828799"/>
-            <a:ext cx="10653184" cy="4066903"/>
+            <a:off x="2879387" y="1988840"/>
+            <a:ext cx="8206093" cy="3643475"/>
           </a:xfrm>
-          <a:prstGeom prst="rect">
-            <a:avLst/>
-          </a:prstGeom>
         </p:spPr>
         <p:txBody>
-          <a:bodyPr lIns="91429" tIns="45714" rIns="91429" bIns="45714">
+          <a:bodyPr>
             <a:noAutofit/>
           </a:bodyPr>
           <a:lstStyle/>
           <a:p>
             <a:pPr eaLnBrk="1" hangingPunct="1"/>
             <a:r>
-              <a:rPr lang="zh-TW" altLang="en-US" sz="2000" dirty="0">
-                <a:solidFill>
-                  <a:srgbClr val="FFFF00"/>
-                </a:solidFill>
-                <a:latin typeface="微軟正黑體" panose="020B0604030504040204" pitchFamily="34" charset="-120"/>
-                <a:ea typeface="微軟正黑體" panose="020B0604030504040204" pitchFamily="34" charset="-120"/>
-              </a:rPr>
-              <a:t>資訊獲利</a:t>
-            </a:r>
-            <a:r>
-              <a:rPr lang="en-US" altLang="zh-TW" sz="2000" dirty="0">
-                <a:solidFill>
-                  <a:srgbClr val="FFFF00"/>
-                </a:solidFill>
-                <a:latin typeface="微軟正黑體" panose="020B0604030504040204" pitchFamily="34" charset="-120"/>
-                <a:ea typeface="微軟正黑體" panose="020B0604030504040204" pitchFamily="34" charset="-120"/>
-              </a:rPr>
-              <a:t>(Information Gain) </a:t>
-            </a:r>
-            <a:r>
-              <a:rPr lang="en-US" altLang="zh-TW" sz="2000" dirty="0">
-                <a:solidFill>
-                  <a:schemeClr val="folHlink"/>
-                </a:solidFill>
-                <a:latin typeface="微軟正黑體" panose="020B0604030504040204" pitchFamily="34" charset="-120"/>
-                <a:ea typeface="微軟正黑體" panose="020B0604030504040204" pitchFamily="34" charset="-120"/>
-              </a:rPr>
-              <a:t/>
-            </a:r>
-            <a:br>
-              <a:rPr lang="en-US" altLang="zh-TW" sz="2000" dirty="0">
-                <a:solidFill>
-                  <a:schemeClr val="folHlink"/>
-                </a:solidFill>
-                <a:latin typeface="微軟正黑體" panose="020B0604030504040204" pitchFamily="34" charset="-120"/>
-                <a:ea typeface="微軟正黑體" panose="020B0604030504040204" pitchFamily="34" charset="-120"/>
-              </a:rPr>
-            </a:br>
-            <a:r>
-              <a:rPr lang="en-US" altLang="zh-TW" sz="2000" dirty="0">
-                <a:solidFill>
-                  <a:schemeClr val="folHlink"/>
-                </a:solidFill>
-                <a:latin typeface="微軟正黑體" panose="020B0604030504040204" pitchFamily="34" charset="-120"/>
-                <a:ea typeface="微軟正黑體" panose="020B0604030504040204" pitchFamily="34" charset="-120"/>
-              </a:rPr>
-              <a:t/>
-            </a:r>
-            <a:br>
-              <a:rPr lang="en-US" altLang="zh-TW" sz="2000" dirty="0">
-                <a:solidFill>
-                  <a:schemeClr val="folHlink"/>
-                </a:solidFill>
-                <a:latin typeface="微軟正黑體" panose="020B0604030504040204" pitchFamily="34" charset="-120"/>
-                <a:ea typeface="微軟正黑體" panose="020B0604030504040204" pitchFamily="34" charset="-120"/>
-              </a:rPr>
-            </a:br>
-            <a:r>
-              <a:rPr lang="zh-TW" altLang="en-US" sz="2000" dirty="0">
-                <a:latin typeface="微軟正黑體" panose="020B0604030504040204" pitchFamily="34" charset="-120"/>
-                <a:ea typeface="微軟正黑體" panose="020B0604030504040204" pitchFamily="34" charset="-120"/>
-              </a:rPr>
-              <a:t>若分類標記</a:t>
-            </a:r>
-            <a:r>
-              <a:rPr lang="en-US" altLang="zh-TW" sz="2000" dirty="0">
-                <a:latin typeface="微軟正黑體" panose="020B0604030504040204" pitchFamily="34" charset="-120"/>
-                <a:ea typeface="微軟正黑體" panose="020B0604030504040204" pitchFamily="34" charset="-120"/>
-              </a:rPr>
-              <a:t>(Y)</a:t>
-            </a:r>
-            <a:r>
-              <a:rPr lang="zh-TW" altLang="en-US" sz="2000" dirty="0">
-                <a:latin typeface="微軟正黑體" panose="020B0604030504040204" pitchFamily="34" charset="-120"/>
-                <a:ea typeface="微軟正黑體" panose="020B0604030504040204" pitchFamily="34" charset="-120"/>
-              </a:rPr>
-              <a:t>分為</a:t>
-            </a:r>
-            <a:r>
-              <a:rPr lang="en-US" altLang="zh-TW" sz="2000" dirty="0">
-                <a:latin typeface="微軟正黑體" panose="020B0604030504040204" pitchFamily="34" charset="-120"/>
-                <a:ea typeface="微軟正黑體" panose="020B0604030504040204" pitchFamily="34" charset="-120"/>
-              </a:rPr>
-              <a:t>(</a:t>
-            </a:r>
-            <a:r>
-              <a:rPr lang="zh-TW" altLang="en-US" sz="2000" dirty="0">
-                <a:latin typeface="微軟正黑體" panose="020B0604030504040204" pitchFamily="34" charset="-120"/>
-                <a:ea typeface="微軟正黑體" panose="020B0604030504040204" pitchFamily="34" charset="-120"/>
-              </a:rPr>
-              <a:t>成功、失敗</a:t>
-            </a:r>
-            <a:r>
-              <a:rPr lang="en-US" altLang="zh-TW" sz="2000" dirty="0">
-                <a:latin typeface="微軟正黑體" panose="020B0604030504040204" pitchFamily="34" charset="-120"/>
-                <a:ea typeface="微軟正黑體" panose="020B0604030504040204" pitchFamily="34" charset="-120"/>
-              </a:rPr>
-              <a:t>)</a:t>
-            </a:r>
-            <a:r>
-              <a:rPr lang="zh-TW" altLang="en-US" sz="2000" dirty="0">
-                <a:latin typeface="微軟正黑體" panose="020B0604030504040204" pitchFamily="34" charset="-120"/>
-                <a:ea typeface="微軟正黑體" panose="020B0604030504040204" pitchFamily="34" charset="-120"/>
-              </a:rPr>
-              <a:t>兩種，</a:t>
-            </a:r>
-            <a:r>
-              <a:rPr lang="en-US" altLang="zh-TW" sz="2000" dirty="0">
-                <a:latin typeface="微軟正黑體" panose="020B0604030504040204" pitchFamily="34" charset="-120"/>
-                <a:ea typeface="微軟正黑體" panose="020B0604030504040204" pitchFamily="34" charset="-120"/>
-              </a:rPr>
-              <a:t>X</a:t>
-            </a:r>
-            <a:r>
-              <a:rPr lang="zh-TW" altLang="en-US" sz="2000" dirty="0">
-                <a:latin typeface="微軟正黑體" panose="020B0604030504040204" pitchFamily="34" charset="-120"/>
-                <a:ea typeface="微軟正黑體" panose="020B0604030504040204" pitchFamily="34" charset="-120"/>
-              </a:rPr>
-              <a:t>為預測變項</a:t>
-            </a:r>
-            <a:r>
-              <a:rPr lang="en-US" altLang="zh-TW" sz="2000" dirty="0">
-                <a:latin typeface="微軟正黑體" panose="020B0604030504040204" pitchFamily="34" charset="-120"/>
-                <a:ea typeface="微軟正黑體" panose="020B0604030504040204" pitchFamily="34" charset="-120"/>
-              </a:rPr>
-              <a:t>(</a:t>
-            </a:r>
-            <a:r>
-              <a:rPr lang="zh-TW" altLang="en-US" sz="2000" dirty="0">
-                <a:latin typeface="微軟正黑體" panose="020B0604030504040204" pitchFamily="34" charset="-120"/>
-                <a:ea typeface="微軟正黑體" panose="020B0604030504040204" pitchFamily="34" charset="-120"/>
-              </a:rPr>
-              <a:t>類別屬性</a:t>
-            </a:r>
-            <a:r>
-              <a:rPr lang="en-US" altLang="zh-TW" sz="2000" dirty="0">
-                <a:latin typeface="微軟正黑體" panose="020B0604030504040204" pitchFamily="34" charset="-120"/>
-                <a:ea typeface="微軟正黑體" panose="020B0604030504040204" pitchFamily="34" charset="-120"/>
-              </a:rPr>
-              <a:t>;k</a:t>
-            </a:r>
-            <a:r>
-              <a:rPr lang="zh-TW" altLang="en-US" sz="2000" dirty="0">
-                <a:latin typeface="微軟正黑體" panose="020B0604030504040204" pitchFamily="34" charset="-120"/>
-                <a:ea typeface="微軟正黑體" panose="020B0604030504040204" pitchFamily="34" charset="-120"/>
-              </a:rPr>
-              <a:t>類</a:t>
-            </a:r>
-            <a:r>
-              <a:rPr lang="en-US" altLang="zh-TW" sz="2000" dirty="0">
-                <a:latin typeface="微軟正黑體" panose="020B0604030504040204" pitchFamily="34" charset="-120"/>
-                <a:ea typeface="微軟正黑體" panose="020B0604030504040204" pitchFamily="34" charset="-120"/>
-              </a:rPr>
-              <a:t>)</a:t>
-            </a:r>
-            <a:r>
-              <a:rPr lang="zh-TW" altLang="en-US" sz="2000" dirty="0">
-                <a:latin typeface="微軟正黑體" panose="020B0604030504040204" pitchFamily="34" charset="-120"/>
-                <a:ea typeface="微軟正黑體" panose="020B0604030504040204" pitchFamily="34" charset="-120"/>
-              </a:rPr>
-              <a:t>，</a:t>
-            </a:r>
-            <a:r>
-              <a:rPr lang="en-US" altLang="zh-TW" sz="2000" dirty="0">
-                <a:latin typeface="微軟正黑體" panose="020B0604030504040204" pitchFamily="34" charset="-120"/>
-                <a:ea typeface="微軟正黑體" panose="020B0604030504040204" pitchFamily="34" charset="-120"/>
-              </a:rPr>
-              <a:t>n</a:t>
-            </a:r>
-            <a:r>
-              <a:rPr lang="zh-TW" altLang="en-US" sz="2000" dirty="0">
-                <a:latin typeface="微軟正黑體" panose="020B0604030504040204" pitchFamily="34" charset="-120"/>
-                <a:ea typeface="微軟正黑體" panose="020B0604030504040204" pitchFamily="34" charset="-120"/>
-              </a:rPr>
-              <a:t>為總樣本數</a:t>
-            </a:r>
-            <a:r>
-              <a:rPr lang="en-US" altLang="zh-TW" sz="2000" dirty="0">
-                <a:latin typeface="微軟正黑體" panose="020B0604030504040204" pitchFamily="34" charset="-120"/>
-                <a:ea typeface="微軟正黑體" panose="020B0604030504040204" pitchFamily="34" charset="-120"/>
-              </a:rPr>
-              <a:t>(n</a:t>
-            </a:r>
-            <a:r>
-              <a:rPr lang="en-US" altLang="zh-TW" sz="2000" baseline="-25000" dirty="0">
-                <a:latin typeface="微軟正黑體" panose="020B0604030504040204" pitchFamily="34" charset="-120"/>
-                <a:ea typeface="微軟正黑體" panose="020B0604030504040204" pitchFamily="34" charset="-120"/>
-              </a:rPr>
-              <a:t>1</a:t>
-            </a:r>
-            <a:r>
-              <a:rPr lang="zh-TW" altLang="en-US" sz="2000" dirty="0">
-                <a:latin typeface="微軟正黑體" panose="020B0604030504040204" pitchFamily="34" charset="-120"/>
-                <a:ea typeface="微軟正黑體" panose="020B0604030504040204" pitchFamily="34" charset="-120"/>
-              </a:rPr>
-              <a:t>為總樣本數中具成功標記的個數</a:t>
-            </a:r>
-            <a:r>
-              <a:rPr lang="en-US" altLang="zh-TW" sz="2000" dirty="0">
-                <a:latin typeface="微軟正黑體" panose="020B0604030504040204" pitchFamily="34" charset="-120"/>
-                <a:ea typeface="微軟正黑體" panose="020B0604030504040204" pitchFamily="34" charset="-120"/>
-              </a:rPr>
-              <a:t>)</a:t>
-            </a:r>
-            <a:r>
-              <a:rPr lang="zh-TW" altLang="en-US" sz="2000" dirty="0">
-                <a:latin typeface="微軟正黑體" panose="020B0604030504040204" pitchFamily="34" charset="-120"/>
-                <a:ea typeface="微軟正黑體" panose="020B0604030504040204" pitchFamily="34" charset="-120"/>
-              </a:rPr>
-              <a:t>，經由</a:t>
-            </a:r>
-            <a:r>
-              <a:rPr lang="en-US" altLang="zh-TW" sz="2000" dirty="0">
-                <a:latin typeface="微軟正黑體" panose="020B0604030504040204" pitchFamily="34" charset="-120"/>
-                <a:ea typeface="微軟正黑體" panose="020B0604030504040204" pitchFamily="34" charset="-120"/>
-              </a:rPr>
-              <a:t>X</a:t>
-            </a:r>
-            <a:r>
-              <a:rPr lang="zh-TW" altLang="en-US" sz="2000" dirty="0">
-                <a:latin typeface="微軟正黑體" panose="020B0604030504040204" pitchFamily="34" charset="-120"/>
-                <a:ea typeface="微軟正黑體" panose="020B0604030504040204" pitchFamily="34" charset="-120"/>
-              </a:rPr>
-              <a:t>變項將樣本分類後</a:t>
-            </a:r>
-            <a:r>
-              <a:rPr lang="en-US" altLang="zh-TW" sz="2000" dirty="0">
-                <a:latin typeface="微軟正黑體" panose="020B0604030504040204" pitchFamily="34" charset="-120"/>
-                <a:ea typeface="微軟正黑體" panose="020B0604030504040204" pitchFamily="34" charset="-120"/>
-              </a:rPr>
-              <a:t>m</a:t>
-            </a:r>
-            <a:r>
-              <a:rPr lang="en-US" altLang="zh-TW" sz="2000" baseline="-25000" dirty="0">
-                <a:latin typeface="微軟正黑體" panose="020B0604030504040204" pitchFamily="34" charset="-120"/>
-                <a:ea typeface="微軟正黑體" panose="020B0604030504040204" pitchFamily="34" charset="-120"/>
-              </a:rPr>
-              <a:t>i</a:t>
-            </a:r>
-            <a:r>
-              <a:rPr lang="zh-TW" altLang="en-US" sz="2000" dirty="0">
-                <a:latin typeface="微軟正黑體" panose="020B0604030504040204" pitchFamily="34" charset="-120"/>
-                <a:ea typeface="微軟正黑體" panose="020B0604030504040204" pitchFamily="34" charset="-120"/>
-              </a:rPr>
-              <a:t>為</a:t>
-            </a:r>
-            <a:r>
-              <a:rPr lang="en-US" altLang="zh-TW" sz="2000" dirty="0">
-                <a:latin typeface="微軟正黑體" panose="020B0604030504040204" pitchFamily="34" charset="-120"/>
-                <a:ea typeface="微軟正黑體" panose="020B0604030504040204" pitchFamily="34" charset="-120"/>
-              </a:rPr>
-              <a:t>X=</a:t>
-            </a:r>
-            <a:r>
-              <a:rPr lang="en-US" altLang="zh-TW" sz="2000" dirty="0" err="1">
-                <a:latin typeface="微軟正黑體" panose="020B0604030504040204" pitchFamily="34" charset="-120"/>
-                <a:ea typeface="微軟正黑體" panose="020B0604030504040204" pitchFamily="34" charset="-120"/>
-              </a:rPr>
-              <a:t>i</a:t>
-            </a:r>
-            <a:r>
-              <a:rPr lang="zh-TW" altLang="en-US" sz="2000" dirty="0">
-                <a:latin typeface="微軟正黑體" panose="020B0604030504040204" pitchFamily="34" charset="-120"/>
-                <a:ea typeface="微軟正黑體" panose="020B0604030504040204" pitchFamily="34" charset="-120"/>
-              </a:rPr>
-              <a:t>類中的總樣本個數</a:t>
-            </a:r>
-            <a:r>
-              <a:rPr lang="en-US" altLang="zh-TW" sz="2000" dirty="0">
-                <a:latin typeface="微軟正黑體" panose="020B0604030504040204" pitchFamily="34" charset="-120"/>
-                <a:ea typeface="微軟正黑體" panose="020B0604030504040204" pitchFamily="34" charset="-120"/>
-              </a:rPr>
-              <a:t>(m</a:t>
-            </a:r>
-            <a:r>
-              <a:rPr lang="en-US" altLang="zh-TW" sz="2000" baseline="-25000" dirty="0">
-                <a:latin typeface="微軟正黑體" panose="020B0604030504040204" pitchFamily="34" charset="-120"/>
-                <a:ea typeface="微軟正黑體" panose="020B0604030504040204" pitchFamily="34" charset="-120"/>
-              </a:rPr>
-              <a:t>i1</a:t>
-            </a:r>
-            <a:r>
-              <a:rPr lang="zh-TW" altLang="en-US" sz="2000" dirty="0">
-                <a:latin typeface="微軟正黑體" panose="020B0604030504040204" pitchFamily="34" charset="-120"/>
-                <a:ea typeface="微軟正黑體" panose="020B0604030504040204" pitchFamily="34" charset="-120"/>
-              </a:rPr>
-              <a:t>為</a:t>
-            </a:r>
-            <a:r>
-              <a:rPr lang="en-US" altLang="zh-TW" sz="2000" dirty="0">
-                <a:latin typeface="微軟正黑體" panose="020B0604030504040204" pitchFamily="34" charset="-120"/>
-                <a:ea typeface="微軟正黑體" panose="020B0604030504040204" pitchFamily="34" charset="-120"/>
-              </a:rPr>
-              <a:t>X=</a:t>
-            </a:r>
-            <a:r>
-              <a:rPr lang="en-US" altLang="zh-TW" sz="2000" dirty="0" err="1">
-                <a:latin typeface="微軟正黑體" panose="020B0604030504040204" pitchFamily="34" charset="-120"/>
-                <a:ea typeface="微軟正黑體" panose="020B0604030504040204" pitchFamily="34" charset="-120"/>
-              </a:rPr>
-              <a:t>i</a:t>
-            </a:r>
-            <a:r>
-              <a:rPr lang="zh-TW" altLang="en-US" sz="2000" dirty="0">
-                <a:latin typeface="微軟正黑體" panose="020B0604030504040204" pitchFamily="34" charset="-120"/>
-                <a:ea typeface="微軟正黑體" panose="020B0604030504040204" pitchFamily="34" charset="-120"/>
-              </a:rPr>
-              <a:t>類中具成功標記的個數</a:t>
-            </a:r>
-            <a:r>
-              <a:rPr lang="en-US" altLang="zh-TW" sz="2000" dirty="0">
-                <a:latin typeface="微軟正黑體" panose="020B0604030504040204" pitchFamily="34" charset="-120"/>
-                <a:ea typeface="微軟正黑體" panose="020B0604030504040204" pitchFamily="34" charset="-120"/>
-              </a:rPr>
-              <a:t>)</a:t>
-            </a:r>
-            <a:r>
-              <a:rPr lang="zh-TW" altLang="en-US" sz="2000" dirty="0">
-                <a:latin typeface="微軟正黑體" panose="020B0604030504040204" pitchFamily="34" charset="-120"/>
-                <a:ea typeface="微軟正黑體" panose="020B0604030504040204" pitchFamily="34" charset="-120"/>
-              </a:rPr>
-              <a:t>。根據變項</a:t>
-            </a:r>
-            <a:r>
-              <a:rPr lang="en-US" altLang="zh-TW" sz="2000" dirty="0">
-                <a:latin typeface="微軟正黑體" panose="020B0604030504040204" pitchFamily="34" charset="-120"/>
-                <a:ea typeface="微軟正黑體" panose="020B0604030504040204" pitchFamily="34" charset="-120"/>
-              </a:rPr>
-              <a:t>X</a:t>
-            </a:r>
-            <a:r>
-              <a:rPr lang="zh-TW" altLang="en-US" sz="2000" dirty="0">
-                <a:latin typeface="微軟正黑體" panose="020B0604030504040204" pitchFamily="34" charset="-120"/>
-                <a:ea typeface="微軟正黑體" panose="020B0604030504040204" pitchFamily="34" charset="-120"/>
-              </a:rPr>
-              <a:t>將</a:t>
-            </a:r>
-            <a:r>
-              <a:rPr lang="en-US" altLang="zh-TW" sz="2000" dirty="0">
-                <a:latin typeface="微軟正黑體" panose="020B0604030504040204" pitchFamily="34" charset="-120"/>
-                <a:ea typeface="微軟正黑體" panose="020B0604030504040204" pitchFamily="34" charset="-120"/>
-              </a:rPr>
-              <a:t>n</a:t>
-            </a:r>
-            <a:r>
-              <a:rPr lang="zh-TW" altLang="en-US" sz="2000" dirty="0">
-                <a:latin typeface="微軟正黑體" panose="020B0604030504040204" pitchFamily="34" charset="-120"/>
-                <a:ea typeface="微軟正黑體" panose="020B0604030504040204" pitchFamily="34" charset="-120"/>
-              </a:rPr>
-              <a:t>個樣本分為</a:t>
-            </a:r>
-            <a:r>
-              <a:rPr lang="en-US" altLang="zh-TW" sz="2000" dirty="0">
-                <a:latin typeface="微軟正黑體" panose="020B0604030504040204" pitchFamily="34" charset="-120"/>
-                <a:ea typeface="微軟正黑體" panose="020B0604030504040204" pitchFamily="34" charset="-120"/>
-              </a:rPr>
-              <a:t>m</a:t>
-            </a:r>
-            <a:r>
-              <a:rPr lang="en-US" altLang="zh-TW" sz="2000" baseline="-25000" dirty="0">
-                <a:latin typeface="微軟正黑體" panose="020B0604030504040204" pitchFamily="34" charset="-120"/>
-                <a:ea typeface="微軟正黑體" panose="020B0604030504040204" pitchFamily="34" charset="-120"/>
-              </a:rPr>
-              <a:t>1</a:t>
-            </a:r>
-            <a:r>
-              <a:rPr lang="en-US" altLang="zh-TW" sz="2000" dirty="0">
-                <a:latin typeface="微軟正黑體" panose="020B0604030504040204" pitchFamily="34" charset="-120"/>
-                <a:ea typeface="微軟正黑體" panose="020B0604030504040204" pitchFamily="34" charset="-120"/>
-              </a:rPr>
-              <a:t>,m</a:t>
-            </a:r>
-            <a:r>
-              <a:rPr lang="en-US" altLang="zh-TW" sz="2000" baseline="-25000" dirty="0">
-                <a:latin typeface="微軟正黑體" panose="020B0604030504040204" pitchFamily="34" charset="-120"/>
-                <a:ea typeface="微軟正黑體" panose="020B0604030504040204" pitchFamily="34" charset="-120"/>
-              </a:rPr>
-              <a:t>2</a:t>
-            </a:r>
-            <a:r>
-              <a:rPr lang="en-US" altLang="zh-TW" sz="2000" dirty="0">
-                <a:latin typeface="微軟正黑體" panose="020B0604030504040204" pitchFamily="34" charset="-120"/>
-                <a:ea typeface="微軟正黑體" panose="020B0604030504040204" pitchFamily="34" charset="-120"/>
-              </a:rPr>
-              <a:t>,…,</a:t>
-            </a:r>
-            <a:r>
-              <a:rPr lang="en-US" altLang="zh-TW" sz="2000" dirty="0" err="1">
-                <a:latin typeface="微軟正黑體" panose="020B0604030504040204" pitchFamily="34" charset="-120"/>
-                <a:ea typeface="微軟正黑體" panose="020B0604030504040204" pitchFamily="34" charset="-120"/>
-              </a:rPr>
-              <a:t>m</a:t>
-            </a:r>
-            <a:r>
-              <a:rPr lang="en-US" altLang="zh-TW" sz="2000" baseline="-25000" dirty="0" err="1">
-                <a:latin typeface="微軟正黑體" panose="020B0604030504040204" pitchFamily="34" charset="-120"/>
-                <a:ea typeface="微軟正黑體" panose="020B0604030504040204" pitchFamily="34" charset="-120"/>
-              </a:rPr>
-              <a:t>k</a:t>
-            </a:r>
-            <a:r>
-              <a:rPr lang="zh-TW" altLang="en-US" sz="2000" dirty="0">
-                <a:latin typeface="微軟正黑體" panose="020B0604030504040204" pitchFamily="34" charset="-120"/>
-                <a:ea typeface="微軟正黑體" panose="020B0604030504040204" pitchFamily="34" charset="-120"/>
-              </a:rPr>
-              <a:t>的資訊獲利為</a:t>
-            </a:r>
-            <a:r>
-              <a:rPr lang="en-US" altLang="zh-TW" sz="2000" dirty="0">
-                <a:latin typeface="微軟正黑體" panose="020B0604030504040204" pitchFamily="34" charset="-120"/>
-                <a:ea typeface="微軟正黑體" panose="020B0604030504040204" pitchFamily="34" charset="-120"/>
-              </a:rPr>
-              <a:t>:</a:t>
-            </a:r>
-            <a:br>
-              <a:rPr lang="en-US" altLang="zh-TW" sz="2000" dirty="0">
-                <a:latin typeface="微軟正黑體" panose="020B0604030504040204" pitchFamily="34" charset="-120"/>
-                <a:ea typeface="微軟正黑體" panose="020B0604030504040204" pitchFamily="34" charset="-120"/>
-              </a:rPr>
-            </a:br>
-            <a:r>
-              <a:rPr lang="en-US" altLang="zh-TW" sz="2000" dirty="0">
-                <a:latin typeface="微軟正黑體" panose="020B0604030504040204" pitchFamily="34" charset="-120"/>
-                <a:ea typeface="微軟正黑體" panose="020B0604030504040204" pitchFamily="34" charset="-120"/>
-              </a:rPr>
-              <a:t>		</a:t>
-            </a:r>
-          </a:p>
-          <a:p>
-            <a:pPr eaLnBrk="1" hangingPunct="1">
-              <a:buFontTx/>
-              <a:buNone/>
-            </a:pPr>
-            <a:r>
-              <a:rPr lang="en-US" altLang="zh-TW" sz="2000" b="1" i="1" dirty="0">
-                <a:solidFill>
-                  <a:schemeClr val="folHlink"/>
-                </a:solidFill>
-                <a:latin typeface="微軟正黑體" panose="020B0604030504040204" pitchFamily="34" charset="-120"/>
-                <a:ea typeface="微軟正黑體" panose="020B0604030504040204" pitchFamily="34" charset="-120"/>
-              </a:rPr>
-              <a:t>			</a:t>
-            </a:r>
-            <a:r>
-              <a:rPr lang="en-US" altLang="zh-TW" sz="2000" b="1" i="1" dirty="0">
-                <a:solidFill>
-                  <a:srgbClr val="FFFF00"/>
-                </a:solidFill>
-                <a:latin typeface="微軟正黑體" panose="020B0604030504040204" pitchFamily="34" charset="-120"/>
-                <a:ea typeface="微軟正黑體" panose="020B0604030504040204" pitchFamily="34" charset="-120"/>
-              </a:rPr>
-              <a:t>Gain(X)=</a:t>
-            </a:r>
-            <a:r>
-              <a:rPr lang="en-US" altLang="zh-TW" sz="2000" dirty="0">
-                <a:solidFill>
-                  <a:srgbClr val="FFFF00"/>
-                </a:solidFill>
-                <a:latin typeface="微軟正黑體" panose="020B0604030504040204" pitchFamily="34" charset="-120"/>
-                <a:ea typeface="微軟正黑體" panose="020B0604030504040204" pitchFamily="34" charset="-120"/>
-              </a:rPr>
-              <a:t>I(n,n</a:t>
-            </a:r>
-            <a:r>
-              <a:rPr lang="en-US" altLang="zh-TW" sz="2000" baseline="-25000" dirty="0">
-                <a:solidFill>
-                  <a:srgbClr val="FFFF00"/>
-                </a:solidFill>
-                <a:latin typeface="微軟正黑體" panose="020B0604030504040204" pitchFamily="34" charset="-120"/>
-                <a:ea typeface="微軟正黑體" panose="020B0604030504040204" pitchFamily="34" charset="-120"/>
-              </a:rPr>
-              <a:t>1</a:t>
-            </a:r>
-            <a:r>
-              <a:rPr lang="en-US" altLang="zh-TW" sz="2000" dirty="0">
-                <a:solidFill>
-                  <a:srgbClr val="FFFF00"/>
-                </a:solidFill>
-                <a:latin typeface="微軟正黑體" panose="020B0604030504040204" pitchFamily="34" charset="-120"/>
-                <a:ea typeface="微軟正黑體" panose="020B0604030504040204" pitchFamily="34" charset="-120"/>
-              </a:rPr>
-              <a:t>)-E(X)</a:t>
-            </a:r>
-            <a:r>
-              <a:rPr lang="en-US" altLang="zh-TW" sz="2000" dirty="0">
-                <a:latin typeface="微軟正黑體" panose="020B0604030504040204" pitchFamily="34" charset="-120"/>
-                <a:ea typeface="微軟正黑體" panose="020B0604030504040204" pitchFamily="34" charset="-120"/>
-              </a:rPr>
-              <a:t>, </a:t>
-            </a:r>
-            <a:br>
-              <a:rPr lang="en-US" altLang="zh-TW" sz="2000" dirty="0">
-                <a:latin typeface="微軟正黑體" panose="020B0604030504040204" pitchFamily="34" charset="-120"/>
-                <a:ea typeface="微軟正黑體" panose="020B0604030504040204" pitchFamily="34" charset="-120"/>
-              </a:rPr>
-            </a:br>
-            <a:r>
-              <a:rPr lang="en-US" altLang="zh-TW" sz="2000" dirty="0">
-                <a:latin typeface="微軟正黑體" panose="020B0604030504040204" pitchFamily="34" charset="-120"/>
-                <a:ea typeface="微軟正黑體" panose="020B0604030504040204" pitchFamily="34" charset="-120"/>
-              </a:rPr>
-              <a:t> 	</a:t>
+              <a:rPr lang="zh-TW" altLang="en-US" sz="2400" dirty="0" smtClean="0">
+                <a:latin typeface="微軟正黑體" panose="020B0604030504040204" pitchFamily="34" charset="-120"/>
+                <a:ea typeface="微軟正黑體" panose="020B0604030504040204" pitchFamily="34" charset="-120"/>
+              </a:rPr>
+              <a:t>決策</a:t>
+            </a:r>
+            <a:r>
+              <a:rPr lang="zh-TW" altLang="en-US" sz="2400" dirty="0">
+                <a:latin typeface="微軟正黑體" panose="020B0604030504040204" pitchFamily="34" charset="-120"/>
+                <a:ea typeface="微軟正黑體" panose="020B0604030504040204" pitchFamily="34" charset="-120"/>
+              </a:rPr>
+              <a:t>樹</a:t>
+            </a:r>
+            <a:r>
+              <a:rPr lang="zh-TW" altLang="en-US" sz="2400" dirty="0" smtClean="0">
+                <a:latin typeface="微軟正黑體" panose="020B0604030504040204" pitchFamily="34" charset="-120"/>
+                <a:ea typeface="微軟正黑體" panose="020B0604030504040204" pitchFamily="34" charset="-120"/>
+              </a:rPr>
+              <a:t>分類</a:t>
+            </a:r>
+            <a:r>
+              <a:rPr lang="zh-TW" altLang="en-US" sz="2400" dirty="0">
+                <a:latin typeface="微軟正黑體" panose="020B0604030504040204" pitchFamily="34" charset="-120"/>
+                <a:ea typeface="微軟正黑體" panose="020B0604030504040204" pitchFamily="34" charset="-120"/>
+              </a:rPr>
+              <a:t>的目的</a:t>
+            </a:r>
+          </a:p>
+          <a:p>
+            <a:pPr lvl="1" eaLnBrk="1" hangingPunct="1"/>
+            <a:r>
+              <a:rPr lang="zh-TW" altLang="en-US" sz="2000" dirty="0" smtClean="0">
+                <a:latin typeface="微軟正黑體" panose="020B0604030504040204" pitchFamily="34" charset="-120"/>
+                <a:ea typeface="微軟正黑體" panose="020B0604030504040204" pitchFamily="34" charset="-120"/>
+              </a:rPr>
+              <a:t>訓練樣本分成亂度最小的子集合</a:t>
+            </a:r>
+          </a:p>
+          <a:p>
+            <a:pPr lvl="1" eaLnBrk="1" hangingPunct="1"/>
+            <a:r>
+              <a:rPr lang="zh-TW" altLang="en-US" sz="2000" dirty="0" smtClean="0">
+                <a:latin typeface="微軟正黑體" panose="020B0604030504040204" pitchFamily="34" charset="-120"/>
+                <a:ea typeface="微軟正黑體" panose="020B0604030504040204" pitchFamily="34" charset="-120"/>
+              </a:rPr>
+              <a:t>所有樣本都屬於同一分類標記的</a:t>
+            </a:r>
+            <a:r>
+              <a:rPr lang="zh-TW" altLang="en-US" sz="2000" dirty="0" smtClean="0">
+                <a:latin typeface="微軟正黑體" panose="020B0604030504040204" pitchFamily="34" charset="-120"/>
+                <a:ea typeface="微軟正黑體" panose="020B0604030504040204" pitchFamily="34" charset="-120"/>
+              </a:rPr>
+              <a:t>子集合</a:t>
             </a:r>
             <a:endParaRPr lang="en-US" altLang="zh-TW" sz="2000" dirty="0" smtClean="0">
               <a:latin typeface="微軟正黑體" panose="020B0604030504040204" pitchFamily="34" charset="-120"/>
@@ -17614,309 +16952,113 @@
             </a:endParaRPr>
           </a:p>
           <a:p>
-            <a:pPr eaLnBrk="1" hangingPunct="1">
-              <a:buFontTx/>
-              <a:buNone/>
+            <a:pPr lvl="1" eaLnBrk="1" hangingPunct="1"/>
+            <a:endParaRPr lang="zh-TW" altLang="en-US" sz="2000" dirty="0" smtClean="0">
+              <a:latin typeface="微軟正黑體" panose="020B0604030504040204" pitchFamily="34" charset="-120"/>
+              <a:ea typeface="微軟正黑體" panose="020B0604030504040204" pitchFamily="34" charset="-120"/>
+            </a:endParaRPr>
+          </a:p>
+          <a:p>
+            <a:pPr eaLnBrk="1" hangingPunct="1"/>
+            <a:r>
+              <a:rPr lang="en-US" altLang="zh-TW" sz="2400" dirty="0" smtClean="0">
+                <a:latin typeface="微軟正黑體" panose="020B0604030504040204" pitchFamily="34" charset="-120"/>
+                <a:ea typeface="微軟正黑體" panose="020B0604030504040204" pitchFamily="34" charset="-120"/>
+              </a:rPr>
+              <a:t>ID3</a:t>
+            </a:r>
+          </a:p>
+          <a:p>
+            <a:pPr lvl="1"/>
+            <a:r>
+              <a:rPr lang="zh-TW" altLang="en-US" sz="2000" dirty="0" smtClean="0">
+                <a:latin typeface="微軟正黑體" panose="020B0604030504040204" pitchFamily="34" charset="-120"/>
+                <a:ea typeface="微軟正黑體" panose="020B0604030504040204" pitchFamily="34" charset="-120"/>
+              </a:rPr>
+              <a:t>以</a:t>
+            </a:r>
+            <a:r>
+              <a:rPr lang="zh-TW" altLang="en-US" sz="2000" dirty="0">
+                <a:latin typeface="微軟正黑體" panose="020B0604030504040204" pitchFamily="34" charset="-120"/>
+                <a:ea typeface="微軟正黑體" panose="020B0604030504040204" pitchFamily="34" charset="-120"/>
+              </a:rPr>
+              <a:t>測試後資訊量最小的屬性為優先</a:t>
+            </a:r>
+            <a:r>
+              <a:rPr lang="zh-TW" altLang="en-US" sz="2000" dirty="0" smtClean="0">
+                <a:latin typeface="微軟正黑體" panose="020B0604030504040204" pitchFamily="34" charset="-120"/>
+                <a:ea typeface="微軟正黑體" panose="020B0604030504040204" pitchFamily="34" charset="-120"/>
+              </a:rPr>
+              <a:t>選取</a:t>
+            </a:r>
+            <a:endParaRPr lang="en-US" altLang="zh-TW" sz="2000" dirty="0" smtClean="0">
+              <a:latin typeface="微軟正黑體" panose="020B0604030504040204" pitchFamily="34" charset="-120"/>
+              <a:ea typeface="微軟正黑體" panose="020B0604030504040204" pitchFamily="34" charset="-120"/>
+            </a:endParaRPr>
+          </a:p>
+          <a:p>
+            <a:pPr lvl="1"/>
+            <a:r>
+              <a:rPr lang="zh-TW" altLang="en-US" sz="2000" dirty="0" smtClean="0">
+                <a:latin typeface="微軟正黑體" panose="020B0604030504040204" pitchFamily="34" charset="-120"/>
+                <a:ea typeface="微軟正黑體" panose="020B0604030504040204" pitchFamily="34" charset="-120"/>
+              </a:rPr>
+              <a:t>也就是</a:t>
+            </a:r>
+            <a:r>
+              <a:rPr lang="zh-TW" altLang="en-US" sz="2000" dirty="0">
+                <a:latin typeface="微軟正黑體" panose="020B0604030504040204" pitchFamily="34" charset="-120"/>
+                <a:ea typeface="微軟正黑體" panose="020B0604030504040204" pitchFamily="34" charset="-120"/>
+              </a:rPr>
+              <a:t>選擇資訊獲利最大的</a:t>
+            </a:r>
+            <a:r>
+              <a:rPr lang="zh-TW" altLang="en-US" sz="2000" dirty="0" smtClean="0">
+                <a:latin typeface="微軟正黑體" panose="020B0604030504040204" pitchFamily="34" charset="-120"/>
+                <a:ea typeface="微軟正黑體" panose="020B0604030504040204" pitchFamily="34" charset="-120"/>
+              </a:rPr>
+              <a:t>屬性</a:t>
+            </a:r>
+            <a:endParaRPr lang="zh-TW" altLang="en-US" sz="2000" dirty="0">
+              <a:latin typeface="微軟正黑體" panose="020B0604030504040204" pitchFamily="34" charset="-120"/>
+              <a:ea typeface="微軟正黑體" panose="020B0604030504040204" pitchFamily="34" charset="-120"/>
+            </a:endParaRPr>
+          </a:p>
+        </p:txBody>
+      </p:sp>
+      <p:sp>
+        <p:nvSpPr>
+          <p:cNvPr id="2" name="投影片編號版面配置區 1"/>
+          <p:cNvSpPr>
+            <a:spLocks noGrp="1"/>
+          </p:cNvSpPr>
+          <p:nvPr>
+            <p:ph type="sldNum" sz="quarter" idx="12"/>
+          </p:nvPr>
+        </p:nvSpPr>
+        <p:spPr/>
+        <p:txBody>
+          <a:bodyPr/>
+          <a:lstStyle/>
+          <a:p>
+            <a:pPr>
+              <a:defRPr/>
             </a:pPr>
-            <a:r>
-              <a:rPr lang="zh-TW" altLang="en-US" sz="2000" dirty="0">
-                <a:latin typeface="微軟正黑體" panose="020B0604030504040204" pitchFamily="34" charset="-120"/>
-                <a:ea typeface="微軟正黑體" panose="020B0604030504040204" pitchFamily="34" charset="-120"/>
-              </a:rPr>
-              <a:t> </a:t>
-            </a:r>
-            <a:r>
-              <a:rPr lang="zh-TW" altLang="en-US" sz="2000" dirty="0" smtClean="0">
-                <a:latin typeface="微軟正黑體" panose="020B0604030504040204" pitchFamily="34" charset="-120"/>
-                <a:ea typeface="微軟正黑體" panose="020B0604030504040204" pitchFamily="34" charset="-120"/>
-              </a:rPr>
-              <a:t>   </a:t>
-            </a:r>
-            <a:r>
-              <a:rPr lang="zh-TW" altLang="en-US" sz="2000" dirty="0" smtClean="0">
-                <a:latin typeface="微軟正黑體" panose="020B0604030504040204" pitchFamily="34" charset="-120"/>
-                <a:ea typeface="微軟正黑體" panose="020B0604030504040204" pitchFamily="34" charset="-120"/>
-              </a:rPr>
-              <a:t>其中</a:t>
-            </a:r>
-            <a:r>
-              <a:rPr lang="zh-TW" altLang="en-US" sz="2000" dirty="0">
-                <a:latin typeface="微軟正黑體" panose="020B0604030504040204" pitchFamily="34" charset="-120"/>
-                <a:ea typeface="微軟正黑體" panose="020B0604030504040204" pitchFamily="34" charset="-120"/>
-              </a:rPr>
-              <a:t/>
-            </a:r>
-            <a:br>
-              <a:rPr lang="zh-TW" altLang="en-US" sz="2000" dirty="0">
-                <a:latin typeface="微軟正黑體" panose="020B0604030504040204" pitchFamily="34" charset="-120"/>
-                <a:ea typeface="微軟正黑體" panose="020B0604030504040204" pitchFamily="34" charset="-120"/>
-              </a:rPr>
-            </a:br>
-            <a:r>
-              <a:rPr lang="zh-TW" altLang="en-US" sz="2000" dirty="0">
-                <a:latin typeface="微軟正黑體" panose="020B0604030504040204" pitchFamily="34" charset="-120"/>
-                <a:ea typeface="微軟正黑體" panose="020B0604030504040204" pitchFamily="34" charset="-120"/>
-              </a:rPr>
-              <a:t>	</a:t>
-            </a:r>
-            <a:r>
-              <a:rPr lang="en-US" altLang="zh-TW" sz="2000" dirty="0">
-                <a:latin typeface="微軟正黑體" panose="020B0604030504040204" pitchFamily="34" charset="-120"/>
-                <a:ea typeface="微軟正黑體" panose="020B0604030504040204" pitchFamily="34" charset="-120"/>
-              </a:rPr>
-              <a:t>I(n,n</a:t>
-            </a:r>
-            <a:r>
-              <a:rPr lang="en-US" altLang="zh-TW" sz="2000" baseline="-25000" dirty="0">
-                <a:latin typeface="微軟正黑體" panose="020B0604030504040204" pitchFamily="34" charset="-120"/>
-                <a:ea typeface="微軟正黑體" panose="020B0604030504040204" pitchFamily="34" charset="-120"/>
-              </a:rPr>
-              <a:t>1</a:t>
-            </a:r>
-            <a:r>
-              <a:rPr lang="en-US" altLang="zh-TW" sz="2000" dirty="0">
-                <a:latin typeface="微軟正黑體" panose="020B0604030504040204" pitchFamily="34" charset="-120"/>
-                <a:ea typeface="微軟正黑體" panose="020B0604030504040204" pitchFamily="34" charset="-120"/>
-              </a:rPr>
-              <a:t>)=-((n</a:t>
-            </a:r>
-            <a:r>
-              <a:rPr lang="en-US" altLang="zh-TW" sz="2000" baseline="-25000" dirty="0">
-                <a:latin typeface="微軟正黑體" panose="020B0604030504040204" pitchFamily="34" charset="-120"/>
-                <a:ea typeface="微軟正黑體" panose="020B0604030504040204" pitchFamily="34" charset="-120"/>
-              </a:rPr>
-              <a:t>1</a:t>
-            </a:r>
-            <a:r>
-              <a:rPr lang="en-US" altLang="zh-TW" sz="2000" dirty="0">
-                <a:latin typeface="微軟正黑體" panose="020B0604030504040204" pitchFamily="34" charset="-120"/>
-                <a:ea typeface="微軟正黑體" panose="020B0604030504040204" pitchFamily="34" charset="-120"/>
-              </a:rPr>
-              <a:t>/n)log</a:t>
-            </a:r>
-            <a:r>
-              <a:rPr lang="en-US" altLang="zh-TW" sz="2000" baseline="-25000" dirty="0">
-                <a:latin typeface="微軟正黑體" panose="020B0604030504040204" pitchFamily="34" charset="-120"/>
-                <a:ea typeface="微軟正黑體" panose="020B0604030504040204" pitchFamily="34" charset="-120"/>
-              </a:rPr>
-              <a:t>2</a:t>
-            </a:r>
-            <a:r>
-              <a:rPr lang="en-US" altLang="zh-TW" sz="2000" dirty="0">
-                <a:latin typeface="微軟正黑體" panose="020B0604030504040204" pitchFamily="34" charset="-120"/>
-                <a:ea typeface="微軟正黑體" panose="020B0604030504040204" pitchFamily="34" charset="-120"/>
-              </a:rPr>
-              <a:t>(n</a:t>
-            </a:r>
-            <a:r>
-              <a:rPr lang="en-US" altLang="zh-TW" sz="2000" baseline="-25000" dirty="0">
-                <a:latin typeface="微軟正黑體" panose="020B0604030504040204" pitchFamily="34" charset="-120"/>
-                <a:ea typeface="微軟正黑體" panose="020B0604030504040204" pitchFamily="34" charset="-120"/>
-              </a:rPr>
-              <a:t>1</a:t>
-            </a:r>
-            <a:r>
-              <a:rPr lang="en-US" altLang="zh-TW" sz="2000" dirty="0">
-                <a:latin typeface="微軟正黑體" panose="020B0604030504040204" pitchFamily="34" charset="-120"/>
-                <a:ea typeface="微軟正黑體" panose="020B0604030504040204" pitchFamily="34" charset="-120"/>
-              </a:rPr>
-              <a:t>/n)+(1-n</a:t>
-            </a:r>
-            <a:r>
-              <a:rPr lang="en-US" altLang="zh-TW" sz="2000" baseline="-25000" dirty="0">
-                <a:latin typeface="微軟正黑體" panose="020B0604030504040204" pitchFamily="34" charset="-120"/>
-                <a:ea typeface="微軟正黑體" panose="020B0604030504040204" pitchFamily="34" charset="-120"/>
-              </a:rPr>
-              <a:t>1</a:t>
-            </a:r>
-            <a:r>
-              <a:rPr lang="en-US" altLang="zh-TW" sz="2000" dirty="0">
-                <a:latin typeface="微軟正黑體" panose="020B0604030504040204" pitchFamily="34" charset="-120"/>
-                <a:ea typeface="微軟正黑體" panose="020B0604030504040204" pitchFamily="34" charset="-120"/>
-              </a:rPr>
-              <a:t>/n)log</a:t>
-            </a:r>
-            <a:r>
-              <a:rPr lang="en-US" altLang="zh-TW" sz="2000" baseline="-25000" dirty="0">
-                <a:latin typeface="微軟正黑體" panose="020B0604030504040204" pitchFamily="34" charset="-120"/>
-                <a:ea typeface="微軟正黑體" panose="020B0604030504040204" pitchFamily="34" charset="-120"/>
-              </a:rPr>
-              <a:t>2</a:t>
-            </a:r>
-            <a:r>
-              <a:rPr lang="en-US" altLang="zh-TW" sz="2000" dirty="0">
-                <a:latin typeface="微軟正黑體" panose="020B0604030504040204" pitchFamily="34" charset="-120"/>
-                <a:ea typeface="微軟正黑體" panose="020B0604030504040204" pitchFamily="34" charset="-120"/>
-              </a:rPr>
-              <a:t>(1-n</a:t>
-            </a:r>
-            <a:r>
-              <a:rPr lang="en-US" altLang="zh-TW" sz="2000" baseline="-25000" dirty="0">
-                <a:latin typeface="微軟正黑體" panose="020B0604030504040204" pitchFamily="34" charset="-120"/>
-                <a:ea typeface="微軟正黑體" panose="020B0604030504040204" pitchFamily="34" charset="-120"/>
-              </a:rPr>
-              <a:t>1</a:t>
-            </a:r>
-            <a:r>
-              <a:rPr lang="en-US" altLang="zh-TW" sz="2000" dirty="0">
-                <a:latin typeface="微軟正黑體" panose="020B0604030504040204" pitchFamily="34" charset="-120"/>
-                <a:ea typeface="微軟正黑體" panose="020B0604030504040204" pitchFamily="34" charset="-120"/>
-              </a:rPr>
-              <a:t>/n))</a:t>
-            </a:r>
-            <a:br>
-              <a:rPr lang="en-US" altLang="zh-TW" sz="2000" dirty="0">
-                <a:latin typeface="微軟正黑體" panose="020B0604030504040204" pitchFamily="34" charset="-120"/>
-                <a:ea typeface="微軟正黑體" panose="020B0604030504040204" pitchFamily="34" charset="-120"/>
-              </a:rPr>
-            </a:br>
-            <a:r>
-              <a:rPr lang="en-US" altLang="zh-TW" sz="2000" dirty="0">
-                <a:latin typeface="微軟正黑體" panose="020B0604030504040204" pitchFamily="34" charset="-120"/>
-                <a:ea typeface="微軟正黑體" panose="020B0604030504040204" pitchFamily="34" charset="-120"/>
-              </a:rPr>
-              <a:t>	E(X)=(m</a:t>
-            </a:r>
-            <a:r>
-              <a:rPr lang="en-US" altLang="zh-TW" sz="2000" baseline="-25000" dirty="0">
-                <a:latin typeface="微軟正黑體" panose="020B0604030504040204" pitchFamily="34" charset="-120"/>
-                <a:ea typeface="微軟正黑體" panose="020B0604030504040204" pitchFamily="34" charset="-120"/>
-              </a:rPr>
-              <a:t>1</a:t>
-            </a:r>
-            <a:r>
-              <a:rPr lang="en-US" altLang="zh-TW" sz="2000" dirty="0">
-                <a:latin typeface="微軟正黑體" panose="020B0604030504040204" pitchFamily="34" charset="-120"/>
-                <a:ea typeface="微軟正黑體" panose="020B0604030504040204" pitchFamily="34" charset="-120"/>
-              </a:rPr>
-              <a:t>/n)*I(m</a:t>
-            </a:r>
-            <a:r>
-              <a:rPr lang="en-US" altLang="zh-TW" sz="2000" baseline="-25000" dirty="0">
-                <a:latin typeface="微軟正黑體" panose="020B0604030504040204" pitchFamily="34" charset="-120"/>
-                <a:ea typeface="微軟正黑體" panose="020B0604030504040204" pitchFamily="34" charset="-120"/>
-              </a:rPr>
-              <a:t>1</a:t>
-            </a:r>
-            <a:r>
-              <a:rPr lang="en-US" altLang="zh-TW" sz="2000" dirty="0">
-                <a:latin typeface="微軟正黑體" panose="020B0604030504040204" pitchFamily="34" charset="-120"/>
-                <a:ea typeface="微軟正黑體" panose="020B0604030504040204" pitchFamily="34" charset="-120"/>
-              </a:rPr>
-              <a:t>,m</a:t>
-            </a:r>
-            <a:r>
-              <a:rPr lang="en-US" altLang="zh-TW" sz="2000" baseline="-25000" dirty="0">
-                <a:latin typeface="微軟正黑體" panose="020B0604030504040204" pitchFamily="34" charset="-120"/>
-                <a:ea typeface="微軟正黑體" panose="020B0604030504040204" pitchFamily="34" charset="-120"/>
-              </a:rPr>
-              <a:t>11</a:t>
-            </a:r>
-            <a:r>
-              <a:rPr lang="en-US" altLang="zh-TW" sz="2000" dirty="0">
-                <a:latin typeface="微軟正黑體" panose="020B0604030504040204" pitchFamily="34" charset="-120"/>
-                <a:ea typeface="微軟正黑體" panose="020B0604030504040204" pitchFamily="34" charset="-120"/>
-              </a:rPr>
-              <a:t>)+(m</a:t>
-            </a:r>
-            <a:r>
-              <a:rPr lang="en-US" altLang="zh-TW" sz="2000" baseline="-25000" dirty="0">
-                <a:latin typeface="微軟正黑體" panose="020B0604030504040204" pitchFamily="34" charset="-120"/>
-                <a:ea typeface="微軟正黑體" panose="020B0604030504040204" pitchFamily="34" charset="-120"/>
-              </a:rPr>
-              <a:t>2</a:t>
-            </a:r>
-            <a:r>
-              <a:rPr lang="en-US" altLang="zh-TW" sz="2000" dirty="0">
-                <a:latin typeface="微軟正黑體" panose="020B0604030504040204" pitchFamily="34" charset="-120"/>
-                <a:ea typeface="微軟正黑體" panose="020B0604030504040204" pitchFamily="34" charset="-120"/>
-              </a:rPr>
-              <a:t>/n)*I(m</a:t>
-            </a:r>
-            <a:r>
-              <a:rPr lang="en-US" altLang="zh-TW" sz="2000" baseline="-25000" dirty="0">
-                <a:latin typeface="微軟正黑體" panose="020B0604030504040204" pitchFamily="34" charset="-120"/>
-                <a:ea typeface="微軟正黑體" panose="020B0604030504040204" pitchFamily="34" charset="-120"/>
-              </a:rPr>
-              <a:t>2</a:t>
-            </a:r>
-            <a:r>
-              <a:rPr lang="en-US" altLang="zh-TW" sz="2000" dirty="0">
-                <a:latin typeface="微軟正黑體" panose="020B0604030504040204" pitchFamily="34" charset="-120"/>
-                <a:ea typeface="微軟正黑體" panose="020B0604030504040204" pitchFamily="34" charset="-120"/>
-              </a:rPr>
-              <a:t>,m</a:t>
-            </a:r>
-            <a:r>
-              <a:rPr lang="en-US" altLang="zh-TW" sz="2000" baseline="-25000" dirty="0">
-                <a:latin typeface="微軟正黑體" panose="020B0604030504040204" pitchFamily="34" charset="-120"/>
-                <a:ea typeface="微軟正黑體" panose="020B0604030504040204" pitchFamily="34" charset="-120"/>
-              </a:rPr>
-              <a:t>21</a:t>
-            </a:r>
-            <a:r>
-              <a:rPr lang="en-US" altLang="zh-TW" sz="2000" dirty="0">
-                <a:latin typeface="微軟正黑體" panose="020B0604030504040204" pitchFamily="34" charset="-120"/>
-                <a:ea typeface="微軟正黑體" panose="020B0604030504040204" pitchFamily="34" charset="-120"/>
-              </a:rPr>
-              <a:t>)+…(</a:t>
-            </a:r>
-            <a:r>
-              <a:rPr lang="en-US" altLang="zh-TW" sz="2000" dirty="0" err="1">
-                <a:latin typeface="微軟正黑體" panose="020B0604030504040204" pitchFamily="34" charset="-120"/>
-                <a:ea typeface="微軟正黑體" panose="020B0604030504040204" pitchFamily="34" charset="-120"/>
-              </a:rPr>
-              <a:t>m</a:t>
-            </a:r>
-            <a:r>
-              <a:rPr lang="en-US" altLang="zh-TW" sz="2000" baseline="-25000" dirty="0" err="1">
-                <a:latin typeface="微軟正黑體" panose="020B0604030504040204" pitchFamily="34" charset="-120"/>
-                <a:ea typeface="微軟正黑體" panose="020B0604030504040204" pitchFamily="34" charset="-120"/>
-              </a:rPr>
-              <a:t>k</a:t>
-            </a:r>
-            <a:r>
-              <a:rPr lang="en-US" altLang="zh-TW" sz="2000" dirty="0">
-                <a:latin typeface="微軟正黑體" panose="020B0604030504040204" pitchFamily="34" charset="-120"/>
-                <a:ea typeface="微軟正黑體" panose="020B0604030504040204" pitchFamily="34" charset="-120"/>
-              </a:rPr>
-              <a:t>/n)*I(m</a:t>
-            </a:r>
-            <a:r>
-              <a:rPr lang="en-US" altLang="zh-TW" sz="2000" baseline="-25000" dirty="0">
-                <a:latin typeface="微軟正黑體" panose="020B0604030504040204" pitchFamily="34" charset="-120"/>
-                <a:ea typeface="微軟正黑體" panose="020B0604030504040204" pitchFamily="34" charset="-120"/>
-              </a:rPr>
-              <a:t>k</a:t>
-            </a:r>
-            <a:r>
-              <a:rPr lang="en-US" altLang="zh-TW" sz="2000" dirty="0">
-                <a:latin typeface="微軟正黑體" panose="020B0604030504040204" pitchFamily="34" charset="-120"/>
-                <a:ea typeface="微軟正黑體" panose="020B0604030504040204" pitchFamily="34" charset="-120"/>
-              </a:rPr>
-              <a:t>,m</a:t>
-            </a:r>
-            <a:r>
-              <a:rPr lang="en-US" altLang="zh-TW" sz="2000" baseline="-25000" dirty="0">
-                <a:latin typeface="微軟正黑體" panose="020B0604030504040204" pitchFamily="34" charset="-120"/>
-                <a:ea typeface="微軟正黑體" panose="020B0604030504040204" pitchFamily="34" charset="-120"/>
-              </a:rPr>
-              <a:t>k1</a:t>
-            </a:r>
-            <a:r>
-              <a:rPr lang="en-US" altLang="zh-TW" sz="2000" dirty="0">
-                <a:latin typeface="微軟正黑體" panose="020B0604030504040204" pitchFamily="34" charset="-120"/>
-                <a:ea typeface="微軟正黑體" panose="020B0604030504040204" pitchFamily="34" charset="-120"/>
-              </a:rPr>
-              <a:t>)</a:t>
-            </a:r>
+            <a:fld id="{25DB1FE8-1C2F-43A9-8341-74FED075A3DD}" type="slidenum">
+              <a:rPr lang="zh-TW" altLang="en-US" smtClean="0"/>
+              <a:pPr>
+                <a:defRPr/>
+              </a:pPr>
+              <a:t>7</a:t>
+            </a:fld>
+            <a:endParaRPr lang="en-US" altLang="zh-TW"/>
           </a:p>
         </p:txBody>
       </p:sp>
     </p:spTree>
     <p:extLst>
       <p:ext uri="{BB962C8B-B14F-4D97-AF65-F5344CB8AC3E}">
-        <p14:creationId xmlns:p14="http://schemas.microsoft.com/office/powerpoint/2010/main" val="3891828685"/>
+        <p14:creationId xmlns:p14="http://schemas.microsoft.com/office/powerpoint/2010/main" val="350289278"/>
       </p:ext>
     </p:extLst>
   </p:cSld>
@@ -17952,297 +17094,6 @@
       </p:grpSpPr>
       <p:sp>
         <p:nvSpPr>
-          <p:cNvPr id="23554" name="Rectangle 2"/>
-          <p:cNvSpPr>
-            <a:spLocks noGrp="1" noChangeArrowheads="1"/>
-          </p:cNvSpPr>
-          <p:nvPr>
-            <p:ph type="title"/>
-          </p:nvPr>
-        </p:nvSpPr>
-        <p:spPr>
-          <a:xfrm>
-            <a:off x="1200729" y="941295"/>
-            <a:ext cx="8928100" cy="468454"/>
-          </a:xfrm>
-        </p:spPr>
-        <p:txBody>
-          <a:bodyPr>
-            <a:noAutofit/>
-          </a:bodyPr>
-          <a:lstStyle/>
-          <a:p>
-            <a:pPr algn="ctr" eaLnBrk="1" hangingPunct="1"/>
-            <a:r>
-              <a:rPr lang="zh-TW" altLang="en-US" sz="4000" b="1" dirty="0" smtClean="0">
-                <a:latin typeface="微軟正黑體" panose="020B0604030504040204" pitchFamily="34" charset="-120"/>
-                <a:ea typeface="微軟正黑體" panose="020B0604030504040204" pitchFamily="34" charset="-120"/>
-              </a:rPr>
-              <a:t>利用資訊獲利做屬性選取</a:t>
-            </a:r>
-          </a:p>
-        </p:txBody>
-      </p:sp>
-      <p:sp>
-        <p:nvSpPr>
-          <p:cNvPr id="23555" name="Rectangle 3"/>
-          <p:cNvSpPr>
-            <a:spLocks noGrp="1" noChangeArrowheads="1"/>
-          </p:cNvSpPr>
-          <p:nvPr>
-            <p:ph type="body" sz="half" idx="1"/>
-          </p:nvPr>
-        </p:nvSpPr>
-        <p:spPr>
-          <a:xfrm>
-            <a:off x="2569029" y="1988840"/>
-            <a:ext cx="8516451" cy="4081034"/>
-          </a:xfrm>
-        </p:spPr>
-        <p:txBody>
-          <a:bodyPr>
-            <a:noAutofit/>
-          </a:bodyPr>
-          <a:lstStyle/>
-          <a:p>
-            <a:pPr eaLnBrk="1" hangingPunct="1"/>
-            <a:r>
-              <a:rPr lang="zh-TW" altLang="en-US" sz="2400" dirty="0">
-                <a:latin typeface="微軟正黑體" panose="020B0604030504040204" pitchFamily="34" charset="-120"/>
-                <a:ea typeface="微軟正黑體" panose="020B0604030504040204" pitchFamily="34" charset="-120"/>
-              </a:rPr>
-              <a:t>資訊</a:t>
-            </a:r>
-            <a:r>
-              <a:rPr lang="zh-TW" altLang="en-US" sz="2400" dirty="0" smtClean="0">
-                <a:latin typeface="微軟正黑體" panose="020B0604030504040204" pitchFamily="34" charset="-120"/>
-                <a:ea typeface="微軟正黑體" panose="020B0604030504040204" pitchFamily="34" charset="-120"/>
-              </a:rPr>
-              <a:t>獲利 </a:t>
-            </a:r>
-            <a:r>
-              <a:rPr lang="en-US" altLang="zh-TW" sz="2400" dirty="0" smtClean="0">
-                <a:latin typeface="微軟正黑體" panose="020B0604030504040204" pitchFamily="34" charset="-120"/>
-                <a:ea typeface="微軟正黑體" panose="020B0604030504040204" pitchFamily="34" charset="-120"/>
-              </a:rPr>
-              <a:t>=</a:t>
-            </a:r>
-            <a:r>
-              <a:rPr lang="zh-TW" altLang="en-US" sz="2400" dirty="0" smtClean="0">
-                <a:latin typeface="微軟正黑體" panose="020B0604030504040204" pitchFamily="34" charset="-120"/>
-                <a:ea typeface="微軟正黑體" panose="020B0604030504040204" pitchFamily="34" charset="-120"/>
-              </a:rPr>
-              <a:t> 測試</a:t>
-            </a:r>
-            <a:r>
-              <a:rPr lang="zh-TW" altLang="en-US" sz="2400" dirty="0">
-                <a:latin typeface="微軟正黑體" panose="020B0604030504040204" pitchFamily="34" charset="-120"/>
-                <a:ea typeface="微軟正黑體" panose="020B0604030504040204" pitchFamily="34" charset="-120"/>
-              </a:rPr>
-              <a:t>前的</a:t>
-            </a:r>
-            <a:r>
-              <a:rPr lang="zh-TW" altLang="en-US" sz="2400" dirty="0" smtClean="0">
-                <a:latin typeface="微軟正黑體" panose="020B0604030504040204" pitchFamily="34" charset="-120"/>
-                <a:ea typeface="微軟正黑體" panose="020B0604030504040204" pitchFamily="34" charset="-120"/>
-              </a:rPr>
-              <a:t>資訊量 </a:t>
-            </a:r>
-            <a:r>
-              <a:rPr lang="en-US" altLang="zh-TW" sz="2400" dirty="0" smtClean="0">
-                <a:latin typeface="微軟正黑體" panose="020B0604030504040204" pitchFamily="34" charset="-120"/>
-                <a:ea typeface="微軟正黑體" panose="020B0604030504040204" pitchFamily="34" charset="-120"/>
-              </a:rPr>
-              <a:t>-</a:t>
-            </a:r>
-            <a:r>
-              <a:rPr lang="zh-TW" altLang="en-US" sz="2400" dirty="0" smtClean="0">
-                <a:latin typeface="微軟正黑體" panose="020B0604030504040204" pitchFamily="34" charset="-120"/>
-                <a:ea typeface="微軟正黑體" panose="020B0604030504040204" pitchFamily="34" charset="-120"/>
-              </a:rPr>
-              <a:t> 測試</a:t>
-            </a:r>
-            <a:r>
-              <a:rPr lang="zh-TW" altLang="en-US" sz="2400" dirty="0">
-                <a:latin typeface="微軟正黑體" panose="020B0604030504040204" pitchFamily="34" charset="-120"/>
-                <a:ea typeface="微軟正黑體" panose="020B0604030504040204" pitchFamily="34" charset="-120"/>
-              </a:rPr>
-              <a:t>後的</a:t>
-            </a:r>
-            <a:r>
-              <a:rPr lang="zh-TW" altLang="en-US" sz="2400" dirty="0" smtClean="0">
-                <a:latin typeface="微軟正黑體" panose="020B0604030504040204" pitchFamily="34" charset="-120"/>
-                <a:ea typeface="微軟正黑體" panose="020B0604030504040204" pitchFamily="34" charset="-120"/>
-              </a:rPr>
-              <a:t>資訊量</a:t>
-            </a:r>
-            <a:endParaRPr lang="zh-TW" altLang="en-US" sz="2400" dirty="0">
-              <a:latin typeface="微軟正黑體" panose="020B0604030504040204" pitchFamily="34" charset="-120"/>
-              <a:ea typeface="微軟正黑體" panose="020B0604030504040204" pitchFamily="34" charset="-120"/>
-            </a:endParaRPr>
-          </a:p>
-          <a:p>
-            <a:pPr eaLnBrk="1" hangingPunct="1"/>
-            <a:r>
-              <a:rPr lang="zh-TW" altLang="en-US" sz="2400" dirty="0" smtClean="0">
-                <a:latin typeface="微軟正黑體" panose="020B0604030504040204" pitchFamily="34" charset="-120"/>
-                <a:ea typeface="微軟正黑體" panose="020B0604030504040204" pitchFamily="34" charset="-120"/>
-              </a:rPr>
-              <a:t>決策</a:t>
-            </a:r>
-            <a:r>
-              <a:rPr lang="zh-TW" altLang="en-US" sz="2400" dirty="0">
-                <a:latin typeface="微軟正黑體" panose="020B0604030504040204" pitchFamily="34" charset="-120"/>
-                <a:ea typeface="微軟正黑體" panose="020B0604030504040204" pitchFamily="34" charset="-120"/>
-              </a:rPr>
-              <a:t>樹</a:t>
-            </a:r>
-            <a:r>
-              <a:rPr lang="zh-TW" altLang="en-US" sz="2400" dirty="0" smtClean="0">
-                <a:latin typeface="微軟正黑體" panose="020B0604030504040204" pitchFamily="34" charset="-120"/>
-                <a:ea typeface="微軟正黑體" panose="020B0604030504040204" pitchFamily="34" charset="-120"/>
-              </a:rPr>
-              <a:t>分類</a:t>
-            </a:r>
-            <a:r>
-              <a:rPr lang="zh-TW" altLang="en-US" sz="2400" dirty="0">
-                <a:latin typeface="微軟正黑體" panose="020B0604030504040204" pitchFamily="34" charset="-120"/>
-                <a:ea typeface="微軟正黑體" panose="020B0604030504040204" pitchFamily="34" charset="-120"/>
-              </a:rPr>
-              <a:t>的目的</a:t>
-            </a:r>
-          </a:p>
-          <a:p>
-            <a:pPr lvl="1" eaLnBrk="1" hangingPunct="1"/>
-            <a:r>
-              <a:rPr lang="zh-TW" altLang="en-US" sz="2000" dirty="0" smtClean="0">
-                <a:latin typeface="微軟正黑體" panose="020B0604030504040204" pitchFamily="34" charset="-120"/>
-                <a:ea typeface="微軟正黑體" panose="020B0604030504040204" pitchFamily="34" charset="-120"/>
-              </a:rPr>
-              <a:t>訓練樣本分成亂度最小的子集合</a:t>
-            </a:r>
-          </a:p>
-          <a:p>
-            <a:pPr lvl="1" eaLnBrk="1" hangingPunct="1"/>
-            <a:r>
-              <a:rPr lang="zh-TW" altLang="en-US" sz="2000" dirty="0" smtClean="0">
-                <a:latin typeface="微軟正黑體" panose="020B0604030504040204" pitchFamily="34" charset="-120"/>
-                <a:ea typeface="微軟正黑體" panose="020B0604030504040204" pitchFamily="34" charset="-120"/>
-              </a:rPr>
-              <a:t>所有樣本都屬於同一分類標記的子集合</a:t>
-            </a:r>
-          </a:p>
-          <a:p>
-            <a:pPr eaLnBrk="1" hangingPunct="1"/>
-            <a:r>
-              <a:rPr lang="en-US" altLang="zh-TW" sz="2400" dirty="0" smtClean="0">
-                <a:latin typeface="微軟正黑體" panose="020B0604030504040204" pitchFamily="34" charset="-120"/>
-                <a:ea typeface="微軟正黑體" panose="020B0604030504040204" pitchFamily="34" charset="-120"/>
-              </a:rPr>
-              <a:t>ID3</a:t>
-            </a:r>
-            <a:endParaRPr lang="en-US" altLang="zh-TW" sz="2400" dirty="0" smtClean="0">
-              <a:latin typeface="微軟正黑體" panose="020B0604030504040204" pitchFamily="34" charset="-120"/>
-              <a:ea typeface="微軟正黑體" panose="020B0604030504040204" pitchFamily="34" charset="-120"/>
-            </a:endParaRPr>
-          </a:p>
-          <a:p>
-            <a:pPr lvl="1"/>
-            <a:r>
-              <a:rPr lang="zh-TW" altLang="en-US" sz="2000" dirty="0" smtClean="0">
-                <a:latin typeface="微軟正黑體" panose="020B0604030504040204" pitchFamily="34" charset="-120"/>
-                <a:ea typeface="微軟正黑體" panose="020B0604030504040204" pitchFamily="34" charset="-120"/>
-              </a:rPr>
-              <a:t>以</a:t>
-            </a:r>
-            <a:r>
-              <a:rPr lang="zh-TW" altLang="en-US" sz="2000" dirty="0">
-                <a:latin typeface="微軟正黑體" panose="020B0604030504040204" pitchFamily="34" charset="-120"/>
-                <a:ea typeface="微軟正黑體" panose="020B0604030504040204" pitchFamily="34" charset="-120"/>
-              </a:rPr>
-              <a:t>測試後資訊量最小的屬性為優先</a:t>
-            </a:r>
-            <a:r>
-              <a:rPr lang="zh-TW" altLang="en-US" sz="2000" dirty="0" smtClean="0">
-                <a:latin typeface="微軟正黑體" panose="020B0604030504040204" pitchFamily="34" charset="-120"/>
-                <a:ea typeface="微軟正黑體" panose="020B0604030504040204" pitchFamily="34" charset="-120"/>
-              </a:rPr>
-              <a:t>選取</a:t>
-            </a:r>
-            <a:endParaRPr lang="en-US" altLang="zh-TW" sz="2000" dirty="0" smtClean="0">
-              <a:latin typeface="微軟正黑體" panose="020B0604030504040204" pitchFamily="34" charset="-120"/>
-              <a:ea typeface="微軟正黑體" panose="020B0604030504040204" pitchFamily="34" charset="-120"/>
-            </a:endParaRPr>
-          </a:p>
-          <a:p>
-            <a:pPr lvl="1"/>
-            <a:r>
-              <a:rPr lang="zh-TW" altLang="en-US" sz="2000" dirty="0" smtClean="0">
-                <a:latin typeface="微軟正黑體" panose="020B0604030504040204" pitchFamily="34" charset="-120"/>
-                <a:ea typeface="微軟正黑體" panose="020B0604030504040204" pitchFamily="34" charset="-120"/>
-              </a:rPr>
-              <a:t>也就是</a:t>
-            </a:r>
-            <a:r>
-              <a:rPr lang="zh-TW" altLang="en-US" sz="2000" dirty="0">
-                <a:latin typeface="微軟正黑體" panose="020B0604030504040204" pitchFamily="34" charset="-120"/>
-                <a:ea typeface="微軟正黑體" panose="020B0604030504040204" pitchFamily="34" charset="-120"/>
-              </a:rPr>
-              <a:t>選擇資訊獲利最大的</a:t>
-            </a:r>
-            <a:r>
-              <a:rPr lang="zh-TW" altLang="en-US" sz="2000" dirty="0" smtClean="0">
-                <a:latin typeface="微軟正黑體" panose="020B0604030504040204" pitchFamily="34" charset="-120"/>
-                <a:ea typeface="微軟正黑體" panose="020B0604030504040204" pitchFamily="34" charset="-120"/>
-              </a:rPr>
-              <a:t>屬性</a:t>
-            </a:r>
-            <a:endParaRPr lang="zh-TW" altLang="en-US" sz="2000" dirty="0">
-              <a:latin typeface="微軟正黑體" panose="020B0604030504040204" pitchFamily="34" charset="-120"/>
-              <a:ea typeface="微軟正黑體" panose="020B0604030504040204" pitchFamily="34" charset="-120"/>
-            </a:endParaRPr>
-          </a:p>
-        </p:txBody>
-      </p:sp>
-    </p:spTree>
-    <p:extLst>
-      <p:ext uri="{BB962C8B-B14F-4D97-AF65-F5344CB8AC3E}">
-        <p14:creationId xmlns:p14="http://schemas.microsoft.com/office/powerpoint/2010/main" val="350289278"/>
-      </p:ext>
-    </p:extLst>
-  </p:cSld>
-  <p:clrMapOvr>
-    <a:masterClrMapping/>
-  </p:clrMapOvr>
-  <p:timing>
-    <p:tnLst>
-      <p:par>
-        <p:cTn id="1" dur="indefinite" restart="never" nodeType="tmRoot"/>
-      </p:par>
-    </p:tnLst>
-  </p:timing>
-</p:sld>
-</file>
-
-<file path=ppt/slides/slide9.xml><?xml version="1.0" encoding="utf-8"?>
-<p:sld xmlns:a="http://schemas.openxmlformats.org/drawingml/2006/main" xmlns:r="http://schemas.openxmlformats.org/officeDocument/2006/relationships" xmlns:p="http://schemas.openxmlformats.org/presentationml/2006/main">
-  <p:cSld>
-    <p:spTree>
-      <p:nvGrpSpPr>
-        <p:cNvPr id="1" name=""/>
-        <p:cNvGrpSpPr/>
-        <p:nvPr/>
-      </p:nvGrpSpPr>
-      <p:grpSpPr>
-        <a:xfrm>
-          <a:off x="0" y="0"/>
-          <a:ext cx="0" cy="0"/>
-          <a:chOff x="0" y="0"/>
-          <a:chExt cx="0" cy="0"/>
-        </a:xfrm>
-      </p:grpSpPr>
-      <p:sp>
-        <p:nvSpPr>
           <p:cNvPr id="2" name="標題 1"/>
           <p:cNvSpPr>
             <a:spLocks noGrp="1"/>
@@ -18329,7 +17180,7 @@
           <a:p>
             <a:fld id="{CBEC735E-60AB-44DC-B0A8-DC8AF5BACA8B}" type="slidenum">
               <a:rPr lang="zh-TW" altLang="en-US" smtClean="0"/>
-              <a:t>9</a:t>
+              <a:t>8</a:t>
             </a:fld>
             <a:endParaRPr lang="zh-TW" altLang="en-US"/>
           </a:p>
@@ -18603,6 +17454,543 @@
   <p:clrMapOvr>
     <a:masterClrMapping/>
   </p:clrMapOvr>
+  <p:timing>
+    <p:tnLst>
+      <p:par>
+        <p:cTn id="1" dur="indefinite" restart="never" nodeType="tmRoot"/>
+      </p:par>
+    </p:tnLst>
+  </p:timing>
+</p:sld>
+</file>
+
+<file path=ppt/slides/slide9.xml><?xml version="1.0" encoding="utf-8"?>
+<p:sld xmlns:a="http://schemas.openxmlformats.org/drawingml/2006/main" xmlns:r="http://schemas.openxmlformats.org/officeDocument/2006/relationships" xmlns:p="http://schemas.openxmlformats.org/presentationml/2006/main">
+  <p:cSld>
+    <p:spTree>
+      <p:nvGrpSpPr>
+        <p:cNvPr id="1" name=""/>
+        <p:cNvGrpSpPr/>
+        <p:nvPr/>
+      </p:nvGrpSpPr>
+      <p:grpSpPr>
+        <a:xfrm>
+          <a:off x="0" y="0"/>
+          <a:ext cx="0" cy="0"/>
+          <a:chOff x="0" y="0"/>
+          <a:chExt cx="0" cy="0"/>
+        </a:xfrm>
+      </p:grpSpPr>
+      <p:sp>
+        <p:nvSpPr>
+          <p:cNvPr id="2" name="標題 1"/>
+          <p:cNvSpPr>
+            <a:spLocks noGrp="1"/>
+          </p:cNvSpPr>
+          <p:nvPr>
+            <p:ph type="title"/>
+          </p:nvPr>
+        </p:nvSpPr>
+        <p:spPr/>
+        <p:txBody>
+          <a:bodyPr>
+            <a:normAutofit/>
+          </a:bodyPr>
+          <a:lstStyle/>
+          <a:p>
+            <a:pPr algn="ctr"/>
+            <a:r>
+              <a:rPr lang="zh-TW" altLang="en-US" sz="4000" b="1" dirty="0">
+                <a:latin typeface="微軟正黑體" panose="020B0604030504040204" pitchFamily="34" charset="-120"/>
+                <a:ea typeface="微軟正黑體" panose="020B0604030504040204" pitchFamily="34" charset="-120"/>
+              </a:rPr>
+              <a:t>資訊</a:t>
+            </a:r>
+            <a:r>
+              <a:rPr lang="zh-TW" altLang="en-US" sz="4000" b="1" dirty="0" smtClean="0">
+                <a:latin typeface="微軟正黑體" panose="020B0604030504040204" pitchFamily="34" charset="-120"/>
+                <a:ea typeface="微軟正黑體" panose="020B0604030504040204" pitchFamily="34" charset="-120"/>
+              </a:rPr>
+              <a:t>熵 </a:t>
+            </a:r>
+            <a:r>
+              <a:rPr lang="en-US" altLang="zh-TW" sz="4000" b="1" dirty="0" smtClean="0">
+                <a:latin typeface="微軟正黑體" panose="020B0604030504040204" pitchFamily="34" charset="-120"/>
+                <a:ea typeface="微軟正黑體" panose="020B0604030504040204" pitchFamily="34" charset="-120"/>
+              </a:rPr>
+              <a:t>&amp;</a:t>
+            </a:r>
+            <a:r>
+              <a:rPr lang="zh-TW" altLang="en-US" sz="4000" b="1" dirty="0" smtClean="0">
+                <a:latin typeface="微軟正黑體" panose="020B0604030504040204" pitchFamily="34" charset="-120"/>
+                <a:ea typeface="微軟正黑體" panose="020B0604030504040204" pitchFamily="34" charset="-120"/>
+              </a:rPr>
+              <a:t> 資訊量</a:t>
+            </a:r>
+            <a:r>
+              <a:rPr lang="zh-TW" altLang="en-US" sz="4000" b="1" dirty="0">
+                <a:latin typeface="微軟正黑體" panose="020B0604030504040204" pitchFamily="34" charset="-120"/>
+                <a:ea typeface="微軟正黑體" panose="020B0604030504040204" pitchFamily="34" charset="-120"/>
+              </a:rPr>
+              <a:t>增益</a:t>
+            </a:r>
+          </a:p>
+        </p:txBody>
+      </p:sp>
+      <p:sp>
+        <p:nvSpPr>
+          <p:cNvPr id="4" name="投影片編號版面配置區 3"/>
+          <p:cNvSpPr>
+            <a:spLocks noGrp="1"/>
+          </p:cNvSpPr>
+          <p:nvPr>
+            <p:ph type="sldNum" sz="quarter" idx="12"/>
+          </p:nvPr>
+        </p:nvSpPr>
+        <p:spPr/>
+        <p:txBody>
+          <a:bodyPr/>
+          <a:lstStyle/>
+          <a:p>
+            <a:fld id="{CBEC735E-60AB-44DC-B0A8-DC8AF5BACA8B}" type="slidenum">
+              <a:rPr lang="zh-TW" altLang="en-US" smtClean="0"/>
+              <a:t>9</a:t>
+            </a:fld>
+            <a:endParaRPr lang="zh-TW" altLang="en-US"/>
+          </a:p>
+        </p:txBody>
+      </p:sp>
+      <p:pic>
+        <p:nvPicPr>
+          <p:cNvPr id="5" name="圖片 4"/>
+          <p:cNvPicPr>
+            <a:picLocks noChangeAspect="1"/>
+          </p:cNvPicPr>
+          <p:nvPr/>
+        </p:nvPicPr>
+        <p:blipFill>
+          <a:blip r:embed="rId2"/>
+          <a:stretch>
+            <a:fillRect/>
+          </a:stretch>
+        </p:blipFill>
+        <p:spPr>
+          <a:xfrm>
+            <a:off x="2525423" y="2130856"/>
+            <a:ext cx="3705225" cy="638175"/>
+          </a:xfrm>
+          <a:prstGeom prst="rect">
+            <a:avLst/>
+          </a:prstGeom>
+        </p:spPr>
+      </p:pic>
+      <p:sp>
+        <p:nvSpPr>
+          <p:cNvPr id="6" name="文字方塊 5"/>
+          <p:cNvSpPr txBox="1"/>
+          <p:nvPr/>
+        </p:nvSpPr>
+        <p:spPr>
+          <a:xfrm>
+            <a:off x="6299199" y="2265278"/>
+            <a:ext cx="2031325" cy="369332"/>
+          </a:xfrm>
+          <a:prstGeom prst="rect">
+            <a:avLst/>
+          </a:prstGeom>
+          <a:noFill/>
+        </p:spPr>
+        <p:txBody>
+          <a:bodyPr wrap="none" rtlCol="0">
+            <a:spAutoFit/>
+          </a:bodyPr>
+          <a:lstStyle/>
+          <a:p>
+            <a:r>
+              <a:rPr lang="zh-TW" altLang="en-US" b="1" dirty="0" smtClean="0">
+                <a:solidFill>
+                  <a:srgbClr val="FFFF00"/>
+                </a:solidFill>
+                <a:latin typeface="微軟正黑體" panose="020B0604030504040204" pitchFamily="34" charset="-120"/>
+                <a:ea typeface="微軟正黑體" panose="020B0604030504040204" pitchFamily="34" charset="-120"/>
+              </a:rPr>
+              <a:t>買與不買</a:t>
+            </a:r>
+            <a:r>
+              <a:rPr lang="zh-TW" altLang="en-US" b="1" dirty="0">
+                <a:solidFill>
+                  <a:srgbClr val="FFFF00"/>
+                </a:solidFill>
+                <a:latin typeface="微軟正黑體" panose="020B0604030504040204" pitchFamily="34" charset="-120"/>
+                <a:ea typeface="微軟正黑體" panose="020B0604030504040204" pitchFamily="34" charset="-120"/>
+              </a:rPr>
+              <a:t>的資訊熵</a:t>
+            </a:r>
+          </a:p>
+        </p:txBody>
+      </p:sp>
+      <p:pic>
+        <p:nvPicPr>
+          <p:cNvPr id="7" name="圖片 6"/>
+          <p:cNvPicPr>
+            <a:picLocks noChangeAspect="1"/>
+          </p:cNvPicPr>
+          <p:nvPr/>
+        </p:nvPicPr>
+        <p:blipFill>
+          <a:blip r:embed="rId3"/>
+          <a:stretch>
+            <a:fillRect/>
+          </a:stretch>
+        </p:blipFill>
+        <p:spPr>
+          <a:xfrm>
+            <a:off x="2525423" y="2895185"/>
+            <a:ext cx="4257675" cy="676275"/>
+          </a:xfrm>
+          <a:prstGeom prst="rect">
+            <a:avLst/>
+          </a:prstGeom>
+        </p:spPr>
+      </p:pic>
+      <p:pic>
+        <p:nvPicPr>
+          <p:cNvPr id="8" name="圖片 7"/>
+          <p:cNvPicPr>
+            <a:picLocks noChangeAspect="1"/>
+          </p:cNvPicPr>
+          <p:nvPr/>
+        </p:nvPicPr>
+        <p:blipFill>
+          <a:blip r:embed="rId4"/>
+          <a:stretch>
+            <a:fillRect/>
+          </a:stretch>
+        </p:blipFill>
+        <p:spPr>
+          <a:xfrm>
+            <a:off x="2525423" y="3697614"/>
+            <a:ext cx="5314950" cy="685800"/>
+          </a:xfrm>
+          <a:prstGeom prst="rect">
+            <a:avLst/>
+          </a:prstGeom>
+        </p:spPr>
+      </p:pic>
+      <p:sp>
+        <p:nvSpPr>
+          <p:cNvPr id="9" name="文字方塊 8"/>
+          <p:cNvSpPr txBox="1"/>
+          <p:nvPr/>
+        </p:nvSpPr>
+        <p:spPr>
+          <a:xfrm>
+            <a:off x="6824710" y="3048656"/>
+            <a:ext cx="2954655" cy="369332"/>
+          </a:xfrm>
+          <a:prstGeom prst="rect">
+            <a:avLst/>
+          </a:prstGeom>
+          <a:noFill/>
+        </p:spPr>
+        <p:txBody>
+          <a:bodyPr wrap="none" rtlCol="0">
+            <a:spAutoFit/>
+          </a:bodyPr>
+          <a:lstStyle/>
+          <a:p>
+            <a:r>
+              <a:rPr lang="zh-TW" altLang="en-US" b="1" dirty="0" smtClean="0">
+                <a:solidFill>
+                  <a:srgbClr val="FFFF00"/>
+                </a:solidFill>
+                <a:latin typeface="微軟正黑體" panose="020B0604030504040204" pitchFamily="34" charset="-120"/>
+                <a:ea typeface="微軟正黑體" panose="020B0604030504040204" pitchFamily="34" charset="-120"/>
+              </a:rPr>
+              <a:t>年輕人、買與不買的資訊</a:t>
+            </a:r>
+            <a:r>
+              <a:rPr lang="zh-TW" altLang="en-US" b="1" dirty="0">
+                <a:solidFill>
+                  <a:srgbClr val="FFFF00"/>
+                </a:solidFill>
+                <a:latin typeface="微軟正黑體" panose="020B0604030504040204" pitchFamily="34" charset="-120"/>
+                <a:ea typeface="微軟正黑體" panose="020B0604030504040204" pitchFamily="34" charset="-120"/>
+              </a:rPr>
+              <a:t>熵</a:t>
+            </a:r>
+          </a:p>
+        </p:txBody>
+      </p:sp>
+      <p:sp>
+        <p:nvSpPr>
+          <p:cNvPr id="10" name="文字方塊 9"/>
+          <p:cNvSpPr txBox="1"/>
+          <p:nvPr/>
+        </p:nvSpPr>
+        <p:spPr>
+          <a:xfrm>
+            <a:off x="7876642" y="3855848"/>
+            <a:ext cx="2954655" cy="369332"/>
+          </a:xfrm>
+          <a:prstGeom prst="rect">
+            <a:avLst/>
+          </a:prstGeom>
+          <a:noFill/>
+        </p:spPr>
+        <p:txBody>
+          <a:bodyPr wrap="none" rtlCol="0">
+            <a:spAutoFit/>
+          </a:bodyPr>
+          <a:lstStyle/>
+          <a:p>
+            <a:r>
+              <a:rPr lang="zh-TW" altLang="en-US" b="1" dirty="0" smtClean="0">
+                <a:solidFill>
+                  <a:srgbClr val="FFFF00"/>
+                </a:solidFill>
+                <a:latin typeface="微軟正黑體" panose="020B0604030504040204" pitchFamily="34" charset="-120"/>
+                <a:ea typeface="微軟正黑體" panose="020B0604030504040204" pitchFamily="34" charset="-120"/>
+              </a:rPr>
+              <a:t>年紀、買與不買的總資訊</a:t>
+            </a:r>
+            <a:r>
+              <a:rPr lang="zh-TW" altLang="en-US" b="1" dirty="0">
+                <a:solidFill>
+                  <a:srgbClr val="FFFF00"/>
+                </a:solidFill>
+                <a:latin typeface="微軟正黑體" panose="020B0604030504040204" pitchFamily="34" charset="-120"/>
+                <a:ea typeface="微軟正黑體" panose="020B0604030504040204" pitchFamily="34" charset="-120"/>
+              </a:rPr>
+              <a:t>熵</a:t>
+            </a:r>
+          </a:p>
+        </p:txBody>
+      </p:sp>
+      <p:sp>
+        <p:nvSpPr>
+          <p:cNvPr id="12" name="文字方塊 11"/>
+          <p:cNvSpPr txBox="1"/>
+          <p:nvPr/>
+        </p:nvSpPr>
+        <p:spPr>
+          <a:xfrm>
+            <a:off x="2447637" y="4846253"/>
+            <a:ext cx="4780411" cy="1200329"/>
+          </a:xfrm>
+          <a:prstGeom prst="rect">
+            <a:avLst/>
+          </a:prstGeom>
+          <a:noFill/>
+        </p:spPr>
+        <p:txBody>
+          <a:bodyPr wrap="none" rtlCol="0">
+            <a:spAutoFit/>
+          </a:bodyPr>
+          <a:lstStyle/>
+          <a:p>
+            <a:r>
+              <a:rPr lang="en-US" altLang="zh-TW" b="1" dirty="0" smtClean="0">
+                <a:latin typeface="微軟正黑體" panose="020B0604030504040204" pitchFamily="34" charset="-120"/>
+                <a:ea typeface="微軟正黑體" panose="020B0604030504040204" pitchFamily="34" charset="-120"/>
+              </a:rPr>
+              <a:t>Gain(age)</a:t>
+            </a:r>
+            <a:r>
+              <a:rPr lang="zh-TW" altLang="en-US" b="1" dirty="0" smtClean="0">
+                <a:latin typeface="微軟正黑體" panose="020B0604030504040204" pitchFamily="34" charset="-120"/>
+                <a:ea typeface="微軟正黑體" panose="020B0604030504040204" pitchFamily="34" charset="-120"/>
+              </a:rPr>
+              <a:t> </a:t>
+            </a:r>
+            <a:r>
+              <a:rPr lang="en-US" altLang="zh-TW" b="1" dirty="0" smtClean="0">
+                <a:latin typeface="微軟正黑體" panose="020B0604030504040204" pitchFamily="34" charset="-120"/>
+                <a:ea typeface="微軟正黑體" panose="020B0604030504040204" pitchFamily="34" charset="-120"/>
+              </a:rPr>
+              <a:t>=</a:t>
+            </a:r>
+            <a:r>
+              <a:rPr lang="zh-TW" altLang="en-US" b="1" dirty="0" smtClean="0">
+                <a:latin typeface="微軟正黑體" panose="020B0604030504040204" pitchFamily="34" charset="-120"/>
+                <a:ea typeface="微軟正黑體" panose="020B0604030504040204" pitchFamily="34" charset="-120"/>
+              </a:rPr>
+              <a:t> </a:t>
+            </a:r>
+            <a:r>
+              <a:rPr lang="en-US" altLang="zh-TW" b="1" dirty="0" smtClean="0">
+                <a:latin typeface="微軟正黑體" panose="020B0604030504040204" pitchFamily="34" charset="-120"/>
+                <a:ea typeface="微軟正黑體" panose="020B0604030504040204" pitchFamily="34" charset="-120"/>
+              </a:rPr>
+              <a:t>0.94</a:t>
+            </a:r>
+            <a:r>
+              <a:rPr lang="zh-TW" altLang="en-US" b="1" dirty="0" smtClean="0">
+                <a:latin typeface="微軟正黑體" panose="020B0604030504040204" pitchFamily="34" charset="-120"/>
+                <a:ea typeface="微軟正黑體" panose="020B0604030504040204" pitchFamily="34" charset="-120"/>
+              </a:rPr>
+              <a:t> </a:t>
+            </a:r>
+            <a:r>
+              <a:rPr lang="en-US" altLang="zh-TW" b="1" dirty="0" smtClean="0">
+                <a:latin typeface="微軟正黑體" panose="020B0604030504040204" pitchFamily="34" charset="-120"/>
+                <a:ea typeface="微軟正黑體" panose="020B0604030504040204" pitchFamily="34" charset="-120"/>
+              </a:rPr>
+              <a:t>–</a:t>
+            </a:r>
+            <a:r>
+              <a:rPr lang="zh-TW" altLang="en-US" b="1" dirty="0" smtClean="0">
+                <a:latin typeface="微軟正黑體" panose="020B0604030504040204" pitchFamily="34" charset="-120"/>
+                <a:ea typeface="微軟正黑體" panose="020B0604030504040204" pitchFamily="34" charset="-120"/>
+              </a:rPr>
+              <a:t> </a:t>
+            </a:r>
+            <a:r>
+              <a:rPr lang="en-US" altLang="zh-TW" b="1" dirty="0" smtClean="0">
+                <a:latin typeface="微軟正黑體" panose="020B0604030504040204" pitchFamily="34" charset="-120"/>
+                <a:ea typeface="微軟正黑體" panose="020B0604030504040204" pitchFamily="34" charset="-120"/>
+              </a:rPr>
+              <a:t>0.694</a:t>
+            </a:r>
+            <a:r>
+              <a:rPr lang="zh-TW" altLang="en-US" b="1" dirty="0" smtClean="0">
+                <a:latin typeface="微軟正黑體" panose="020B0604030504040204" pitchFamily="34" charset="-120"/>
+                <a:ea typeface="微軟正黑體" panose="020B0604030504040204" pitchFamily="34" charset="-120"/>
+              </a:rPr>
+              <a:t> </a:t>
+            </a:r>
+            <a:r>
+              <a:rPr lang="en-US" altLang="zh-TW" b="1" dirty="0" smtClean="0">
+                <a:latin typeface="微軟正黑體" panose="020B0604030504040204" pitchFamily="34" charset="-120"/>
+                <a:ea typeface="微軟正黑體" panose="020B0604030504040204" pitchFamily="34" charset="-120"/>
+              </a:rPr>
+              <a:t>=</a:t>
+            </a:r>
+            <a:r>
+              <a:rPr lang="zh-TW" altLang="en-US" b="1" dirty="0" smtClean="0">
+                <a:latin typeface="微軟正黑體" panose="020B0604030504040204" pitchFamily="34" charset="-120"/>
+                <a:ea typeface="微軟正黑體" panose="020B0604030504040204" pitchFamily="34" charset="-120"/>
+              </a:rPr>
+              <a:t> </a:t>
+            </a:r>
+            <a:r>
+              <a:rPr lang="en-US" altLang="zh-TW" b="1" dirty="0" smtClean="0">
+                <a:latin typeface="微軟正黑體" panose="020B0604030504040204" pitchFamily="34" charset="-120"/>
+                <a:ea typeface="微軟正黑體" panose="020B0604030504040204" pitchFamily="34" charset="-120"/>
+              </a:rPr>
+              <a:t>0.246</a:t>
+            </a:r>
+          </a:p>
+          <a:p>
+            <a:r>
+              <a:rPr lang="en-US" altLang="zh-TW" b="1" dirty="0" smtClean="0">
+                <a:latin typeface="微軟正黑體" panose="020B0604030504040204" pitchFamily="34" charset="-120"/>
+                <a:ea typeface="微軟正黑體" panose="020B0604030504040204" pitchFamily="34" charset="-120"/>
+              </a:rPr>
+              <a:t>Gain(student) = 0.94 – 0.789 = 0.151</a:t>
+            </a:r>
+          </a:p>
+          <a:p>
+            <a:r>
+              <a:rPr lang="en-US" altLang="zh-TW" b="1" dirty="0" smtClean="0">
+                <a:latin typeface="微軟正黑體" panose="020B0604030504040204" pitchFamily="34" charset="-120"/>
+                <a:ea typeface="微軟正黑體" panose="020B0604030504040204" pitchFamily="34" charset="-120"/>
+              </a:rPr>
+              <a:t>Gain(</a:t>
+            </a:r>
+            <a:r>
+              <a:rPr lang="en-US" altLang="zh-TW" b="1" dirty="0" err="1" smtClean="0">
+                <a:latin typeface="微軟正黑體" panose="020B0604030504040204" pitchFamily="34" charset="-120"/>
+                <a:ea typeface="微軟正黑體" panose="020B0604030504040204" pitchFamily="34" charset="-120"/>
+              </a:rPr>
+              <a:t>credit_rating</a:t>
+            </a:r>
+            <a:r>
+              <a:rPr lang="en-US" altLang="zh-TW" b="1" dirty="0" smtClean="0">
+                <a:latin typeface="微軟正黑體" panose="020B0604030504040204" pitchFamily="34" charset="-120"/>
+                <a:ea typeface="微軟正黑體" panose="020B0604030504040204" pitchFamily="34" charset="-120"/>
+              </a:rPr>
+              <a:t>) = 0.94 – 0.892 = 0.048</a:t>
+            </a:r>
+          </a:p>
+          <a:p>
+            <a:r>
+              <a:rPr lang="en-US" altLang="zh-TW" b="1" dirty="0" smtClean="0">
+                <a:latin typeface="微軟正黑體" panose="020B0604030504040204" pitchFamily="34" charset="-120"/>
+                <a:ea typeface="微軟正黑體" panose="020B0604030504040204" pitchFamily="34" charset="-120"/>
+              </a:rPr>
+              <a:t>Gain(income) = 0.94 – 0.911 = 0.029</a:t>
+            </a:r>
+            <a:endParaRPr lang="zh-TW" altLang="en-US" b="1" dirty="0">
+              <a:latin typeface="微軟正黑體" panose="020B0604030504040204" pitchFamily="34" charset="-120"/>
+              <a:ea typeface="微軟正黑體" panose="020B0604030504040204" pitchFamily="34" charset="-120"/>
+            </a:endParaRPr>
+          </a:p>
+        </p:txBody>
+      </p:sp>
+      <p:sp>
+        <p:nvSpPr>
+          <p:cNvPr id="13" name="橢圓 12"/>
+          <p:cNvSpPr/>
+          <p:nvPr/>
+        </p:nvSpPr>
+        <p:spPr>
+          <a:xfrm>
+            <a:off x="5394036" y="3697613"/>
+            <a:ext cx="304800" cy="685801"/>
+          </a:xfrm>
+          <a:prstGeom prst="ellipse">
+            <a:avLst/>
+          </a:prstGeom>
+          <a:noFill/>
+          <a:ln>
+            <a:solidFill>
+              <a:srgbClr val="FF0000"/>
+            </a:solidFill>
+          </a:ln>
+        </p:spPr>
+        <p:style>
+          <a:lnRef idx="2">
+            <a:schemeClr val="accent1">
+              <a:shade val="50000"/>
+            </a:schemeClr>
+          </a:lnRef>
+          <a:fillRef idx="1">
+            <a:schemeClr val="accent1"/>
+          </a:fillRef>
+          <a:effectRef idx="0">
+            <a:schemeClr val="accent1"/>
+          </a:effectRef>
+          <a:fontRef idx="minor">
+            <a:schemeClr val="lt1"/>
+          </a:fontRef>
+        </p:style>
+        <p:txBody>
+          <a:bodyPr rtlCol="0" anchor="ctr"/>
+          <a:lstStyle/>
+          <a:p>
+            <a:pPr algn="ctr"/>
+            <a:endParaRPr lang="zh-TW" altLang="en-US"/>
+          </a:p>
+        </p:txBody>
+      </p:sp>
+    </p:spTree>
+    <p:extLst>
+      <p:ext uri="{BB962C8B-B14F-4D97-AF65-F5344CB8AC3E}">
+        <p14:creationId xmlns:p14="http://schemas.microsoft.com/office/powerpoint/2010/main" val="3217205049"/>
+      </p:ext>
+    </p:extLst>
+  </p:cSld>
+  <p:clrMapOvr>
+    <a:masterClrMapping/>
+  </p:clrMapOvr>
+  <p:timing>
+    <p:tnLst>
+      <p:par>
+        <p:cTn id="1" dur="indefinite" restart="never" nodeType="tmRoot"/>
+      </p:par>
+    </p:tnLst>
+  </p:timing>
 </p:sld>
 </file>
 
@@ -18849,7 +18237,7 @@
   <a:extraClrSchemeLst/>
   <a:extLst>
     <a:ext uri="{05A4C25C-085E-4340-85A3-A5531E510DB2}">
-      <thm15:themeFamily xmlns:thm15="http://schemas.microsoft.com/office/thememl/2012/main" xmlns="" name="Celestial" id="{C4BB2A3D-0E93-4C5F-B0D2-9D3FCE089CC5}" vid="{61DDDE80-2DFA-4F2A-B66F-72059846BDAA}"/>
+      <thm15:themeFamily xmlns:thm15="http://schemas.microsoft.com/office/thememl/2012/main" name="Celestial" id="{C4BB2A3D-0E93-4C5F-B0D2-9D3FCE089CC5}" vid="{61DDDE80-2DFA-4F2A-B66F-72059846BDAA}"/>
     </a:ext>
   </a:extLst>
 </a:theme>
@@ -19110,7 +18498,7 @@
   <a:extraClrSchemeLst/>
   <a:extLst>
     <a:ext uri="{05A4C25C-085E-4340-85A3-A5531E510DB2}">
-      <thm15:themeFamily xmlns:thm15="http://schemas.microsoft.com/office/thememl/2012/main" xmlns="" name="Office Theme" id="{62F939B6-93AF-4DB8-9C6B-D6C7DFDC589F}" vid="{4A3C46E8-61CC-4603-A589-7422A47A8E4A}"/>
+      <thm15:themeFamily xmlns:thm15="http://schemas.microsoft.com/office/thememl/2012/main" name="Office Theme" id="{62F939B6-93AF-4DB8-9C6B-D6C7DFDC589F}" vid="{4A3C46E8-61CC-4603-A589-7422A47A8E4A}"/>
     </a:ext>
   </a:extLst>
 </a:theme>

--- a/slides/10801/Python進階程式設計/[W5] Classification Theories and Exercises.pptx
+++ b/slides/10801/Python進階程式設計/[W5] Classification Theories and Exercises.pptx
@@ -10150,7 +10150,7 @@
             </a:endParaRPr>
           </a:p>
           <a:p>
-            <a:pPr marL="50800" marR="101600" lvl="0" indent="0" algn="l" rtl="0">
+            <a:pPr marL="50800" marR="101600" lvl="0">
               <a:lnSpc>
                 <a:spcPct val="121429"/>
               </a:lnSpc>
@@ -10164,8 +10164,6 @@
                 <a:schemeClr val="dk1"/>
               </a:buClr>
               <a:buSzPts val="1100"/>
-              <a:buFont typeface="Arial"/>
-              <a:buNone/>
             </a:pPr>
             <a:r>
               <a:rPr lang="zh-TW" dirty="0">
@@ -10209,7 +10207,37 @@
                 <a:cs typeface="Arial"/>
                 <a:sym typeface="Arial"/>
               </a:rPr>
-              <a:t>from sklearn.cross_validation import train_test_split</a:t>
+              <a:t>from </a:t>
+            </a:r>
+            <a:r>
+              <a:rPr lang="en-US" altLang="zh-TW" dirty="0" err="1">
+                <a:solidFill>
+                  <a:srgbClr val="FFFFFF"/>
+                </a:solidFill>
+                <a:highlight>
+                  <a:srgbClr val="274E13"/>
+                </a:highlight>
+                <a:latin typeface="微軟正黑體" panose="020B0604030504040204" pitchFamily="34" charset="-120"/>
+                <a:ea typeface="微軟正黑體" panose="020B0604030504040204" pitchFamily="34" charset="-120"/>
+                <a:cs typeface="Arial"/>
+                <a:sym typeface="Arial"/>
+              </a:rPr>
+              <a:t>sklearn.model_selection.train_test_split</a:t>
+            </a:r>
+            <a:r>
+              <a:rPr lang="zh-TW" dirty="0">
+                <a:solidFill>
+                  <a:srgbClr val="FFFFFF"/>
+                </a:solidFill>
+                <a:highlight>
+                  <a:srgbClr val="274E13"/>
+                </a:highlight>
+                <a:latin typeface="微軟正黑體" panose="020B0604030504040204" pitchFamily="34" charset="-120"/>
+                <a:ea typeface="微軟正黑體" panose="020B0604030504040204" pitchFamily="34" charset="-120"/>
+                <a:cs typeface="Arial"/>
+                <a:sym typeface="Arial"/>
+              </a:rPr>
+              <a:t/>
             </a:r>
             <a:br>
               <a:rPr lang="zh-TW" dirty="0">
@@ -14710,7 +14738,7 @@
           <a:graphicData uri="http://schemas.openxmlformats.org/presentationml/2006/ole">
             <mc:AlternateContent xmlns:mc="http://schemas.openxmlformats.org/markup-compatibility/2006">
               <mc:Choice xmlns:v="urn:schemas-microsoft-com:vml" Requires="v">
-                <p:oleObj spid="_x0000_s1036" name="方程式" r:id="rId3" imgW="2667000" imgH="431800" progId="Equation.3">
+                <p:oleObj spid="_x0000_s1038" name="方程式" r:id="rId3" imgW="2667000" imgH="431800" progId="Equation.3">
                   <p:embed/>
                 </p:oleObj>
               </mc:Choice>
@@ -16937,14 +16965,7 @@
                 <a:latin typeface="微軟正黑體" panose="020B0604030504040204" pitchFamily="34" charset="-120"/>
                 <a:ea typeface="微軟正黑體" panose="020B0604030504040204" pitchFamily="34" charset="-120"/>
               </a:rPr>
-              <a:t>所有樣本都屬於同一分類標記的</a:t>
-            </a:r>
-            <a:r>
-              <a:rPr lang="zh-TW" altLang="en-US" sz="2000" dirty="0" smtClean="0">
-                <a:latin typeface="微軟正黑體" panose="020B0604030504040204" pitchFamily="34" charset="-120"/>
-                <a:ea typeface="微軟正黑體" panose="020B0604030504040204" pitchFamily="34" charset="-120"/>
-              </a:rPr>
-              <a:t>子集合</a:t>
+              <a:t>所有樣本都屬於同一分類標記的子集合</a:t>
             </a:r>
             <a:endParaRPr lang="en-US" altLang="zh-TW" sz="2000" dirty="0" smtClean="0">
               <a:latin typeface="微軟正黑體" panose="020B0604030504040204" pitchFamily="34" charset="-120"/>

--- a/slides/10801/Python進階程式設計/[W5] Classification Theories and Exercises.pptx
+++ b/slides/10801/Python進階程式設計/[W5] Classification Theories and Exercises.pptx
@@ -14738,7 +14738,7 @@
           <a:graphicData uri="http://schemas.openxmlformats.org/presentationml/2006/ole">
             <mc:AlternateContent xmlns:mc="http://schemas.openxmlformats.org/markup-compatibility/2006">
               <mc:Choice xmlns:v="urn:schemas-microsoft-com:vml" Requires="v">
-                <p:oleObj spid="_x0000_s1038" name="方程式" r:id="rId3" imgW="2667000" imgH="431800" progId="Equation.3">
+                <p:oleObj spid="_x0000_s1039" name="方程式" r:id="rId3" imgW="2667000" imgH="431800" progId="Equation.3">
                   <p:embed/>
                 </p:oleObj>
               </mc:Choice>
